--- a/lectures/CSE8AW20-Jan-30-Lec8-Java-Continues/CSE8AW20-01-30-Lec8-Java-Continues-slides.pptx
+++ b/lectures/CSE8AW20-Jan-30-Lec8-Java-Continues/CSE8AW20-01-30-Lec8-Java-Continues-slides.pptx
@@ -5,7 +5,7 @@
     <p:sldMasterId id="2147483648" r:id="rId1"/>
   </p:sldMasterIdLst>
   <p:notesMasterIdLst>
-    <p:notesMasterId r:id="rId24"/>
+    <p:notesMasterId r:id="rId13"/>
   </p:notesMasterIdLst>
   <p:sldIdLst>
     <p:sldId id="266" r:id="rId2"/>
@@ -19,17 +19,6 @@
     <p:sldId id="351" r:id="rId10"/>
     <p:sldId id="354" r:id="rId11"/>
     <p:sldId id="355" r:id="rId12"/>
-    <p:sldId id="337" r:id="rId13"/>
-    <p:sldId id="339" r:id="rId14"/>
-    <p:sldId id="327" r:id="rId15"/>
-    <p:sldId id="311" r:id="rId16"/>
-    <p:sldId id="340" r:id="rId17"/>
-    <p:sldId id="341" r:id="rId18"/>
-    <p:sldId id="342" r:id="rId19"/>
-    <p:sldId id="343" r:id="rId20"/>
-    <p:sldId id="344" r:id="rId21"/>
-    <p:sldId id="345" r:id="rId22"/>
-    <p:sldId id="346" r:id="rId23"/>
   </p:sldIdLst>
   <p:sldSz cx="12192000" cy="6858000"/>
   <p:notesSz cx="6858000" cy="9144000"/>
@@ -218,7 +207,7 @@
           <a:p>
             <a:fld id="{FA117288-13F6-A645-A1EE-CC48E87078BF}" type="datetimeFigureOut">
               <a:rPr lang="en-US" smtClean="0"/>
-              <a:t>1/27/20</a:t>
+              <a:t>1/30/20</a:t>
             </a:fld>
             <a:endParaRPr lang="en-US"/>
           </a:p>
@@ -716,7 +705,7 @@
           <a:p>
             <a:fld id="{CBA7B51C-4A64-5C42-B93F-3A6373E2DB39}" type="datetimeFigureOut">
               <a:rPr lang="en-US" smtClean="0"/>
-              <a:t>1/27/20</a:t>
+              <a:t>1/30/20</a:t>
             </a:fld>
             <a:endParaRPr lang="en-US"/>
           </a:p>
@@ -914,7 +903,7 @@
           <a:p>
             <a:fld id="{CBA7B51C-4A64-5C42-B93F-3A6373E2DB39}" type="datetimeFigureOut">
               <a:rPr lang="en-US" smtClean="0"/>
-              <a:t>1/27/20</a:t>
+              <a:t>1/30/20</a:t>
             </a:fld>
             <a:endParaRPr lang="en-US"/>
           </a:p>
@@ -1122,7 +1111,7 @@
           <a:p>
             <a:fld id="{CBA7B51C-4A64-5C42-B93F-3A6373E2DB39}" type="datetimeFigureOut">
               <a:rPr lang="en-US" smtClean="0"/>
-              <a:t>1/27/20</a:t>
+              <a:t>1/30/20</a:t>
             </a:fld>
             <a:endParaRPr lang="en-US"/>
           </a:p>
@@ -1320,7 +1309,7 @@
           <a:p>
             <a:fld id="{CBA7B51C-4A64-5C42-B93F-3A6373E2DB39}" type="datetimeFigureOut">
               <a:rPr lang="en-US" smtClean="0"/>
-              <a:t>1/27/20</a:t>
+              <a:t>1/30/20</a:t>
             </a:fld>
             <a:endParaRPr lang="en-US"/>
           </a:p>
@@ -1595,7 +1584,7 @@
           <a:p>
             <a:fld id="{CBA7B51C-4A64-5C42-B93F-3A6373E2DB39}" type="datetimeFigureOut">
               <a:rPr lang="en-US" smtClean="0"/>
-              <a:t>1/27/20</a:t>
+              <a:t>1/30/20</a:t>
             </a:fld>
             <a:endParaRPr lang="en-US"/>
           </a:p>
@@ -1860,7 +1849,7 @@
           <a:p>
             <a:fld id="{CBA7B51C-4A64-5C42-B93F-3A6373E2DB39}" type="datetimeFigureOut">
               <a:rPr lang="en-US" smtClean="0"/>
-              <a:t>1/27/20</a:t>
+              <a:t>1/30/20</a:t>
             </a:fld>
             <a:endParaRPr lang="en-US"/>
           </a:p>
@@ -2272,7 +2261,7 @@
           <a:p>
             <a:fld id="{CBA7B51C-4A64-5C42-B93F-3A6373E2DB39}" type="datetimeFigureOut">
               <a:rPr lang="en-US" smtClean="0"/>
-              <a:t>1/27/20</a:t>
+              <a:t>1/30/20</a:t>
             </a:fld>
             <a:endParaRPr lang="en-US"/>
           </a:p>
@@ -2413,7 +2402,7 @@
           <a:p>
             <a:fld id="{CBA7B51C-4A64-5C42-B93F-3A6373E2DB39}" type="datetimeFigureOut">
               <a:rPr lang="en-US" smtClean="0"/>
-              <a:t>1/27/20</a:t>
+              <a:t>1/30/20</a:t>
             </a:fld>
             <a:endParaRPr lang="en-US"/>
           </a:p>
@@ -2526,7 +2515,7 @@
           <a:p>
             <a:fld id="{CBA7B51C-4A64-5C42-B93F-3A6373E2DB39}" type="datetimeFigureOut">
               <a:rPr lang="en-US" smtClean="0"/>
-              <a:t>1/27/20</a:t>
+              <a:t>1/30/20</a:t>
             </a:fld>
             <a:endParaRPr lang="en-US"/>
           </a:p>
@@ -2837,7 +2826,7 @@
           <a:p>
             <a:fld id="{CBA7B51C-4A64-5C42-B93F-3A6373E2DB39}" type="datetimeFigureOut">
               <a:rPr lang="en-US" smtClean="0"/>
-              <a:t>1/27/20</a:t>
+              <a:t>1/30/20</a:t>
             </a:fld>
             <a:endParaRPr lang="en-US"/>
           </a:p>
@@ -3125,7 +3114,7 @@
           <a:p>
             <a:fld id="{CBA7B51C-4A64-5C42-B93F-3A6373E2DB39}" type="datetimeFigureOut">
               <a:rPr lang="en-US" smtClean="0"/>
-              <a:t>1/27/20</a:t>
+              <a:t>1/30/20</a:t>
             </a:fld>
             <a:endParaRPr lang="en-US"/>
           </a:p>
@@ -3366,7 +3355,7 @@
           <a:p>
             <a:fld id="{CBA7B51C-4A64-5C42-B93F-3A6373E2DB39}" type="datetimeFigureOut">
               <a:rPr lang="en-US" smtClean="0"/>
-              <a:t>1/27/20</a:t>
+              <a:t>1/30/20</a:t>
             </a:fld>
             <a:endParaRPr lang="en-US"/>
           </a:p>
@@ -5040,5296 +5029,6 @@
 </p:sld>
 </file>
 
-<file path=ppt/slides/slide12.xml><?xml version="1.0" encoding="utf-8"?>
-<p:sld xmlns:a="http://schemas.openxmlformats.org/drawingml/2006/main" xmlns:r="http://schemas.openxmlformats.org/officeDocument/2006/relationships" xmlns:p="http://schemas.openxmlformats.org/presentationml/2006/main">
-  <p:cSld>
-    <p:spTree>
-      <p:nvGrpSpPr>
-        <p:cNvPr id="1" name=""/>
-        <p:cNvGrpSpPr/>
-        <p:nvPr/>
-      </p:nvGrpSpPr>
-      <p:grpSpPr>
-        <a:xfrm>
-          <a:off x="0" y="0"/>
-          <a:ext cx="0" cy="0"/>
-          <a:chOff x="0" y="0"/>
-          <a:chExt cx="0" cy="0"/>
-        </a:xfrm>
-      </p:grpSpPr>
-      <p:sp>
-        <p:nvSpPr>
-          <p:cNvPr id="2" name="Title 1">
-            <a:extLst>
-              <a:ext uri="{FF2B5EF4-FFF2-40B4-BE49-F238E27FC236}">
-                <a16:creationId xmlns:a16="http://schemas.microsoft.com/office/drawing/2014/main" id="{84986E08-F8E9-8A46-AE42-F70FBE34F329}"/>
-              </a:ext>
-            </a:extLst>
-          </p:cNvPr>
-          <p:cNvSpPr>
-            <a:spLocks noGrp="1"/>
-          </p:cNvSpPr>
-          <p:nvPr>
-            <p:ph type="title"/>
-          </p:nvPr>
-        </p:nvSpPr>
-        <p:spPr/>
-        <p:txBody>
-          <a:bodyPr/>
-          <a:lstStyle/>
-          <a:p>
-            <a:r>
-              <a:rPr lang="en-US" dirty="0"/>
-              <a:t>Review: While loops </a:t>
-            </a:r>
-            <a:r>
-              <a:rPr lang="en-US" dirty="0" err="1"/>
-              <a:t>sum_alternates</a:t>
-            </a:r>
-            <a:endParaRPr lang="en-US" dirty="0"/>
-          </a:p>
-        </p:txBody>
-      </p:sp>
-      <p:sp>
-        <p:nvSpPr>
-          <p:cNvPr id="12" name="Content Placeholder 2">
-            <a:extLst>
-              <a:ext uri="{FF2B5EF4-FFF2-40B4-BE49-F238E27FC236}">
-                <a16:creationId xmlns:a16="http://schemas.microsoft.com/office/drawing/2014/main" id="{BB910661-C10B-4040-99DA-FB198597083D}"/>
-              </a:ext>
-            </a:extLst>
-          </p:cNvPr>
-          <p:cNvSpPr>
-            <a:spLocks noGrp="1"/>
-          </p:cNvSpPr>
-          <p:nvPr>
-            <p:ph sz="half" idx="1"/>
-          </p:nvPr>
-        </p:nvSpPr>
-        <p:spPr/>
-        <p:txBody>
-          <a:bodyPr>
-            <a:normAutofit fontScale="92500" lnSpcReduction="10000"/>
-          </a:bodyPr>
-          <a:lstStyle/>
-          <a:p>
-            <a:pPr marL="0" indent="0">
-              <a:buNone/>
-            </a:pPr>
-            <a:r>
-              <a:rPr lang="en-US" dirty="0">
-                <a:latin typeface="Calibri" panose="020F0502020204030204" pitchFamily="34" charset="0"/>
-                <a:cs typeface="Calibri" panose="020F0502020204030204" pitchFamily="34" charset="0"/>
-              </a:rPr>
-              <a:t>Consider this program:</a:t>
-            </a:r>
-          </a:p>
-          <a:p>
-            <a:pPr marL="0" indent="0">
-              <a:buNone/>
-            </a:pPr>
-            <a:endParaRPr lang="en-US" dirty="0">
-              <a:latin typeface="Calibri" panose="020F0502020204030204" pitchFamily="34" charset="0"/>
-              <a:cs typeface="Calibri" panose="020F0502020204030204" pitchFamily="34" charset="0"/>
-            </a:endParaRPr>
-          </a:p>
-          <a:p>
-            <a:pPr marL="0" indent="0">
-              <a:buNone/>
-            </a:pPr>
-            <a:r>
-              <a:rPr lang="en-US" sz="1900" dirty="0">
-                <a:latin typeface="Consolas" panose="020B0609020204030204" pitchFamily="49" charset="0"/>
-                <a:cs typeface="Consolas" panose="020B0609020204030204" pitchFamily="49" charset="0"/>
-              </a:rPr>
-              <a:t>def </a:t>
-            </a:r>
-            <a:r>
-              <a:rPr lang="en-US" sz="1900" dirty="0" err="1">
-                <a:latin typeface="Consolas" panose="020B0609020204030204" pitchFamily="49" charset="0"/>
-                <a:cs typeface="Consolas" panose="020B0609020204030204" pitchFamily="49" charset="0"/>
-              </a:rPr>
-              <a:t>sum_alternate</a:t>
-            </a:r>
-            <a:r>
-              <a:rPr lang="en-US" sz="1900" dirty="0">
-                <a:latin typeface="Consolas" panose="020B0609020204030204" pitchFamily="49" charset="0"/>
-                <a:cs typeface="Consolas" panose="020B0609020204030204" pitchFamily="49" charset="0"/>
-              </a:rPr>
-              <a:t>(</a:t>
-            </a:r>
-            <a:r>
-              <a:rPr lang="en-US" sz="1900" dirty="0" err="1">
-                <a:latin typeface="Consolas" panose="020B0609020204030204" pitchFamily="49" charset="0"/>
-                <a:cs typeface="Consolas" panose="020B0609020204030204" pitchFamily="49" charset="0"/>
-              </a:rPr>
-              <a:t>nums</a:t>
-            </a:r>
-            <a:r>
-              <a:rPr lang="en-US" sz="1900" dirty="0">
-                <a:latin typeface="Consolas" panose="020B0609020204030204" pitchFamily="49" charset="0"/>
-                <a:cs typeface="Consolas" panose="020B0609020204030204" pitchFamily="49" charset="0"/>
-              </a:rPr>
-              <a:t>):</a:t>
-            </a:r>
-          </a:p>
-          <a:p>
-            <a:pPr marL="0" indent="0">
-              <a:buNone/>
-            </a:pPr>
-            <a:r>
-              <a:rPr lang="en-US" sz="1900" dirty="0">
-                <a:latin typeface="Consolas" panose="020B0609020204030204" pitchFamily="49" charset="0"/>
-                <a:cs typeface="Consolas" panose="020B0609020204030204" pitchFamily="49" charset="0"/>
-              </a:rPr>
-              <a:t>  total = 0</a:t>
-            </a:r>
-          </a:p>
-          <a:p>
-            <a:pPr marL="0" indent="0">
-              <a:buNone/>
-            </a:pPr>
-            <a:r>
-              <a:rPr lang="en-US" sz="1900" dirty="0">
-                <a:latin typeface="Consolas" panose="020B0609020204030204" pitchFamily="49" charset="0"/>
-                <a:cs typeface="Consolas" panose="020B0609020204030204" pitchFamily="49" charset="0"/>
-              </a:rPr>
-              <a:t>  index = 0</a:t>
-            </a:r>
-          </a:p>
-          <a:p>
-            <a:pPr marL="0" indent="0">
-              <a:buNone/>
-            </a:pPr>
-            <a:r>
-              <a:rPr lang="en-US" sz="1900" dirty="0">
-                <a:latin typeface="Consolas" panose="020B0609020204030204" pitchFamily="49" charset="0"/>
-                <a:cs typeface="Consolas" panose="020B0609020204030204" pitchFamily="49" charset="0"/>
-              </a:rPr>
-              <a:t>  while index &lt; </a:t>
-            </a:r>
-            <a:r>
-              <a:rPr lang="en-US" sz="1900" dirty="0" err="1">
-                <a:latin typeface="Consolas" panose="020B0609020204030204" pitchFamily="49" charset="0"/>
-                <a:cs typeface="Consolas" panose="020B0609020204030204" pitchFamily="49" charset="0"/>
-              </a:rPr>
-              <a:t>len</a:t>
-            </a:r>
-            <a:r>
-              <a:rPr lang="en-US" sz="1900" dirty="0">
-                <a:latin typeface="Consolas" panose="020B0609020204030204" pitchFamily="49" charset="0"/>
-                <a:cs typeface="Consolas" panose="020B0609020204030204" pitchFamily="49" charset="0"/>
-              </a:rPr>
-              <a:t>(</a:t>
-            </a:r>
-            <a:r>
-              <a:rPr lang="en-US" sz="1900" dirty="0" err="1">
-                <a:latin typeface="Consolas" panose="020B0609020204030204" pitchFamily="49" charset="0"/>
-                <a:cs typeface="Consolas" panose="020B0609020204030204" pitchFamily="49" charset="0"/>
-              </a:rPr>
-              <a:t>nums</a:t>
-            </a:r>
-            <a:r>
-              <a:rPr lang="en-US" sz="1900" dirty="0">
-                <a:latin typeface="Consolas" panose="020B0609020204030204" pitchFamily="49" charset="0"/>
-                <a:cs typeface="Consolas" panose="020B0609020204030204" pitchFamily="49" charset="0"/>
-              </a:rPr>
-              <a:t>):</a:t>
-            </a:r>
-          </a:p>
-          <a:p>
-            <a:pPr marL="0" indent="0">
-              <a:buNone/>
-            </a:pPr>
-            <a:r>
-              <a:rPr lang="en-US" sz="1900" dirty="0">
-                <a:latin typeface="Consolas" panose="020B0609020204030204" pitchFamily="49" charset="0"/>
-                <a:cs typeface="Consolas" panose="020B0609020204030204" pitchFamily="49" charset="0"/>
-              </a:rPr>
-              <a:t>    total = total + ___FILL1___</a:t>
-            </a:r>
-          </a:p>
-          <a:p>
-            <a:pPr marL="0" indent="0">
-              <a:buNone/>
-            </a:pPr>
-            <a:r>
-              <a:rPr lang="en-US" sz="1900" dirty="0">
-                <a:latin typeface="Consolas" panose="020B0609020204030204" pitchFamily="49" charset="0"/>
-                <a:cs typeface="Consolas" panose="020B0609020204030204" pitchFamily="49" charset="0"/>
-              </a:rPr>
-              <a:t>    index = index + ___FILL2___</a:t>
-            </a:r>
-          </a:p>
-          <a:p>
-            <a:pPr marL="0" indent="0">
-              <a:buNone/>
-            </a:pPr>
-            <a:r>
-              <a:rPr lang="en-US" sz="1900" dirty="0">
-                <a:latin typeface="Consolas" panose="020B0609020204030204" pitchFamily="49" charset="0"/>
-                <a:cs typeface="Consolas" panose="020B0609020204030204" pitchFamily="49" charset="0"/>
-              </a:rPr>
-              <a:t>  return total</a:t>
-            </a:r>
-          </a:p>
-          <a:p>
-            <a:pPr marL="0" indent="0">
-              <a:buNone/>
-            </a:pPr>
-            <a:endParaRPr lang="en-US" sz="1900" dirty="0">
-              <a:latin typeface="Consolas" panose="020B0609020204030204" pitchFamily="49" charset="0"/>
-              <a:cs typeface="Consolas" panose="020B0609020204030204" pitchFamily="49" charset="0"/>
-            </a:endParaRPr>
-          </a:p>
-          <a:p>
-            <a:pPr marL="0" indent="0">
-              <a:buNone/>
-            </a:pPr>
-            <a:r>
-              <a:rPr lang="en-US" sz="1900" dirty="0">
-                <a:latin typeface="Consolas" panose="020B0609020204030204" pitchFamily="49" charset="0"/>
-                <a:cs typeface="Consolas" panose="020B0609020204030204" pitchFamily="49" charset="0"/>
-              </a:rPr>
-              <a:t>assert </a:t>
-            </a:r>
-            <a:r>
-              <a:rPr lang="en-US" sz="1900" dirty="0" err="1">
-                <a:latin typeface="Consolas" panose="020B0609020204030204" pitchFamily="49" charset="0"/>
-                <a:cs typeface="Consolas" panose="020B0609020204030204" pitchFamily="49" charset="0"/>
-              </a:rPr>
-              <a:t>sum_alternate</a:t>
-            </a:r>
-            <a:r>
-              <a:rPr lang="en-US" sz="1900" dirty="0">
-                <a:latin typeface="Consolas" panose="020B0609020204030204" pitchFamily="49" charset="0"/>
-                <a:cs typeface="Consolas" panose="020B0609020204030204" pitchFamily="49" charset="0"/>
-              </a:rPr>
-              <a:t>([2, 3]) == 2</a:t>
-            </a:r>
-          </a:p>
-          <a:p>
-            <a:pPr marL="0" indent="0">
-              <a:buNone/>
-            </a:pPr>
-            <a:r>
-              <a:rPr lang="en-US" sz="1900" dirty="0">
-                <a:latin typeface="Consolas" panose="020B0609020204030204" pitchFamily="49" charset="0"/>
-                <a:cs typeface="Consolas" panose="020B0609020204030204" pitchFamily="49" charset="0"/>
-              </a:rPr>
-              <a:t>assert </a:t>
-            </a:r>
-            <a:r>
-              <a:rPr lang="en-US" sz="1900" dirty="0" err="1">
-                <a:latin typeface="Consolas" panose="020B0609020204030204" pitchFamily="49" charset="0"/>
-                <a:cs typeface="Consolas" panose="020B0609020204030204" pitchFamily="49" charset="0"/>
-              </a:rPr>
-              <a:t>sum_alternate</a:t>
-            </a:r>
-            <a:r>
-              <a:rPr lang="en-US" sz="1900" dirty="0">
-                <a:latin typeface="Consolas" panose="020B0609020204030204" pitchFamily="49" charset="0"/>
-                <a:cs typeface="Consolas" panose="020B0609020204030204" pitchFamily="49" charset="0"/>
-              </a:rPr>
-              <a:t>([1, 3, 4, 6]) == 5</a:t>
-            </a:r>
-          </a:p>
-          <a:p>
-            <a:pPr marL="0" indent="0">
-              <a:buNone/>
-            </a:pPr>
-            <a:endParaRPr lang="en-US" sz="1900" dirty="0">
-              <a:latin typeface="Consolas" panose="020B0609020204030204" pitchFamily="49" charset="0"/>
-              <a:cs typeface="Consolas" panose="020B0609020204030204" pitchFamily="49" charset="0"/>
-            </a:endParaRPr>
-          </a:p>
-        </p:txBody>
-      </p:sp>
-      <p:sp>
-        <p:nvSpPr>
-          <p:cNvPr id="3" name="Content Placeholder 2">
-            <a:extLst>
-              <a:ext uri="{FF2B5EF4-FFF2-40B4-BE49-F238E27FC236}">
-                <a16:creationId xmlns:a16="http://schemas.microsoft.com/office/drawing/2014/main" id="{B81D2441-15BA-2048-93EC-F23FF5A87C1A}"/>
-              </a:ext>
-            </a:extLst>
-          </p:cNvPr>
-          <p:cNvSpPr>
-            <a:spLocks noGrp="1"/>
-          </p:cNvSpPr>
-          <p:nvPr>
-            <p:ph sz="half" idx="2"/>
-          </p:nvPr>
-        </p:nvSpPr>
-        <p:spPr/>
-        <p:txBody>
-          <a:bodyPr>
-            <a:normAutofit fontScale="92500" lnSpcReduction="10000"/>
-          </a:bodyPr>
-          <a:lstStyle/>
-          <a:p>
-            <a:pPr marL="0" indent="0">
-              <a:buNone/>
-            </a:pPr>
-            <a:r>
-              <a:rPr lang="en-US" dirty="0">
-                <a:latin typeface="Calibri" panose="020F0502020204030204" pitchFamily="34" charset="0"/>
-                <a:cs typeface="Calibri" panose="020F0502020204030204" pitchFamily="34" charset="0"/>
-              </a:rPr>
-              <a:t>What should we fill in for FILL1, FILL2 to make the tests pass?</a:t>
-            </a:r>
-          </a:p>
-          <a:p>
-            <a:pPr marL="0" indent="0">
-              <a:buNone/>
-            </a:pPr>
-            <a:endParaRPr lang="en-US" dirty="0">
-              <a:latin typeface="Calibri" panose="020F0502020204030204" pitchFamily="34" charset="0"/>
-              <a:cs typeface="Calibri" panose="020F0502020204030204" pitchFamily="34" charset="0"/>
-            </a:endParaRPr>
-          </a:p>
-          <a:p>
-            <a:pPr marL="514350" indent="-514350">
-              <a:buAutoNum type="alphaUcPeriod"/>
-            </a:pPr>
-            <a:r>
-              <a:rPr lang="en-US" dirty="0" err="1">
-                <a:latin typeface="Consolas" panose="020B0609020204030204" pitchFamily="49" charset="0"/>
-                <a:cs typeface="Consolas" panose="020B0609020204030204" pitchFamily="49" charset="0"/>
-              </a:rPr>
-              <a:t>nums</a:t>
-            </a:r>
-            <a:r>
-              <a:rPr lang="en-US" dirty="0">
-                <a:latin typeface="Consolas" panose="020B0609020204030204" pitchFamily="49" charset="0"/>
-                <a:cs typeface="Consolas" panose="020B0609020204030204" pitchFamily="49" charset="0"/>
-              </a:rPr>
-              <a:t>[index]		1</a:t>
-            </a:r>
-          </a:p>
-          <a:p>
-            <a:pPr marL="514350" indent="-514350">
-              <a:buAutoNum type="alphaUcPeriod"/>
-            </a:pPr>
-            <a:r>
-              <a:rPr lang="en-US" dirty="0">
-                <a:latin typeface="Consolas" panose="020B0609020204030204" pitchFamily="49" charset="0"/>
-                <a:cs typeface="Consolas" panose="020B0609020204030204" pitchFamily="49" charset="0"/>
-              </a:rPr>
-              <a:t>n				2</a:t>
-            </a:r>
-          </a:p>
-          <a:p>
-            <a:pPr marL="514350" indent="-514350">
-              <a:buAutoNum type="alphaUcPeriod"/>
-            </a:pPr>
-            <a:r>
-              <a:rPr lang="en-US" dirty="0">
-                <a:latin typeface="Consolas" panose="020B0609020204030204" pitchFamily="49" charset="0"/>
-                <a:cs typeface="Consolas" panose="020B0609020204030204" pitchFamily="49" charset="0"/>
-              </a:rPr>
-              <a:t>index			1</a:t>
-            </a:r>
-          </a:p>
-          <a:p>
-            <a:pPr marL="514350" indent="-514350">
-              <a:buAutoNum type="alphaUcPeriod"/>
-            </a:pPr>
-            <a:r>
-              <a:rPr lang="en-US" dirty="0" err="1">
-                <a:highlight>
-                  <a:srgbClr val="00FF00"/>
-                </a:highlight>
-                <a:latin typeface="Consolas" panose="020B0609020204030204" pitchFamily="49" charset="0"/>
-                <a:cs typeface="Consolas" panose="020B0609020204030204" pitchFamily="49" charset="0"/>
-              </a:rPr>
-              <a:t>nums</a:t>
-            </a:r>
-            <a:r>
-              <a:rPr lang="en-US" dirty="0">
-                <a:highlight>
-                  <a:srgbClr val="00FF00"/>
-                </a:highlight>
-                <a:latin typeface="Consolas" panose="020B0609020204030204" pitchFamily="49" charset="0"/>
-                <a:cs typeface="Consolas" panose="020B0609020204030204" pitchFamily="49" charset="0"/>
-              </a:rPr>
-              <a:t>[index]		2</a:t>
-            </a:r>
-          </a:p>
-          <a:p>
-            <a:pPr marL="514350" indent="-514350">
-              <a:buAutoNum type="alphaUcPeriod"/>
-            </a:pPr>
-            <a:r>
-              <a:rPr lang="en-US" dirty="0">
-                <a:latin typeface="Consolas" panose="020B0609020204030204" pitchFamily="49" charset="0"/>
-                <a:cs typeface="Consolas" panose="020B0609020204030204" pitchFamily="49" charset="0"/>
-              </a:rPr>
-              <a:t>None of the above</a:t>
-            </a:r>
-            <a:endParaRPr lang="en-US" dirty="0">
-              <a:highlight>
-                <a:srgbClr val="00FF00"/>
-              </a:highlight>
-              <a:latin typeface="Consolas" panose="020B0609020204030204" pitchFamily="49" charset="0"/>
-              <a:cs typeface="Consolas" panose="020B0609020204030204" pitchFamily="49" charset="0"/>
-            </a:endParaRPr>
-          </a:p>
-          <a:p>
-            <a:pPr marL="0" indent="0">
-              <a:buNone/>
-            </a:pPr>
-            <a:endParaRPr lang="en-US" dirty="0"/>
-          </a:p>
-        </p:txBody>
-      </p:sp>
-    </p:spTree>
-    <p:extLst>
-      <p:ext uri="{BB962C8B-B14F-4D97-AF65-F5344CB8AC3E}">
-        <p14:creationId xmlns:p14="http://schemas.microsoft.com/office/powerpoint/2010/main" val="2397355711"/>
-      </p:ext>
-    </p:extLst>
-  </p:cSld>
-  <p:clrMapOvr>
-    <a:masterClrMapping/>
-  </p:clrMapOvr>
-</p:sld>
-</file>
-
-<file path=ppt/slides/slide13.xml><?xml version="1.0" encoding="utf-8"?>
-<p:sld xmlns:a="http://schemas.openxmlformats.org/drawingml/2006/main" xmlns:r="http://schemas.openxmlformats.org/officeDocument/2006/relationships" xmlns:p="http://schemas.openxmlformats.org/presentationml/2006/main">
-  <p:cSld>
-    <p:spTree>
-      <p:nvGrpSpPr>
-        <p:cNvPr id="1" name=""/>
-        <p:cNvGrpSpPr/>
-        <p:nvPr/>
-      </p:nvGrpSpPr>
-      <p:grpSpPr>
-        <a:xfrm>
-          <a:off x="0" y="0"/>
-          <a:ext cx="0" cy="0"/>
-          <a:chOff x="0" y="0"/>
-          <a:chExt cx="0" cy="0"/>
-        </a:xfrm>
-      </p:grpSpPr>
-      <p:sp>
-        <p:nvSpPr>
-          <p:cNvPr id="2" name="Title 1">
-            <a:extLst>
-              <a:ext uri="{FF2B5EF4-FFF2-40B4-BE49-F238E27FC236}">
-                <a16:creationId xmlns:a16="http://schemas.microsoft.com/office/drawing/2014/main" id="{84986E08-F8E9-8A46-AE42-F70FBE34F329}"/>
-              </a:ext>
-            </a:extLst>
-          </p:cNvPr>
-          <p:cNvSpPr>
-            <a:spLocks noGrp="1"/>
-          </p:cNvSpPr>
-          <p:nvPr>
-            <p:ph type="title"/>
-          </p:nvPr>
-        </p:nvSpPr>
-        <p:spPr/>
-        <p:txBody>
-          <a:bodyPr/>
-          <a:lstStyle/>
-          <a:p>
-            <a:r>
-              <a:rPr lang="en-US" dirty="0"/>
-              <a:t>Review: While loops find</a:t>
-            </a:r>
-          </a:p>
-        </p:txBody>
-      </p:sp>
-      <p:sp>
-        <p:nvSpPr>
-          <p:cNvPr id="12" name="Content Placeholder 2">
-            <a:extLst>
-              <a:ext uri="{FF2B5EF4-FFF2-40B4-BE49-F238E27FC236}">
-                <a16:creationId xmlns:a16="http://schemas.microsoft.com/office/drawing/2014/main" id="{BB910661-C10B-4040-99DA-FB198597083D}"/>
-              </a:ext>
-            </a:extLst>
-          </p:cNvPr>
-          <p:cNvSpPr>
-            <a:spLocks noGrp="1"/>
-          </p:cNvSpPr>
-          <p:nvPr>
-            <p:ph sz="half" idx="1"/>
-          </p:nvPr>
-        </p:nvSpPr>
-        <p:spPr/>
-        <p:txBody>
-          <a:bodyPr>
-            <a:normAutofit fontScale="85000" lnSpcReduction="20000"/>
-          </a:bodyPr>
-          <a:lstStyle/>
-          <a:p>
-            <a:pPr marL="0" indent="0">
-              <a:buNone/>
-            </a:pPr>
-            <a:r>
-              <a:rPr lang="en-US" dirty="0">
-                <a:latin typeface="Calibri" panose="020F0502020204030204" pitchFamily="34" charset="0"/>
-                <a:cs typeface="Calibri" panose="020F0502020204030204" pitchFamily="34" charset="0"/>
-              </a:rPr>
-              <a:t>Consider this program:</a:t>
-            </a:r>
-          </a:p>
-          <a:p>
-            <a:pPr marL="0" indent="0">
-              <a:buNone/>
-            </a:pPr>
-            <a:endParaRPr lang="en-US" dirty="0">
-              <a:latin typeface="Calibri" panose="020F0502020204030204" pitchFamily="34" charset="0"/>
-              <a:cs typeface="Calibri" panose="020F0502020204030204" pitchFamily="34" charset="0"/>
-            </a:endParaRPr>
-          </a:p>
-          <a:p>
-            <a:pPr marL="0" indent="0">
-              <a:buNone/>
-            </a:pPr>
-            <a:r>
-              <a:rPr lang="en-US" sz="1900" dirty="0">
-                <a:latin typeface="Consolas" panose="020B0609020204030204" pitchFamily="49" charset="0"/>
-                <a:cs typeface="Consolas" panose="020B0609020204030204" pitchFamily="49" charset="0"/>
-              </a:rPr>
-              <a:t>def find(strs, element):</a:t>
-            </a:r>
-          </a:p>
-          <a:p>
-            <a:pPr marL="0" indent="0">
-              <a:buNone/>
-            </a:pPr>
-            <a:r>
-              <a:rPr lang="en-US" sz="1900" dirty="0">
-                <a:latin typeface="Consolas" panose="020B0609020204030204" pitchFamily="49" charset="0"/>
-                <a:cs typeface="Consolas" panose="020B0609020204030204" pitchFamily="49" charset="0"/>
-              </a:rPr>
-              <a:t>  index = 0</a:t>
-            </a:r>
-          </a:p>
-          <a:p>
-            <a:pPr marL="0" indent="0">
-              <a:buNone/>
-            </a:pPr>
-            <a:r>
-              <a:rPr lang="en-US" sz="1900" dirty="0">
-                <a:latin typeface="Consolas" panose="020B0609020204030204" pitchFamily="49" charset="0"/>
-                <a:cs typeface="Consolas" panose="020B0609020204030204" pitchFamily="49" charset="0"/>
-              </a:rPr>
-              <a:t>  while index &lt; </a:t>
-            </a:r>
-            <a:r>
-              <a:rPr lang="en-US" sz="1900" dirty="0" err="1">
-                <a:latin typeface="Consolas" panose="020B0609020204030204" pitchFamily="49" charset="0"/>
-                <a:cs typeface="Consolas" panose="020B0609020204030204" pitchFamily="49" charset="0"/>
-              </a:rPr>
-              <a:t>len</a:t>
-            </a:r>
-            <a:r>
-              <a:rPr lang="en-US" sz="1900" dirty="0">
-                <a:latin typeface="Consolas" panose="020B0609020204030204" pitchFamily="49" charset="0"/>
-                <a:cs typeface="Consolas" panose="020B0609020204030204" pitchFamily="49" charset="0"/>
-              </a:rPr>
-              <a:t>(strs):</a:t>
-            </a:r>
-          </a:p>
-          <a:p>
-            <a:pPr marL="0" indent="0">
-              <a:buNone/>
-            </a:pPr>
-            <a:r>
-              <a:rPr lang="en-US" sz="1900" dirty="0">
-                <a:latin typeface="Consolas" panose="020B0609020204030204" pitchFamily="49" charset="0"/>
-                <a:cs typeface="Consolas" panose="020B0609020204030204" pitchFamily="49" charset="0"/>
-              </a:rPr>
-              <a:t>    if strs[index] == element:</a:t>
-            </a:r>
-          </a:p>
-          <a:p>
-            <a:pPr marL="0" indent="0">
-              <a:buNone/>
-            </a:pPr>
-            <a:r>
-              <a:rPr lang="en-US" sz="1900" dirty="0">
-                <a:latin typeface="Consolas" panose="020B0609020204030204" pitchFamily="49" charset="0"/>
-                <a:cs typeface="Consolas" panose="020B0609020204030204" pitchFamily="49" charset="0"/>
-              </a:rPr>
-              <a:t>      return ___FILL1___ # “early” return!</a:t>
-            </a:r>
-          </a:p>
-          <a:p>
-            <a:pPr marL="0" indent="0">
-              <a:buNone/>
-            </a:pPr>
-            <a:r>
-              <a:rPr lang="en-US" sz="1900" dirty="0">
-                <a:latin typeface="Consolas" panose="020B0609020204030204" pitchFamily="49" charset="0"/>
-                <a:cs typeface="Consolas" panose="020B0609020204030204" pitchFamily="49" charset="0"/>
-              </a:rPr>
-              <a:t>    index = index + 1</a:t>
-            </a:r>
-          </a:p>
-          <a:p>
-            <a:pPr marL="0" indent="0">
-              <a:buNone/>
-            </a:pPr>
-            <a:r>
-              <a:rPr lang="en-US" sz="1900" dirty="0">
-                <a:latin typeface="Consolas" panose="020B0609020204030204" pitchFamily="49" charset="0"/>
-                <a:cs typeface="Consolas" panose="020B0609020204030204" pitchFamily="49" charset="0"/>
-              </a:rPr>
-              <a:t>  return __FILL2__</a:t>
-            </a:r>
-          </a:p>
-          <a:p>
-            <a:pPr marL="0" indent="0">
-              <a:buNone/>
-            </a:pPr>
-            <a:endParaRPr lang="en-US" sz="1900" dirty="0">
-              <a:latin typeface="Consolas" panose="020B0609020204030204" pitchFamily="49" charset="0"/>
-              <a:cs typeface="Consolas" panose="020B0609020204030204" pitchFamily="49" charset="0"/>
-            </a:endParaRPr>
-          </a:p>
-          <a:p>
-            <a:pPr marL="0" indent="0">
-              <a:buNone/>
-            </a:pPr>
-            <a:r>
-              <a:rPr lang="en-US" sz="1900" dirty="0">
-                <a:latin typeface="Consolas" panose="020B0609020204030204" pitchFamily="49" charset="0"/>
-                <a:cs typeface="Consolas" panose="020B0609020204030204" pitchFamily="49" charset="0"/>
-              </a:rPr>
-              <a:t>assert find(["a", "b"], "c") == -1</a:t>
-            </a:r>
-          </a:p>
-          <a:p>
-            <a:pPr marL="0" indent="0">
-              <a:buNone/>
-            </a:pPr>
-            <a:r>
-              <a:rPr lang="en-US" sz="1900" dirty="0">
-                <a:latin typeface="Consolas" panose="020B0609020204030204" pitchFamily="49" charset="0"/>
-                <a:cs typeface="Consolas" panose="020B0609020204030204" pitchFamily="49" charset="0"/>
-              </a:rPr>
-              <a:t>assert find(["a", "b", "c"], "c") == 2</a:t>
-            </a:r>
-          </a:p>
-          <a:p>
-            <a:pPr marL="0" indent="0">
-              <a:buNone/>
-            </a:pPr>
-            <a:r>
-              <a:rPr lang="en-US" sz="1900" dirty="0">
-                <a:latin typeface="Consolas" panose="020B0609020204030204" pitchFamily="49" charset="0"/>
-                <a:cs typeface="Consolas" panose="020B0609020204030204" pitchFamily="49" charset="0"/>
-              </a:rPr>
-              <a:t>assert find(["a", "b", "c"], "a") == 0</a:t>
-            </a:r>
-          </a:p>
-          <a:p>
-            <a:pPr marL="0" indent="0">
-              <a:buNone/>
-            </a:pPr>
-            <a:r>
-              <a:rPr lang="en-US" sz="1900" dirty="0">
-                <a:latin typeface="Consolas" panose="020B0609020204030204" pitchFamily="49" charset="0"/>
-                <a:cs typeface="Consolas" panose="020B0609020204030204" pitchFamily="49" charset="0"/>
-              </a:rPr>
-              <a:t>assert find(["a", "b", "c", "a"], "a") == 0</a:t>
-            </a:r>
-          </a:p>
-          <a:p>
-            <a:pPr marL="0" indent="0">
-              <a:buNone/>
-            </a:pPr>
-            <a:endParaRPr lang="en-US" sz="1900" dirty="0">
-              <a:latin typeface="Consolas" panose="020B0609020204030204" pitchFamily="49" charset="0"/>
-              <a:cs typeface="Consolas" panose="020B0609020204030204" pitchFamily="49" charset="0"/>
-            </a:endParaRPr>
-          </a:p>
-        </p:txBody>
-      </p:sp>
-      <p:sp>
-        <p:nvSpPr>
-          <p:cNvPr id="3" name="Content Placeholder 2">
-            <a:extLst>
-              <a:ext uri="{FF2B5EF4-FFF2-40B4-BE49-F238E27FC236}">
-                <a16:creationId xmlns:a16="http://schemas.microsoft.com/office/drawing/2014/main" id="{B81D2441-15BA-2048-93EC-F23FF5A87C1A}"/>
-              </a:ext>
-            </a:extLst>
-          </p:cNvPr>
-          <p:cNvSpPr>
-            <a:spLocks noGrp="1"/>
-          </p:cNvSpPr>
-          <p:nvPr>
-            <p:ph sz="half" idx="2"/>
-          </p:nvPr>
-        </p:nvSpPr>
-        <p:spPr>
-          <a:xfrm>
-            <a:off x="6172200" y="1825625"/>
-            <a:ext cx="5751214" cy="4351338"/>
-          </a:xfrm>
-        </p:spPr>
-        <p:txBody>
-          <a:bodyPr>
-            <a:normAutofit fontScale="85000" lnSpcReduction="20000"/>
-          </a:bodyPr>
-          <a:lstStyle/>
-          <a:p>
-            <a:pPr marL="0" indent="0">
-              <a:buNone/>
-            </a:pPr>
-            <a:r>
-              <a:rPr lang="en-US" dirty="0">
-                <a:latin typeface="Calibri" panose="020F0502020204030204" pitchFamily="34" charset="0"/>
-                <a:cs typeface="Calibri" panose="020F0502020204030204" pitchFamily="34" charset="0"/>
-              </a:rPr>
-              <a:t>What should we fill in for FILL1, FILL2 to make the tests pass?</a:t>
-            </a:r>
-          </a:p>
-          <a:p>
-            <a:pPr marL="0" indent="0">
-              <a:buNone/>
-            </a:pPr>
-            <a:endParaRPr lang="en-US" dirty="0">
-              <a:latin typeface="Calibri" panose="020F0502020204030204" pitchFamily="34" charset="0"/>
-              <a:cs typeface="Calibri" panose="020F0502020204030204" pitchFamily="34" charset="0"/>
-            </a:endParaRPr>
-          </a:p>
-          <a:p>
-            <a:pPr marL="514350" indent="-514350">
-              <a:buAutoNum type="alphaUcPeriod"/>
-            </a:pPr>
-            <a:r>
-              <a:rPr lang="en-US" dirty="0">
-                <a:latin typeface="Consolas" panose="020B0609020204030204" pitchFamily="49" charset="0"/>
-                <a:cs typeface="Consolas" panose="020B0609020204030204" pitchFamily="49" charset="0"/>
-              </a:rPr>
-              <a:t>strs[index]		</a:t>
-            </a:r>
-            <a:r>
-              <a:rPr lang="en-US" dirty="0" err="1">
-                <a:latin typeface="Consolas" panose="020B0609020204030204" pitchFamily="49" charset="0"/>
-                <a:cs typeface="Consolas" panose="020B0609020204030204" pitchFamily="49" charset="0"/>
-              </a:rPr>
-              <a:t>len</a:t>
-            </a:r>
-            <a:r>
-              <a:rPr lang="en-US" dirty="0">
-                <a:latin typeface="Consolas" panose="020B0609020204030204" pitchFamily="49" charset="0"/>
-                <a:cs typeface="Consolas" panose="020B0609020204030204" pitchFamily="49" charset="0"/>
-              </a:rPr>
-              <a:t>(strs)</a:t>
-            </a:r>
-          </a:p>
-          <a:p>
-            <a:pPr marL="514350" indent="-514350">
-              <a:buAutoNum type="alphaUcPeriod"/>
-            </a:pPr>
-            <a:r>
-              <a:rPr lang="en-US" dirty="0">
-                <a:latin typeface="Consolas" panose="020B0609020204030204" pitchFamily="49" charset="0"/>
-                <a:cs typeface="Consolas" panose="020B0609020204030204" pitchFamily="49" charset="0"/>
-              </a:rPr>
-              <a:t>index			</a:t>
-            </a:r>
-            <a:r>
-              <a:rPr lang="en-US" dirty="0" err="1">
-                <a:latin typeface="Consolas" panose="020B0609020204030204" pitchFamily="49" charset="0"/>
-                <a:cs typeface="Consolas" panose="020B0609020204030204" pitchFamily="49" charset="0"/>
-              </a:rPr>
-              <a:t>len</a:t>
-            </a:r>
-            <a:r>
-              <a:rPr lang="en-US" dirty="0">
-                <a:latin typeface="Consolas" panose="020B0609020204030204" pitchFamily="49" charset="0"/>
-                <a:cs typeface="Consolas" panose="020B0609020204030204" pitchFamily="49" charset="0"/>
-              </a:rPr>
-              <a:t>(strs)</a:t>
-            </a:r>
-          </a:p>
-          <a:p>
-            <a:pPr marL="514350" indent="-514350">
-              <a:buAutoNum type="alphaUcPeriod"/>
-            </a:pPr>
-            <a:r>
-              <a:rPr lang="en-US" dirty="0">
-                <a:latin typeface="Consolas" panose="020B0609020204030204" pitchFamily="49" charset="0"/>
-                <a:cs typeface="Consolas" panose="020B0609020204030204" pitchFamily="49" charset="0"/>
-              </a:rPr>
-              <a:t>index			-1</a:t>
-            </a:r>
-          </a:p>
-          <a:p>
-            <a:pPr marL="514350" indent="-514350">
-              <a:buAutoNum type="alphaUcPeriod"/>
-            </a:pPr>
-            <a:r>
-              <a:rPr lang="en-US" dirty="0">
-                <a:latin typeface="Consolas" panose="020B0609020204030204" pitchFamily="49" charset="0"/>
-                <a:cs typeface="Consolas" panose="020B0609020204030204" pitchFamily="49" charset="0"/>
-              </a:rPr>
-              <a:t>strs[index]		-1</a:t>
-            </a:r>
-          </a:p>
-          <a:p>
-            <a:pPr marL="514350" indent="-514350">
-              <a:buAutoNum type="alphaUcPeriod"/>
-            </a:pPr>
-            <a:r>
-              <a:rPr lang="en-US" dirty="0">
-                <a:latin typeface="Consolas" panose="020B0609020204030204" pitchFamily="49" charset="0"/>
-                <a:cs typeface="Consolas" panose="020B0609020204030204" pitchFamily="49" charset="0"/>
-              </a:rPr>
-              <a:t>None of the above</a:t>
-            </a:r>
-            <a:endParaRPr lang="en-US" dirty="0">
-              <a:highlight>
-                <a:srgbClr val="00FF00"/>
-              </a:highlight>
-              <a:latin typeface="Consolas" panose="020B0609020204030204" pitchFamily="49" charset="0"/>
-              <a:cs typeface="Consolas" panose="020B0609020204030204" pitchFamily="49" charset="0"/>
-            </a:endParaRPr>
-          </a:p>
-          <a:p>
-            <a:pPr marL="0" indent="0">
-              <a:buNone/>
-            </a:pPr>
-            <a:endParaRPr lang="en-US" dirty="0"/>
-          </a:p>
-        </p:txBody>
-      </p:sp>
-    </p:spTree>
-    <p:extLst>
-      <p:ext uri="{BB962C8B-B14F-4D97-AF65-F5344CB8AC3E}">
-        <p14:creationId xmlns:p14="http://schemas.microsoft.com/office/powerpoint/2010/main" val="3573981959"/>
-      </p:ext>
-    </p:extLst>
-  </p:cSld>
-  <p:clrMapOvr>
-    <a:masterClrMapping/>
-  </p:clrMapOvr>
-</p:sld>
-</file>
-
-<file path=ppt/slides/slide14.xml><?xml version="1.0" encoding="utf-8"?>
-<p:sld xmlns:a="http://schemas.openxmlformats.org/drawingml/2006/main" xmlns:r="http://schemas.openxmlformats.org/officeDocument/2006/relationships" xmlns:p="http://schemas.openxmlformats.org/presentationml/2006/main">
-  <p:cSld>
-    <p:spTree>
-      <p:nvGrpSpPr>
-        <p:cNvPr id="1" name=""/>
-        <p:cNvGrpSpPr/>
-        <p:nvPr/>
-      </p:nvGrpSpPr>
-      <p:grpSpPr>
-        <a:xfrm>
-          <a:off x="0" y="0"/>
-          <a:ext cx="0" cy="0"/>
-          <a:chOff x="0" y="0"/>
-          <a:chExt cx="0" cy="0"/>
-        </a:xfrm>
-      </p:grpSpPr>
-      <p:sp>
-        <p:nvSpPr>
-          <p:cNvPr id="2" name="Title 1">
-            <a:extLst>
-              <a:ext uri="{FF2B5EF4-FFF2-40B4-BE49-F238E27FC236}">
-                <a16:creationId xmlns:a16="http://schemas.microsoft.com/office/drawing/2014/main" id="{84986E08-F8E9-8A46-AE42-F70FBE34F329}"/>
-              </a:ext>
-            </a:extLst>
-          </p:cNvPr>
-          <p:cNvSpPr>
-            <a:spLocks noGrp="1"/>
-          </p:cNvSpPr>
-          <p:nvPr>
-            <p:ph type="title"/>
-          </p:nvPr>
-        </p:nvSpPr>
-        <p:spPr/>
-        <p:txBody>
-          <a:bodyPr/>
-          <a:lstStyle/>
-          <a:p>
-            <a:r>
-              <a:rPr lang="en-US" dirty="0"/>
-              <a:t>Now In Java!</a:t>
-            </a:r>
-          </a:p>
-        </p:txBody>
-      </p:sp>
-      <p:sp>
-        <p:nvSpPr>
-          <p:cNvPr id="12" name="Content Placeholder 2">
-            <a:extLst>
-              <a:ext uri="{FF2B5EF4-FFF2-40B4-BE49-F238E27FC236}">
-                <a16:creationId xmlns:a16="http://schemas.microsoft.com/office/drawing/2014/main" id="{BB910661-C10B-4040-99DA-FB198597083D}"/>
-              </a:ext>
-            </a:extLst>
-          </p:cNvPr>
-          <p:cNvSpPr>
-            <a:spLocks noGrp="1"/>
-          </p:cNvSpPr>
-          <p:nvPr>
-            <p:ph sz="half" idx="1"/>
-          </p:nvPr>
-        </p:nvSpPr>
-        <p:spPr>
-          <a:xfrm>
-            <a:off x="838200" y="1825625"/>
-            <a:ext cx="3733800" cy="4351338"/>
-          </a:xfrm>
-        </p:spPr>
-        <p:txBody>
-          <a:bodyPr>
-            <a:normAutofit/>
-          </a:bodyPr>
-          <a:lstStyle/>
-          <a:p>
-            <a:pPr marL="0" indent="0">
-              <a:buNone/>
-            </a:pPr>
-            <a:r>
-              <a:rPr lang="en-US" sz="1900" dirty="0">
-                <a:latin typeface="Calibri" panose="020F0502020204030204" pitchFamily="34" charset="0"/>
-                <a:cs typeface="Calibri" panose="020F0502020204030204" pitchFamily="34" charset="0"/>
-              </a:rPr>
-              <a:t>There are lots of programming languages in the world!</a:t>
-            </a:r>
-          </a:p>
-          <a:p>
-            <a:pPr marL="0" indent="0">
-              <a:buNone/>
-            </a:pPr>
-            <a:endParaRPr lang="en-US" sz="1900" dirty="0">
-              <a:latin typeface="Calibri" panose="020F0502020204030204" pitchFamily="34" charset="0"/>
-              <a:cs typeface="Calibri" panose="020F0502020204030204" pitchFamily="34" charset="0"/>
-            </a:endParaRPr>
-          </a:p>
-          <a:p>
-            <a:pPr marL="0" indent="0">
-              <a:buNone/>
-            </a:pPr>
-            <a:r>
-              <a:rPr lang="en-US" sz="1900" dirty="0">
-                <a:latin typeface="Calibri" panose="020F0502020204030204" pitchFamily="34" charset="0"/>
-                <a:cs typeface="Calibri" panose="020F0502020204030204" pitchFamily="34" charset="0"/>
-              </a:rPr>
-              <a:t>Python and Java are two quite popular ones.</a:t>
-            </a:r>
-          </a:p>
-          <a:p>
-            <a:pPr marL="0" indent="0">
-              <a:buNone/>
-            </a:pPr>
-            <a:endParaRPr lang="en-US" sz="1900" dirty="0">
-              <a:latin typeface="Calibri" panose="020F0502020204030204" pitchFamily="34" charset="0"/>
-              <a:cs typeface="Calibri" panose="020F0502020204030204" pitchFamily="34" charset="0"/>
-            </a:endParaRPr>
-          </a:p>
-          <a:p>
-            <a:pPr marL="0" indent="0">
-              <a:buNone/>
-            </a:pPr>
-            <a:r>
-              <a:rPr lang="en-US" sz="1900" dirty="0">
-                <a:latin typeface="Calibri" panose="020F0502020204030204" pitchFamily="34" charset="0"/>
-                <a:cs typeface="Calibri" panose="020F0502020204030204" pitchFamily="34" charset="0"/>
-              </a:rPr>
-              <a:t>(Joe's opinion – being popular doesn't make them particularly good or bad, but it does mean a lot of people end up using them.)</a:t>
-            </a:r>
-          </a:p>
-        </p:txBody>
-      </p:sp>
-      <p:graphicFrame>
-        <p:nvGraphicFramePr>
-          <p:cNvPr id="4" name="Table 3">
-            <a:extLst>
-              <a:ext uri="{FF2B5EF4-FFF2-40B4-BE49-F238E27FC236}">
-                <a16:creationId xmlns:a16="http://schemas.microsoft.com/office/drawing/2014/main" id="{26E3DFE4-A92F-2647-89DF-385B0A0F11FA}"/>
-              </a:ext>
-            </a:extLst>
-          </p:cNvPr>
-          <p:cNvGraphicFramePr>
-            <a:graphicFrameLocks noGrp="1"/>
-          </p:cNvGraphicFramePr>
-          <p:nvPr>
-            <p:extLst>
-              <p:ext uri="{D42A27DB-BD31-4B8C-83A1-F6EECF244321}">
-                <p14:modId xmlns:p14="http://schemas.microsoft.com/office/powerpoint/2010/main" val="2932137114"/>
-              </p:ext>
-            </p:extLst>
-          </p:nvPr>
-        </p:nvGraphicFramePr>
-        <p:xfrm>
-          <a:off x="5335273" y="1690688"/>
-          <a:ext cx="5646580" cy="4361385"/>
-        </p:xfrm>
-        <a:graphic>
-          <a:graphicData uri="http://schemas.openxmlformats.org/drawingml/2006/table">
-            <a:tbl>
-              <a:tblPr/>
-              <a:tblGrid>
-                <a:gridCol w="1222760">
-                  <a:extLst>
-                    <a:ext uri="{9D8B030D-6E8A-4147-A177-3AD203B41FA5}">
-                      <a16:colId xmlns:a16="http://schemas.microsoft.com/office/drawing/2014/main" val="2938787960"/>
-                    </a:ext>
-                  </a:extLst>
-                </a:gridCol>
-                <a:gridCol w="1743994">
-                  <a:extLst>
-                    <a:ext uri="{9D8B030D-6E8A-4147-A177-3AD203B41FA5}">
-                      <a16:colId xmlns:a16="http://schemas.microsoft.com/office/drawing/2014/main" val="3098835954"/>
-                    </a:ext>
-                  </a:extLst>
-                </a:gridCol>
-                <a:gridCol w="1186005">
-                  <a:extLst>
-                    <a:ext uri="{9D8B030D-6E8A-4147-A177-3AD203B41FA5}">
-                      <a16:colId xmlns:a16="http://schemas.microsoft.com/office/drawing/2014/main" val="4068628993"/>
-                    </a:ext>
-                  </a:extLst>
-                </a:gridCol>
-                <a:gridCol w="1493821">
-                  <a:extLst>
-                    <a:ext uri="{9D8B030D-6E8A-4147-A177-3AD203B41FA5}">
-                      <a16:colId xmlns:a16="http://schemas.microsoft.com/office/drawing/2014/main" val="709404217"/>
-                    </a:ext>
-                  </a:extLst>
-                </a:gridCol>
-              </a:tblGrid>
-              <a:tr h="581865">
-                <a:tc>
-                  <a:txBody>
-                    <a:bodyPr/>
-                    <a:lstStyle/>
-                    <a:p>
-                      <a:pPr algn="l" fontAlgn="b"/>
-                      <a:r>
-                        <a:rPr lang="en-US" sz="1500">
-                          <a:effectLst/>
-                        </a:rPr>
-                        <a:t>Jan 2020</a:t>
-                      </a:r>
-                    </a:p>
-                  </a:txBody>
-                  <a:tcPr marL="63246" marR="63246" marT="63246" marB="63246" anchor="b">
-                    <a:lnL>
-                      <a:noFill/>
-                    </a:lnL>
-                    <a:lnR>
-                      <a:noFill/>
-                    </a:lnR>
-                    <a:lnT>
-                      <a:noFill/>
-                    </a:lnT>
-                    <a:lnB w="19050" cap="flat" cmpd="sng" algn="ctr">
-                      <a:solidFill>
-                        <a:srgbClr val="DDDDDD"/>
-                      </a:solidFill>
-                      <a:prstDash val="solid"/>
-                      <a:round/>
-                      <a:headEnd type="none" w="med" len="med"/>
-                      <a:tailEnd type="none" w="med" len="med"/>
-                    </a:lnB>
-                  </a:tcPr>
-                </a:tc>
-                <a:tc>
-                  <a:txBody>
-                    <a:bodyPr/>
-                    <a:lstStyle/>
-                    <a:p>
-                      <a:pPr algn="l" fontAlgn="b"/>
-                      <a:r>
-                        <a:rPr lang="en-US" sz="1500" dirty="0">
-                          <a:effectLst/>
-                        </a:rPr>
-                        <a:t>Programming Language</a:t>
-                      </a:r>
-                    </a:p>
-                  </a:txBody>
-                  <a:tcPr marL="63246" marR="63246" marT="63246" marB="63246" anchor="b">
-                    <a:lnL>
-                      <a:noFill/>
-                    </a:lnL>
-                    <a:lnR>
-                      <a:noFill/>
-                    </a:lnR>
-                    <a:lnT>
-                      <a:noFill/>
-                    </a:lnT>
-                    <a:lnB w="19050" cap="flat" cmpd="sng" algn="ctr">
-                      <a:solidFill>
-                        <a:srgbClr val="DDDDDD"/>
-                      </a:solidFill>
-                      <a:prstDash val="solid"/>
-                      <a:round/>
-                      <a:headEnd type="none" w="med" len="med"/>
-                      <a:tailEnd type="none" w="med" len="med"/>
-                    </a:lnB>
-                  </a:tcPr>
-                </a:tc>
-                <a:tc>
-                  <a:txBody>
-                    <a:bodyPr/>
-                    <a:lstStyle/>
-                    <a:p>
-                      <a:pPr algn="l" fontAlgn="b"/>
-                      <a:r>
-                        <a:rPr lang="en-US" sz="1500" dirty="0">
-                          <a:effectLst/>
-                        </a:rPr>
-                        <a:t>Ratings</a:t>
-                      </a:r>
-                    </a:p>
-                  </a:txBody>
-                  <a:tcPr marL="63246" marR="63246" marT="63246" marB="63246" anchor="b">
-                    <a:lnL>
-                      <a:noFill/>
-                    </a:lnL>
-                    <a:lnR>
-                      <a:noFill/>
-                    </a:lnR>
-                    <a:lnT>
-                      <a:noFill/>
-                    </a:lnT>
-                    <a:lnB w="19050" cap="flat" cmpd="sng" algn="ctr">
-                      <a:solidFill>
-                        <a:srgbClr val="DDDDDD"/>
-                      </a:solidFill>
-                      <a:prstDash val="solid"/>
-                      <a:round/>
-                      <a:headEnd type="none" w="med" len="med"/>
-                      <a:tailEnd type="none" w="med" len="med"/>
-                    </a:lnB>
-                  </a:tcPr>
-                </a:tc>
-                <a:tc>
-                  <a:txBody>
-                    <a:bodyPr/>
-                    <a:lstStyle/>
-                    <a:p>
-                      <a:pPr algn="l" fontAlgn="b"/>
-                      <a:r>
-                        <a:rPr lang="en-US" sz="1500">
-                          <a:effectLst/>
-                        </a:rPr>
-                        <a:t>Change</a:t>
-                      </a:r>
-                    </a:p>
-                  </a:txBody>
-                  <a:tcPr marL="63246" marR="63246" marT="63246" marB="63246" anchor="b">
-                    <a:lnL>
-                      <a:noFill/>
-                    </a:lnL>
-                    <a:lnR>
-                      <a:noFill/>
-                    </a:lnR>
-                    <a:lnT>
-                      <a:noFill/>
-                    </a:lnT>
-                    <a:lnB w="19050" cap="flat" cmpd="sng" algn="ctr">
-                      <a:solidFill>
-                        <a:srgbClr val="DDDDDD"/>
-                      </a:solidFill>
-                      <a:prstDash val="solid"/>
-                      <a:round/>
-                      <a:headEnd type="none" w="med" len="med"/>
-                      <a:tailEnd type="none" w="med" len="med"/>
-                    </a:lnB>
-                  </a:tcPr>
-                </a:tc>
-                <a:extLst>
-                  <a:ext uri="{0D108BD9-81ED-4DB2-BD59-A6C34878D82A}">
-                    <a16:rowId xmlns:a16="http://schemas.microsoft.com/office/drawing/2014/main" val="4116794927"/>
-                  </a:ext>
-                </a:extLst>
-              </a:tr>
-              <a:tr h="354179">
-                <a:tc>
-                  <a:txBody>
-                    <a:bodyPr/>
-                    <a:lstStyle/>
-                    <a:p>
-                      <a:pPr algn="l" fontAlgn="t"/>
-                      <a:r>
-                        <a:rPr lang="en-US" sz="1500">
-                          <a:effectLst/>
-                        </a:rPr>
-                        <a:t>1</a:t>
-                      </a:r>
-                    </a:p>
-                  </a:txBody>
-                  <a:tcPr marL="63246" marR="63246" marT="63246" marB="63246">
-                    <a:lnL>
-                      <a:noFill/>
-                    </a:lnL>
-                    <a:lnR>
-                      <a:noFill/>
-                    </a:lnR>
-                    <a:lnT w="19050" cap="flat" cmpd="sng" algn="ctr">
-                      <a:solidFill>
-                        <a:srgbClr val="DDDDDD"/>
-                      </a:solidFill>
-                      <a:prstDash val="solid"/>
-                      <a:round/>
-                      <a:headEnd type="none" w="med" len="med"/>
-                      <a:tailEnd type="none" w="med" len="med"/>
-                    </a:lnT>
-                    <a:lnB w="9525" cap="flat" cmpd="sng" algn="ctr">
-                      <a:solidFill>
-                        <a:srgbClr val="DDDDDD"/>
-                      </a:solidFill>
-                      <a:prstDash val="solid"/>
-                      <a:round/>
-                      <a:headEnd type="none" w="med" len="med"/>
-                      <a:tailEnd type="none" w="med" len="med"/>
-                    </a:lnB>
-                    <a:solidFill>
-                      <a:srgbClr val="F9F9F9"/>
-                    </a:solidFill>
-                  </a:tcPr>
-                </a:tc>
-                <a:tc>
-                  <a:txBody>
-                    <a:bodyPr/>
-                    <a:lstStyle/>
-                    <a:p>
-                      <a:pPr algn="l" fontAlgn="t"/>
-                      <a:r>
-                        <a:rPr lang="en-US" sz="1500">
-                          <a:effectLst/>
-                        </a:rPr>
-                        <a:t>Java</a:t>
-                      </a:r>
-                    </a:p>
-                  </a:txBody>
-                  <a:tcPr marL="63246" marR="63246" marT="63246" marB="63246">
-                    <a:lnL>
-                      <a:noFill/>
-                    </a:lnL>
-                    <a:lnR>
-                      <a:noFill/>
-                    </a:lnR>
-                    <a:lnT w="19050" cap="flat" cmpd="sng" algn="ctr">
-                      <a:solidFill>
-                        <a:srgbClr val="DDDDDD"/>
-                      </a:solidFill>
-                      <a:prstDash val="solid"/>
-                      <a:round/>
-                      <a:headEnd type="none" w="med" len="med"/>
-                      <a:tailEnd type="none" w="med" len="med"/>
-                    </a:lnT>
-                    <a:lnB w="9525" cap="flat" cmpd="sng" algn="ctr">
-                      <a:solidFill>
-                        <a:srgbClr val="DDDDDD"/>
-                      </a:solidFill>
-                      <a:prstDash val="solid"/>
-                      <a:round/>
-                      <a:headEnd type="none" w="med" len="med"/>
-                      <a:tailEnd type="none" w="med" len="med"/>
-                    </a:lnB>
-                    <a:solidFill>
-                      <a:srgbClr val="F9F9F9"/>
-                    </a:solidFill>
-                  </a:tcPr>
-                </a:tc>
-                <a:tc>
-                  <a:txBody>
-                    <a:bodyPr/>
-                    <a:lstStyle/>
-                    <a:p>
-                      <a:pPr algn="l" fontAlgn="t"/>
-                      <a:r>
-                        <a:rPr lang="en-US" sz="1500">
-                          <a:effectLst/>
-                        </a:rPr>
-                        <a:t>16.896%</a:t>
-                      </a:r>
-                    </a:p>
-                  </a:txBody>
-                  <a:tcPr marL="63246" marR="63246" marT="63246" marB="63246">
-                    <a:lnL>
-                      <a:noFill/>
-                    </a:lnL>
-                    <a:lnR>
-                      <a:noFill/>
-                    </a:lnR>
-                    <a:lnT w="19050" cap="flat" cmpd="sng" algn="ctr">
-                      <a:solidFill>
-                        <a:srgbClr val="DDDDDD"/>
-                      </a:solidFill>
-                      <a:prstDash val="solid"/>
-                      <a:round/>
-                      <a:headEnd type="none" w="med" len="med"/>
-                      <a:tailEnd type="none" w="med" len="med"/>
-                    </a:lnT>
-                    <a:lnB w="9525" cap="flat" cmpd="sng" algn="ctr">
-                      <a:solidFill>
-                        <a:srgbClr val="DDDDDD"/>
-                      </a:solidFill>
-                      <a:prstDash val="solid"/>
-                      <a:round/>
-                      <a:headEnd type="none" w="med" len="med"/>
-                      <a:tailEnd type="none" w="med" len="med"/>
-                    </a:lnB>
-                    <a:solidFill>
-                      <a:srgbClr val="F9F9F9"/>
-                    </a:solidFill>
-                  </a:tcPr>
-                </a:tc>
-                <a:tc>
-                  <a:txBody>
-                    <a:bodyPr/>
-                    <a:lstStyle/>
-                    <a:p>
-                      <a:pPr algn="l" fontAlgn="t"/>
-                      <a:r>
-                        <a:rPr lang="en-US" sz="1500">
-                          <a:effectLst/>
-                        </a:rPr>
-                        <a:t>-0.01%</a:t>
-                      </a:r>
-                    </a:p>
-                  </a:txBody>
-                  <a:tcPr marL="63246" marR="63246" marT="63246" marB="63246">
-                    <a:lnL>
-                      <a:noFill/>
-                    </a:lnL>
-                    <a:lnR>
-                      <a:noFill/>
-                    </a:lnR>
-                    <a:lnT w="19050" cap="flat" cmpd="sng" algn="ctr">
-                      <a:solidFill>
-                        <a:srgbClr val="DDDDDD"/>
-                      </a:solidFill>
-                      <a:prstDash val="solid"/>
-                      <a:round/>
-                      <a:headEnd type="none" w="med" len="med"/>
-                      <a:tailEnd type="none" w="med" len="med"/>
-                    </a:lnT>
-                    <a:lnB w="9525" cap="flat" cmpd="sng" algn="ctr">
-                      <a:solidFill>
-                        <a:srgbClr val="DDDDDD"/>
-                      </a:solidFill>
-                      <a:prstDash val="solid"/>
-                      <a:round/>
-                      <a:headEnd type="none" w="med" len="med"/>
-                      <a:tailEnd type="none" w="med" len="med"/>
-                    </a:lnB>
-                    <a:solidFill>
-                      <a:srgbClr val="F9F9F9"/>
-                    </a:solidFill>
-                  </a:tcPr>
-                </a:tc>
-                <a:extLst>
-                  <a:ext uri="{0D108BD9-81ED-4DB2-BD59-A6C34878D82A}">
-                    <a16:rowId xmlns:a16="http://schemas.microsoft.com/office/drawing/2014/main" val="1144189375"/>
-                  </a:ext>
-                </a:extLst>
-              </a:tr>
-              <a:tr h="354179">
-                <a:tc>
-                  <a:txBody>
-                    <a:bodyPr/>
-                    <a:lstStyle/>
-                    <a:p>
-                      <a:pPr fontAlgn="t"/>
-                      <a:r>
-                        <a:rPr lang="en-US" sz="1500">
-                          <a:effectLst/>
-                        </a:rPr>
-                        <a:t>2</a:t>
-                      </a:r>
-                    </a:p>
-                  </a:txBody>
-                  <a:tcPr marL="63246" marR="63246" marT="63246" marB="63246">
-                    <a:lnL>
-                      <a:noFill/>
-                    </a:lnL>
-                    <a:lnR>
-                      <a:noFill/>
-                    </a:lnR>
-                    <a:lnT w="9525" cap="flat" cmpd="sng" algn="ctr">
-                      <a:solidFill>
-                        <a:srgbClr val="DDDDDD"/>
-                      </a:solidFill>
-                      <a:prstDash val="solid"/>
-                      <a:round/>
-                      <a:headEnd type="none" w="med" len="med"/>
-                      <a:tailEnd type="none" w="med" len="med"/>
-                    </a:lnT>
-                    <a:lnB w="9525" cap="flat" cmpd="sng" algn="ctr">
-                      <a:solidFill>
-                        <a:srgbClr val="DDDDDD"/>
-                      </a:solidFill>
-                      <a:prstDash val="solid"/>
-                      <a:round/>
-                      <a:headEnd type="none" w="med" len="med"/>
-                      <a:tailEnd type="none" w="med" len="med"/>
-                    </a:lnB>
-                  </a:tcPr>
-                </a:tc>
-                <a:tc>
-                  <a:txBody>
-                    <a:bodyPr/>
-                    <a:lstStyle/>
-                    <a:p>
-                      <a:pPr fontAlgn="t"/>
-                      <a:r>
-                        <a:rPr lang="en-US" sz="1500">
-                          <a:effectLst/>
-                        </a:rPr>
-                        <a:t>C</a:t>
-                      </a:r>
-                    </a:p>
-                  </a:txBody>
-                  <a:tcPr marL="63246" marR="63246" marT="63246" marB="63246">
-                    <a:lnL>
-                      <a:noFill/>
-                    </a:lnL>
-                    <a:lnR>
-                      <a:noFill/>
-                    </a:lnR>
-                    <a:lnT w="9525" cap="flat" cmpd="sng" algn="ctr">
-                      <a:solidFill>
-                        <a:srgbClr val="DDDDDD"/>
-                      </a:solidFill>
-                      <a:prstDash val="solid"/>
-                      <a:round/>
-                      <a:headEnd type="none" w="med" len="med"/>
-                      <a:tailEnd type="none" w="med" len="med"/>
-                    </a:lnT>
-                    <a:lnB w="9525" cap="flat" cmpd="sng" algn="ctr">
-                      <a:solidFill>
-                        <a:srgbClr val="DDDDDD"/>
-                      </a:solidFill>
-                      <a:prstDash val="solid"/>
-                      <a:round/>
-                      <a:headEnd type="none" w="med" len="med"/>
-                      <a:tailEnd type="none" w="med" len="med"/>
-                    </a:lnB>
-                  </a:tcPr>
-                </a:tc>
-                <a:tc>
-                  <a:txBody>
-                    <a:bodyPr/>
-                    <a:lstStyle/>
-                    <a:p>
-                      <a:pPr fontAlgn="t"/>
-                      <a:r>
-                        <a:rPr lang="en-US" sz="1500">
-                          <a:effectLst/>
-                        </a:rPr>
-                        <a:t>15.773%</a:t>
-                      </a:r>
-                    </a:p>
-                  </a:txBody>
-                  <a:tcPr marL="63246" marR="63246" marT="63246" marB="63246">
-                    <a:lnL>
-                      <a:noFill/>
-                    </a:lnL>
-                    <a:lnR>
-                      <a:noFill/>
-                    </a:lnR>
-                    <a:lnT w="9525" cap="flat" cmpd="sng" algn="ctr">
-                      <a:solidFill>
-                        <a:srgbClr val="DDDDDD"/>
-                      </a:solidFill>
-                      <a:prstDash val="solid"/>
-                      <a:round/>
-                      <a:headEnd type="none" w="med" len="med"/>
-                      <a:tailEnd type="none" w="med" len="med"/>
-                    </a:lnT>
-                    <a:lnB w="9525" cap="flat" cmpd="sng" algn="ctr">
-                      <a:solidFill>
-                        <a:srgbClr val="DDDDDD"/>
-                      </a:solidFill>
-                      <a:prstDash val="solid"/>
-                      <a:round/>
-                      <a:headEnd type="none" w="med" len="med"/>
-                      <a:tailEnd type="none" w="med" len="med"/>
-                    </a:lnB>
-                  </a:tcPr>
-                </a:tc>
-                <a:tc>
-                  <a:txBody>
-                    <a:bodyPr/>
-                    <a:lstStyle/>
-                    <a:p>
-                      <a:pPr fontAlgn="t"/>
-                      <a:r>
-                        <a:rPr lang="en-US" sz="1500">
-                          <a:effectLst/>
-                        </a:rPr>
-                        <a:t>+2.44%</a:t>
-                      </a:r>
-                    </a:p>
-                  </a:txBody>
-                  <a:tcPr marL="63246" marR="63246" marT="63246" marB="63246">
-                    <a:lnL>
-                      <a:noFill/>
-                    </a:lnL>
-                    <a:lnR>
-                      <a:noFill/>
-                    </a:lnR>
-                    <a:lnT w="9525" cap="flat" cmpd="sng" algn="ctr">
-                      <a:solidFill>
-                        <a:srgbClr val="DDDDDD"/>
-                      </a:solidFill>
-                      <a:prstDash val="solid"/>
-                      <a:round/>
-                      <a:headEnd type="none" w="med" len="med"/>
-                      <a:tailEnd type="none" w="med" len="med"/>
-                    </a:lnT>
-                    <a:lnB w="9525" cap="flat" cmpd="sng" algn="ctr">
-                      <a:solidFill>
-                        <a:srgbClr val="DDDDDD"/>
-                      </a:solidFill>
-                      <a:prstDash val="solid"/>
-                      <a:round/>
-                      <a:headEnd type="none" w="med" len="med"/>
-                      <a:tailEnd type="none" w="med" len="med"/>
-                    </a:lnB>
-                  </a:tcPr>
-                </a:tc>
-                <a:extLst>
-                  <a:ext uri="{0D108BD9-81ED-4DB2-BD59-A6C34878D82A}">
-                    <a16:rowId xmlns:a16="http://schemas.microsoft.com/office/drawing/2014/main" val="368437848"/>
-                  </a:ext>
-                </a:extLst>
-              </a:tr>
-              <a:tr h="354179">
-                <a:tc>
-                  <a:txBody>
-                    <a:bodyPr/>
-                    <a:lstStyle/>
-                    <a:p>
-                      <a:pPr algn="l" fontAlgn="t"/>
-                      <a:r>
-                        <a:rPr lang="en-US" sz="1500">
-                          <a:effectLst/>
-                        </a:rPr>
-                        <a:t>3</a:t>
-                      </a:r>
-                    </a:p>
-                  </a:txBody>
-                  <a:tcPr marL="63246" marR="63246" marT="63246" marB="63246">
-                    <a:lnL>
-                      <a:noFill/>
-                    </a:lnL>
-                    <a:lnR>
-                      <a:noFill/>
-                    </a:lnR>
-                    <a:lnT w="9525" cap="flat" cmpd="sng" algn="ctr">
-                      <a:solidFill>
-                        <a:srgbClr val="DDDDDD"/>
-                      </a:solidFill>
-                      <a:prstDash val="solid"/>
-                      <a:round/>
-                      <a:headEnd type="none" w="med" len="med"/>
-                      <a:tailEnd type="none" w="med" len="med"/>
-                    </a:lnT>
-                    <a:lnB w="9525" cap="flat" cmpd="sng" algn="ctr">
-                      <a:solidFill>
-                        <a:srgbClr val="DDDDDD"/>
-                      </a:solidFill>
-                      <a:prstDash val="solid"/>
-                      <a:round/>
-                      <a:headEnd type="none" w="med" len="med"/>
-                      <a:tailEnd type="none" w="med" len="med"/>
-                    </a:lnB>
-                    <a:solidFill>
-                      <a:srgbClr val="F9F9F9"/>
-                    </a:solidFill>
-                  </a:tcPr>
-                </a:tc>
-                <a:tc>
-                  <a:txBody>
-                    <a:bodyPr/>
-                    <a:lstStyle/>
-                    <a:p>
-                      <a:pPr algn="l" fontAlgn="t"/>
-                      <a:r>
-                        <a:rPr lang="en-US" sz="1500">
-                          <a:effectLst/>
-                        </a:rPr>
-                        <a:t>Python</a:t>
-                      </a:r>
-                    </a:p>
-                  </a:txBody>
-                  <a:tcPr marL="63246" marR="63246" marT="63246" marB="63246">
-                    <a:lnL>
-                      <a:noFill/>
-                    </a:lnL>
-                    <a:lnR>
-                      <a:noFill/>
-                    </a:lnR>
-                    <a:lnT w="9525" cap="flat" cmpd="sng" algn="ctr">
-                      <a:solidFill>
-                        <a:srgbClr val="DDDDDD"/>
-                      </a:solidFill>
-                      <a:prstDash val="solid"/>
-                      <a:round/>
-                      <a:headEnd type="none" w="med" len="med"/>
-                      <a:tailEnd type="none" w="med" len="med"/>
-                    </a:lnT>
-                    <a:lnB w="9525" cap="flat" cmpd="sng" algn="ctr">
-                      <a:solidFill>
-                        <a:srgbClr val="DDDDDD"/>
-                      </a:solidFill>
-                      <a:prstDash val="solid"/>
-                      <a:round/>
-                      <a:headEnd type="none" w="med" len="med"/>
-                      <a:tailEnd type="none" w="med" len="med"/>
-                    </a:lnB>
-                    <a:solidFill>
-                      <a:srgbClr val="F9F9F9"/>
-                    </a:solidFill>
-                  </a:tcPr>
-                </a:tc>
-                <a:tc>
-                  <a:txBody>
-                    <a:bodyPr/>
-                    <a:lstStyle/>
-                    <a:p>
-                      <a:pPr algn="l" fontAlgn="t"/>
-                      <a:r>
-                        <a:rPr lang="en-US" sz="1500">
-                          <a:effectLst/>
-                        </a:rPr>
-                        <a:t>9.704%</a:t>
-                      </a:r>
-                    </a:p>
-                  </a:txBody>
-                  <a:tcPr marL="63246" marR="63246" marT="63246" marB="63246">
-                    <a:lnL>
-                      <a:noFill/>
-                    </a:lnL>
-                    <a:lnR>
-                      <a:noFill/>
-                    </a:lnR>
-                    <a:lnT w="9525" cap="flat" cmpd="sng" algn="ctr">
-                      <a:solidFill>
-                        <a:srgbClr val="DDDDDD"/>
-                      </a:solidFill>
-                      <a:prstDash val="solid"/>
-                      <a:round/>
-                      <a:headEnd type="none" w="med" len="med"/>
-                      <a:tailEnd type="none" w="med" len="med"/>
-                    </a:lnT>
-                    <a:lnB w="9525" cap="flat" cmpd="sng" algn="ctr">
-                      <a:solidFill>
-                        <a:srgbClr val="DDDDDD"/>
-                      </a:solidFill>
-                      <a:prstDash val="solid"/>
-                      <a:round/>
-                      <a:headEnd type="none" w="med" len="med"/>
-                      <a:tailEnd type="none" w="med" len="med"/>
-                    </a:lnB>
-                    <a:solidFill>
-                      <a:srgbClr val="F9F9F9"/>
-                    </a:solidFill>
-                  </a:tcPr>
-                </a:tc>
-                <a:tc>
-                  <a:txBody>
-                    <a:bodyPr/>
-                    <a:lstStyle/>
-                    <a:p>
-                      <a:pPr algn="l" fontAlgn="t"/>
-                      <a:r>
-                        <a:rPr lang="en-US" sz="1500">
-                          <a:effectLst/>
-                        </a:rPr>
-                        <a:t>+1.41%</a:t>
-                      </a:r>
-                    </a:p>
-                  </a:txBody>
-                  <a:tcPr marL="63246" marR="63246" marT="63246" marB="63246">
-                    <a:lnL>
-                      <a:noFill/>
-                    </a:lnL>
-                    <a:lnR>
-                      <a:noFill/>
-                    </a:lnR>
-                    <a:lnT w="9525" cap="flat" cmpd="sng" algn="ctr">
-                      <a:solidFill>
-                        <a:srgbClr val="DDDDDD"/>
-                      </a:solidFill>
-                      <a:prstDash val="solid"/>
-                      <a:round/>
-                      <a:headEnd type="none" w="med" len="med"/>
-                      <a:tailEnd type="none" w="med" len="med"/>
-                    </a:lnT>
-                    <a:lnB w="9525" cap="flat" cmpd="sng" algn="ctr">
-                      <a:solidFill>
-                        <a:srgbClr val="DDDDDD"/>
-                      </a:solidFill>
-                      <a:prstDash val="solid"/>
-                      <a:round/>
-                      <a:headEnd type="none" w="med" len="med"/>
-                      <a:tailEnd type="none" w="med" len="med"/>
-                    </a:lnB>
-                    <a:solidFill>
-                      <a:srgbClr val="F9F9F9"/>
-                    </a:solidFill>
-                  </a:tcPr>
-                </a:tc>
-                <a:extLst>
-                  <a:ext uri="{0D108BD9-81ED-4DB2-BD59-A6C34878D82A}">
-                    <a16:rowId xmlns:a16="http://schemas.microsoft.com/office/drawing/2014/main" val="2493744668"/>
-                  </a:ext>
-                </a:extLst>
-              </a:tr>
-              <a:tr h="354179">
-                <a:tc>
-                  <a:txBody>
-                    <a:bodyPr/>
-                    <a:lstStyle/>
-                    <a:p>
-                      <a:pPr fontAlgn="t"/>
-                      <a:r>
-                        <a:rPr lang="en-US" sz="1500">
-                          <a:effectLst/>
-                        </a:rPr>
-                        <a:t>4</a:t>
-                      </a:r>
-                    </a:p>
-                  </a:txBody>
-                  <a:tcPr marL="63246" marR="63246" marT="63246" marB="63246">
-                    <a:lnL>
-                      <a:noFill/>
-                    </a:lnL>
-                    <a:lnR>
-                      <a:noFill/>
-                    </a:lnR>
-                    <a:lnT w="9525" cap="flat" cmpd="sng" algn="ctr">
-                      <a:solidFill>
-                        <a:srgbClr val="DDDDDD"/>
-                      </a:solidFill>
-                      <a:prstDash val="solid"/>
-                      <a:round/>
-                      <a:headEnd type="none" w="med" len="med"/>
-                      <a:tailEnd type="none" w="med" len="med"/>
-                    </a:lnT>
-                    <a:lnB w="9525" cap="flat" cmpd="sng" algn="ctr">
-                      <a:solidFill>
-                        <a:srgbClr val="DDDDDD"/>
-                      </a:solidFill>
-                      <a:prstDash val="solid"/>
-                      <a:round/>
-                      <a:headEnd type="none" w="med" len="med"/>
-                      <a:tailEnd type="none" w="med" len="med"/>
-                    </a:lnB>
-                  </a:tcPr>
-                </a:tc>
-                <a:tc>
-                  <a:txBody>
-                    <a:bodyPr/>
-                    <a:lstStyle/>
-                    <a:p>
-                      <a:pPr fontAlgn="t"/>
-                      <a:r>
-                        <a:rPr lang="en-US" sz="1500">
-                          <a:effectLst/>
-                        </a:rPr>
-                        <a:t>C++</a:t>
-                      </a:r>
-                    </a:p>
-                  </a:txBody>
-                  <a:tcPr marL="63246" marR="63246" marT="63246" marB="63246">
-                    <a:lnL>
-                      <a:noFill/>
-                    </a:lnL>
-                    <a:lnR>
-                      <a:noFill/>
-                    </a:lnR>
-                    <a:lnT w="9525" cap="flat" cmpd="sng" algn="ctr">
-                      <a:solidFill>
-                        <a:srgbClr val="DDDDDD"/>
-                      </a:solidFill>
-                      <a:prstDash val="solid"/>
-                      <a:round/>
-                      <a:headEnd type="none" w="med" len="med"/>
-                      <a:tailEnd type="none" w="med" len="med"/>
-                    </a:lnT>
-                    <a:lnB w="9525" cap="flat" cmpd="sng" algn="ctr">
-                      <a:solidFill>
-                        <a:srgbClr val="DDDDDD"/>
-                      </a:solidFill>
-                      <a:prstDash val="solid"/>
-                      <a:round/>
-                      <a:headEnd type="none" w="med" len="med"/>
-                      <a:tailEnd type="none" w="med" len="med"/>
-                    </a:lnB>
-                  </a:tcPr>
-                </a:tc>
-                <a:tc>
-                  <a:txBody>
-                    <a:bodyPr/>
-                    <a:lstStyle/>
-                    <a:p>
-                      <a:pPr fontAlgn="t"/>
-                      <a:r>
-                        <a:rPr lang="en-US" sz="1500">
-                          <a:effectLst/>
-                        </a:rPr>
-                        <a:t>5.574%</a:t>
-                      </a:r>
-                    </a:p>
-                  </a:txBody>
-                  <a:tcPr marL="63246" marR="63246" marT="63246" marB="63246">
-                    <a:lnL>
-                      <a:noFill/>
-                    </a:lnL>
-                    <a:lnR>
-                      <a:noFill/>
-                    </a:lnR>
-                    <a:lnT w="9525" cap="flat" cmpd="sng" algn="ctr">
-                      <a:solidFill>
-                        <a:srgbClr val="DDDDDD"/>
-                      </a:solidFill>
-                      <a:prstDash val="solid"/>
-                      <a:round/>
-                      <a:headEnd type="none" w="med" len="med"/>
-                      <a:tailEnd type="none" w="med" len="med"/>
-                    </a:lnT>
-                    <a:lnB w="9525" cap="flat" cmpd="sng" algn="ctr">
-                      <a:solidFill>
-                        <a:srgbClr val="DDDDDD"/>
-                      </a:solidFill>
-                      <a:prstDash val="solid"/>
-                      <a:round/>
-                      <a:headEnd type="none" w="med" len="med"/>
-                      <a:tailEnd type="none" w="med" len="med"/>
-                    </a:lnB>
-                  </a:tcPr>
-                </a:tc>
-                <a:tc>
-                  <a:txBody>
-                    <a:bodyPr/>
-                    <a:lstStyle/>
-                    <a:p>
-                      <a:pPr fontAlgn="t"/>
-                      <a:r>
-                        <a:rPr lang="en-US" sz="1500">
-                          <a:effectLst/>
-                        </a:rPr>
-                        <a:t>-2.58%</a:t>
-                      </a:r>
-                    </a:p>
-                  </a:txBody>
-                  <a:tcPr marL="63246" marR="63246" marT="63246" marB="63246">
-                    <a:lnL>
-                      <a:noFill/>
-                    </a:lnL>
-                    <a:lnR>
-                      <a:noFill/>
-                    </a:lnR>
-                    <a:lnT w="9525" cap="flat" cmpd="sng" algn="ctr">
-                      <a:solidFill>
-                        <a:srgbClr val="DDDDDD"/>
-                      </a:solidFill>
-                      <a:prstDash val="solid"/>
-                      <a:round/>
-                      <a:headEnd type="none" w="med" len="med"/>
-                      <a:tailEnd type="none" w="med" len="med"/>
-                    </a:lnT>
-                    <a:lnB w="9525" cap="flat" cmpd="sng" algn="ctr">
-                      <a:solidFill>
-                        <a:srgbClr val="DDDDDD"/>
-                      </a:solidFill>
-                      <a:prstDash val="solid"/>
-                      <a:round/>
-                      <a:headEnd type="none" w="med" len="med"/>
-                      <a:tailEnd type="none" w="med" len="med"/>
-                    </a:lnB>
-                  </a:tcPr>
-                </a:tc>
-                <a:extLst>
-                  <a:ext uri="{0D108BD9-81ED-4DB2-BD59-A6C34878D82A}">
-                    <a16:rowId xmlns:a16="http://schemas.microsoft.com/office/drawing/2014/main" val="3733425433"/>
-                  </a:ext>
-                </a:extLst>
-              </a:tr>
-              <a:tr h="354179">
-                <a:tc>
-                  <a:txBody>
-                    <a:bodyPr/>
-                    <a:lstStyle/>
-                    <a:p>
-                      <a:pPr algn="l" fontAlgn="t"/>
-                      <a:r>
-                        <a:rPr lang="en-US" sz="1500">
-                          <a:effectLst/>
-                        </a:rPr>
-                        <a:t>5</a:t>
-                      </a:r>
-                    </a:p>
-                  </a:txBody>
-                  <a:tcPr marL="63246" marR="63246" marT="63246" marB="63246">
-                    <a:lnL>
-                      <a:noFill/>
-                    </a:lnL>
-                    <a:lnR>
-                      <a:noFill/>
-                    </a:lnR>
-                    <a:lnT w="9525" cap="flat" cmpd="sng" algn="ctr">
-                      <a:solidFill>
-                        <a:srgbClr val="DDDDDD"/>
-                      </a:solidFill>
-                      <a:prstDash val="solid"/>
-                      <a:round/>
-                      <a:headEnd type="none" w="med" len="med"/>
-                      <a:tailEnd type="none" w="med" len="med"/>
-                    </a:lnT>
-                    <a:lnB w="9525" cap="flat" cmpd="sng" algn="ctr">
-                      <a:solidFill>
-                        <a:srgbClr val="DDDDDD"/>
-                      </a:solidFill>
-                      <a:prstDash val="solid"/>
-                      <a:round/>
-                      <a:headEnd type="none" w="med" len="med"/>
-                      <a:tailEnd type="none" w="med" len="med"/>
-                    </a:lnB>
-                    <a:solidFill>
-                      <a:srgbClr val="F9F9F9"/>
-                    </a:solidFill>
-                  </a:tcPr>
-                </a:tc>
-                <a:tc>
-                  <a:txBody>
-                    <a:bodyPr/>
-                    <a:lstStyle/>
-                    <a:p>
-                      <a:pPr algn="l" fontAlgn="t"/>
-                      <a:r>
-                        <a:rPr lang="en-US" sz="1500">
-                          <a:effectLst/>
-                        </a:rPr>
-                        <a:t>C#</a:t>
-                      </a:r>
-                    </a:p>
-                  </a:txBody>
-                  <a:tcPr marL="63246" marR="63246" marT="63246" marB="63246">
-                    <a:lnL>
-                      <a:noFill/>
-                    </a:lnL>
-                    <a:lnR>
-                      <a:noFill/>
-                    </a:lnR>
-                    <a:lnT w="9525" cap="flat" cmpd="sng" algn="ctr">
-                      <a:solidFill>
-                        <a:srgbClr val="DDDDDD"/>
-                      </a:solidFill>
-                      <a:prstDash val="solid"/>
-                      <a:round/>
-                      <a:headEnd type="none" w="med" len="med"/>
-                      <a:tailEnd type="none" w="med" len="med"/>
-                    </a:lnT>
-                    <a:lnB w="9525" cap="flat" cmpd="sng" algn="ctr">
-                      <a:solidFill>
-                        <a:srgbClr val="DDDDDD"/>
-                      </a:solidFill>
-                      <a:prstDash val="solid"/>
-                      <a:round/>
-                      <a:headEnd type="none" w="med" len="med"/>
-                      <a:tailEnd type="none" w="med" len="med"/>
-                    </a:lnB>
-                    <a:solidFill>
-                      <a:srgbClr val="F9F9F9"/>
-                    </a:solidFill>
-                  </a:tcPr>
-                </a:tc>
-                <a:tc>
-                  <a:txBody>
-                    <a:bodyPr/>
-                    <a:lstStyle/>
-                    <a:p>
-                      <a:pPr algn="l" fontAlgn="t"/>
-                      <a:r>
-                        <a:rPr lang="en-US" sz="1500">
-                          <a:effectLst/>
-                        </a:rPr>
-                        <a:t>5.349%</a:t>
-                      </a:r>
-                    </a:p>
-                  </a:txBody>
-                  <a:tcPr marL="63246" marR="63246" marT="63246" marB="63246">
-                    <a:lnL>
-                      <a:noFill/>
-                    </a:lnL>
-                    <a:lnR>
-                      <a:noFill/>
-                    </a:lnR>
-                    <a:lnT w="9525" cap="flat" cmpd="sng" algn="ctr">
-                      <a:solidFill>
-                        <a:srgbClr val="DDDDDD"/>
-                      </a:solidFill>
-                      <a:prstDash val="solid"/>
-                      <a:round/>
-                      <a:headEnd type="none" w="med" len="med"/>
-                      <a:tailEnd type="none" w="med" len="med"/>
-                    </a:lnT>
-                    <a:lnB w="9525" cap="flat" cmpd="sng" algn="ctr">
-                      <a:solidFill>
-                        <a:srgbClr val="DDDDDD"/>
-                      </a:solidFill>
-                      <a:prstDash val="solid"/>
-                      <a:round/>
-                      <a:headEnd type="none" w="med" len="med"/>
-                      <a:tailEnd type="none" w="med" len="med"/>
-                    </a:lnB>
-                    <a:solidFill>
-                      <a:srgbClr val="F9F9F9"/>
-                    </a:solidFill>
-                  </a:tcPr>
-                </a:tc>
-                <a:tc>
-                  <a:txBody>
-                    <a:bodyPr/>
-                    <a:lstStyle/>
-                    <a:p>
-                      <a:pPr algn="l" fontAlgn="t"/>
-                      <a:r>
-                        <a:rPr lang="en-US" sz="1500">
-                          <a:effectLst/>
-                        </a:rPr>
-                        <a:t>+2.07%</a:t>
-                      </a:r>
-                    </a:p>
-                  </a:txBody>
-                  <a:tcPr marL="63246" marR="63246" marT="63246" marB="63246">
-                    <a:lnL>
-                      <a:noFill/>
-                    </a:lnL>
-                    <a:lnR>
-                      <a:noFill/>
-                    </a:lnR>
-                    <a:lnT w="9525" cap="flat" cmpd="sng" algn="ctr">
-                      <a:solidFill>
-                        <a:srgbClr val="DDDDDD"/>
-                      </a:solidFill>
-                      <a:prstDash val="solid"/>
-                      <a:round/>
-                      <a:headEnd type="none" w="med" len="med"/>
-                      <a:tailEnd type="none" w="med" len="med"/>
-                    </a:lnT>
-                    <a:lnB w="9525" cap="flat" cmpd="sng" algn="ctr">
-                      <a:solidFill>
-                        <a:srgbClr val="DDDDDD"/>
-                      </a:solidFill>
-                      <a:prstDash val="solid"/>
-                      <a:round/>
-                      <a:headEnd type="none" w="med" len="med"/>
-                      <a:tailEnd type="none" w="med" len="med"/>
-                    </a:lnB>
-                    <a:solidFill>
-                      <a:srgbClr val="F9F9F9"/>
-                    </a:solidFill>
-                  </a:tcPr>
-                </a:tc>
-                <a:extLst>
-                  <a:ext uri="{0D108BD9-81ED-4DB2-BD59-A6C34878D82A}">
-                    <a16:rowId xmlns:a16="http://schemas.microsoft.com/office/drawing/2014/main" val="633841632"/>
-                  </a:ext>
-                </a:extLst>
-              </a:tr>
-              <a:tr h="581865">
-                <a:tc>
-                  <a:txBody>
-                    <a:bodyPr/>
-                    <a:lstStyle/>
-                    <a:p>
-                      <a:pPr fontAlgn="t"/>
-                      <a:r>
-                        <a:rPr lang="en-US" sz="1500">
-                          <a:effectLst/>
-                        </a:rPr>
-                        <a:t>6</a:t>
-                      </a:r>
-                    </a:p>
-                  </a:txBody>
-                  <a:tcPr marL="63246" marR="63246" marT="63246" marB="63246">
-                    <a:lnL>
-                      <a:noFill/>
-                    </a:lnL>
-                    <a:lnR>
-                      <a:noFill/>
-                    </a:lnR>
-                    <a:lnT w="9525" cap="flat" cmpd="sng" algn="ctr">
-                      <a:solidFill>
-                        <a:srgbClr val="DDDDDD"/>
-                      </a:solidFill>
-                      <a:prstDash val="solid"/>
-                      <a:round/>
-                      <a:headEnd type="none" w="med" len="med"/>
-                      <a:tailEnd type="none" w="med" len="med"/>
-                    </a:lnT>
-                    <a:lnB w="9525" cap="flat" cmpd="sng" algn="ctr">
-                      <a:solidFill>
-                        <a:srgbClr val="DDDDDD"/>
-                      </a:solidFill>
-                      <a:prstDash val="solid"/>
-                      <a:round/>
-                      <a:headEnd type="none" w="med" len="med"/>
-                      <a:tailEnd type="none" w="med" len="med"/>
-                    </a:lnB>
-                  </a:tcPr>
-                </a:tc>
-                <a:tc>
-                  <a:txBody>
-                    <a:bodyPr/>
-                    <a:lstStyle/>
-                    <a:p>
-                      <a:pPr fontAlgn="t"/>
-                      <a:r>
-                        <a:rPr lang="en-US" sz="1500">
-                          <a:effectLst/>
-                        </a:rPr>
-                        <a:t>Visual Basic .NET</a:t>
-                      </a:r>
-                    </a:p>
-                  </a:txBody>
-                  <a:tcPr marL="63246" marR="63246" marT="63246" marB="63246">
-                    <a:lnL>
-                      <a:noFill/>
-                    </a:lnL>
-                    <a:lnR>
-                      <a:noFill/>
-                    </a:lnR>
-                    <a:lnT w="9525" cap="flat" cmpd="sng" algn="ctr">
-                      <a:solidFill>
-                        <a:srgbClr val="DDDDDD"/>
-                      </a:solidFill>
-                      <a:prstDash val="solid"/>
-                      <a:round/>
-                      <a:headEnd type="none" w="med" len="med"/>
-                      <a:tailEnd type="none" w="med" len="med"/>
-                    </a:lnT>
-                    <a:lnB w="9525" cap="flat" cmpd="sng" algn="ctr">
-                      <a:solidFill>
-                        <a:srgbClr val="DDDDDD"/>
-                      </a:solidFill>
-                      <a:prstDash val="solid"/>
-                      <a:round/>
-                      <a:headEnd type="none" w="med" len="med"/>
-                      <a:tailEnd type="none" w="med" len="med"/>
-                    </a:lnB>
-                  </a:tcPr>
-                </a:tc>
-                <a:tc>
-                  <a:txBody>
-                    <a:bodyPr/>
-                    <a:lstStyle/>
-                    <a:p>
-                      <a:pPr fontAlgn="t"/>
-                      <a:r>
-                        <a:rPr lang="en-US" sz="1500">
-                          <a:effectLst/>
-                        </a:rPr>
-                        <a:t>5.287%</a:t>
-                      </a:r>
-                    </a:p>
-                  </a:txBody>
-                  <a:tcPr marL="63246" marR="63246" marT="63246" marB="63246">
-                    <a:lnL>
-                      <a:noFill/>
-                    </a:lnL>
-                    <a:lnR>
-                      <a:noFill/>
-                    </a:lnR>
-                    <a:lnT w="9525" cap="flat" cmpd="sng" algn="ctr">
-                      <a:solidFill>
-                        <a:srgbClr val="DDDDDD"/>
-                      </a:solidFill>
-                      <a:prstDash val="solid"/>
-                      <a:round/>
-                      <a:headEnd type="none" w="med" len="med"/>
-                      <a:tailEnd type="none" w="med" len="med"/>
-                    </a:lnT>
-                    <a:lnB w="9525" cap="flat" cmpd="sng" algn="ctr">
-                      <a:solidFill>
-                        <a:srgbClr val="DDDDDD"/>
-                      </a:solidFill>
-                      <a:prstDash val="solid"/>
-                      <a:round/>
-                      <a:headEnd type="none" w="med" len="med"/>
-                      <a:tailEnd type="none" w="med" len="med"/>
-                    </a:lnB>
-                  </a:tcPr>
-                </a:tc>
-                <a:tc>
-                  <a:txBody>
-                    <a:bodyPr/>
-                    <a:lstStyle/>
-                    <a:p>
-                      <a:pPr fontAlgn="t"/>
-                      <a:r>
-                        <a:rPr lang="en-US" sz="1500">
-                          <a:effectLst/>
-                        </a:rPr>
-                        <a:t>-1.17%</a:t>
-                      </a:r>
-                    </a:p>
-                  </a:txBody>
-                  <a:tcPr marL="63246" marR="63246" marT="63246" marB="63246">
-                    <a:lnL>
-                      <a:noFill/>
-                    </a:lnL>
-                    <a:lnR>
-                      <a:noFill/>
-                    </a:lnR>
-                    <a:lnT w="9525" cap="flat" cmpd="sng" algn="ctr">
-                      <a:solidFill>
-                        <a:srgbClr val="DDDDDD"/>
-                      </a:solidFill>
-                      <a:prstDash val="solid"/>
-                      <a:round/>
-                      <a:headEnd type="none" w="med" len="med"/>
-                      <a:tailEnd type="none" w="med" len="med"/>
-                    </a:lnT>
-                    <a:lnB w="9525" cap="flat" cmpd="sng" algn="ctr">
-                      <a:solidFill>
-                        <a:srgbClr val="DDDDDD"/>
-                      </a:solidFill>
-                      <a:prstDash val="solid"/>
-                      <a:round/>
-                      <a:headEnd type="none" w="med" len="med"/>
-                      <a:tailEnd type="none" w="med" len="med"/>
-                    </a:lnB>
-                  </a:tcPr>
-                </a:tc>
-                <a:extLst>
-                  <a:ext uri="{0D108BD9-81ED-4DB2-BD59-A6C34878D82A}">
-                    <a16:rowId xmlns:a16="http://schemas.microsoft.com/office/drawing/2014/main" val="1516141107"/>
-                  </a:ext>
-                </a:extLst>
-              </a:tr>
-              <a:tr h="354179">
-                <a:tc>
-                  <a:txBody>
-                    <a:bodyPr/>
-                    <a:lstStyle/>
-                    <a:p>
-                      <a:pPr algn="l" fontAlgn="t"/>
-                      <a:r>
-                        <a:rPr lang="en-US" sz="1500">
-                          <a:effectLst/>
-                        </a:rPr>
-                        <a:t>7</a:t>
-                      </a:r>
-                    </a:p>
-                  </a:txBody>
-                  <a:tcPr marL="63246" marR="63246" marT="63246" marB="63246">
-                    <a:lnL>
-                      <a:noFill/>
-                    </a:lnL>
-                    <a:lnR>
-                      <a:noFill/>
-                    </a:lnR>
-                    <a:lnT w="9525" cap="flat" cmpd="sng" algn="ctr">
-                      <a:solidFill>
-                        <a:srgbClr val="DDDDDD"/>
-                      </a:solidFill>
-                      <a:prstDash val="solid"/>
-                      <a:round/>
-                      <a:headEnd type="none" w="med" len="med"/>
-                      <a:tailEnd type="none" w="med" len="med"/>
-                    </a:lnT>
-                    <a:lnB w="9525" cap="flat" cmpd="sng" algn="ctr">
-                      <a:solidFill>
-                        <a:srgbClr val="DDDDDD"/>
-                      </a:solidFill>
-                      <a:prstDash val="solid"/>
-                      <a:round/>
-                      <a:headEnd type="none" w="med" len="med"/>
-                      <a:tailEnd type="none" w="med" len="med"/>
-                    </a:lnB>
-                    <a:solidFill>
-                      <a:srgbClr val="F9F9F9"/>
-                    </a:solidFill>
-                  </a:tcPr>
-                </a:tc>
-                <a:tc>
-                  <a:txBody>
-                    <a:bodyPr/>
-                    <a:lstStyle/>
-                    <a:p>
-                      <a:pPr algn="l" fontAlgn="t"/>
-                      <a:r>
-                        <a:rPr lang="en-US" sz="1500">
-                          <a:effectLst/>
-                        </a:rPr>
-                        <a:t>JavaScript</a:t>
-                      </a:r>
-                    </a:p>
-                  </a:txBody>
-                  <a:tcPr marL="63246" marR="63246" marT="63246" marB="63246">
-                    <a:lnL>
-                      <a:noFill/>
-                    </a:lnL>
-                    <a:lnR>
-                      <a:noFill/>
-                    </a:lnR>
-                    <a:lnT w="9525" cap="flat" cmpd="sng" algn="ctr">
-                      <a:solidFill>
-                        <a:srgbClr val="DDDDDD"/>
-                      </a:solidFill>
-                      <a:prstDash val="solid"/>
-                      <a:round/>
-                      <a:headEnd type="none" w="med" len="med"/>
-                      <a:tailEnd type="none" w="med" len="med"/>
-                    </a:lnT>
-                    <a:lnB w="9525" cap="flat" cmpd="sng" algn="ctr">
-                      <a:solidFill>
-                        <a:srgbClr val="DDDDDD"/>
-                      </a:solidFill>
-                      <a:prstDash val="solid"/>
-                      <a:round/>
-                      <a:headEnd type="none" w="med" len="med"/>
-                      <a:tailEnd type="none" w="med" len="med"/>
-                    </a:lnB>
-                    <a:solidFill>
-                      <a:srgbClr val="F9F9F9"/>
-                    </a:solidFill>
-                  </a:tcPr>
-                </a:tc>
-                <a:tc>
-                  <a:txBody>
-                    <a:bodyPr/>
-                    <a:lstStyle/>
-                    <a:p>
-                      <a:pPr algn="l" fontAlgn="t"/>
-                      <a:r>
-                        <a:rPr lang="en-US" sz="1500">
-                          <a:effectLst/>
-                        </a:rPr>
-                        <a:t>2.451%</a:t>
-                      </a:r>
-                    </a:p>
-                  </a:txBody>
-                  <a:tcPr marL="63246" marR="63246" marT="63246" marB="63246">
-                    <a:lnL>
-                      <a:noFill/>
-                    </a:lnL>
-                    <a:lnR>
-                      <a:noFill/>
-                    </a:lnR>
-                    <a:lnT w="9525" cap="flat" cmpd="sng" algn="ctr">
-                      <a:solidFill>
-                        <a:srgbClr val="DDDDDD"/>
-                      </a:solidFill>
-                      <a:prstDash val="solid"/>
-                      <a:round/>
-                      <a:headEnd type="none" w="med" len="med"/>
-                      <a:tailEnd type="none" w="med" len="med"/>
-                    </a:lnT>
-                    <a:lnB w="9525" cap="flat" cmpd="sng" algn="ctr">
-                      <a:solidFill>
-                        <a:srgbClr val="DDDDDD"/>
-                      </a:solidFill>
-                      <a:prstDash val="solid"/>
-                      <a:round/>
-                      <a:headEnd type="none" w="med" len="med"/>
-                      <a:tailEnd type="none" w="med" len="med"/>
-                    </a:lnB>
-                    <a:solidFill>
-                      <a:srgbClr val="F9F9F9"/>
-                    </a:solidFill>
-                  </a:tcPr>
-                </a:tc>
-                <a:tc>
-                  <a:txBody>
-                    <a:bodyPr/>
-                    <a:lstStyle/>
-                    <a:p>
-                      <a:pPr algn="l" fontAlgn="t"/>
-                      <a:r>
-                        <a:rPr lang="en-US" sz="1500">
-                          <a:effectLst/>
-                        </a:rPr>
-                        <a:t>-0.85%</a:t>
-                      </a:r>
-                    </a:p>
-                  </a:txBody>
-                  <a:tcPr marL="63246" marR="63246" marT="63246" marB="63246">
-                    <a:lnL>
-                      <a:noFill/>
-                    </a:lnL>
-                    <a:lnR>
-                      <a:noFill/>
-                    </a:lnR>
-                    <a:lnT w="9525" cap="flat" cmpd="sng" algn="ctr">
-                      <a:solidFill>
-                        <a:srgbClr val="DDDDDD"/>
-                      </a:solidFill>
-                      <a:prstDash val="solid"/>
-                      <a:round/>
-                      <a:headEnd type="none" w="med" len="med"/>
-                      <a:tailEnd type="none" w="med" len="med"/>
-                    </a:lnT>
-                    <a:lnB w="9525" cap="flat" cmpd="sng" algn="ctr">
-                      <a:solidFill>
-                        <a:srgbClr val="DDDDDD"/>
-                      </a:solidFill>
-                      <a:prstDash val="solid"/>
-                      <a:round/>
-                      <a:headEnd type="none" w="med" len="med"/>
-                      <a:tailEnd type="none" w="med" len="med"/>
-                    </a:lnB>
-                    <a:solidFill>
-                      <a:srgbClr val="F9F9F9"/>
-                    </a:solidFill>
-                  </a:tcPr>
-                </a:tc>
-                <a:extLst>
-                  <a:ext uri="{0D108BD9-81ED-4DB2-BD59-A6C34878D82A}">
-                    <a16:rowId xmlns:a16="http://schemas.microsoft.com/office/drawing/2014/main" val="4106134460"/>
-                  </a:ext>
-                </a:extLst>
-              </a:tr>
-              <a:tr h="354179">
-                <a:tc>
-                  <a:txBody>
-                    <a:bodyPr/>
-                    <a:lstStyle/>
-                    <a:p>
-                      <a:pPr fontAlgn="t"/>
-                      <a:r>
-                        <a:rPr lang="en-US" sz="1500">
-                          <a:effectLst/>
-                        </a:rPr>
-                        <a:t>8</a:t>
-                      </a:r>
-                    </a:p>
-                  </a:txBody>
-                  <a:tcPr marL="63246" marR="63246" marT="63246" marB="63246">
-                    <a:lnL>
-                      <a:noFill/>
-                    </a:lnL>
-                    <a:lnR>
-                      <a:noFill/>
-                    </a:lnR>
-                    <a:lnT w="9525" cap="flat" cmpd="sng" algn="ctr">
-                      <a:solidFill>
-                        <a:srgbClr val="DDDDDD"/>
-                      </a:solidFill>
-                      <a:prstDash val="solid"/>
-                      <a:round/>
-                      <a:headEnd type="none" w="med" len="med"/>
-                      <a:tailEnd type="none" w="med" len="med"/>
-                    </a:lnT>
-                    <a:lnB w="9525" cap="flat" cmpd="sng" algn="ctr">
-                      <a:solidFill>
-                        <a:srgbClr val="DDDDDD"/>
-                      </a:solidFill>
-                      <a:prstDash val="solid"/>
-                      <a:round/>
-                      <a:headEnd type="none" w="med" len="med"/>
-                      <a:tailEnd type="none" w="med" len="med"/>
-                    </a:lnB>
-                  </a:tcPr>
-                </a:tc>
-                <a:tc>
-                  <a:txBody>
-                    <a:bodyPr/>
-                    <a:lstStyle/>
-                    <a:p>
-                      <a:pPr fontAlgn="t"/>
-                      <a:r>
-                        <a:rPr lang="en-US" sz="1500">
-                          <a:effectLst/>
-                        </a:rPr>
-                        <a:t>PHP</a:t>
-                      </a:r>
-                    </a:p>
-                  </a:txBody>
-                  <a:tcPr marL="63246" marR="63246" marT="63246" marB="63246">
-                    <a:lnL>
-                      <a:noFill/>
-                    </a:lnL>
-                    <a:lnR>
-                      <a:noFill/>
-                    </a:lnR>
-                    <a:lnT w="9525" cap="flat" cmpd="sng" algn="ctr">
-                      <a:solidFill>
-                        <a:srgbClr val="DDDDDD"/>
-                      </a:solidFill>
-                      <a:prstDash val="solid"/>
-                      <a:round/>
-                      <a:headEnd type="none" w="med" len="med"/>
-                      <a:tailEnd type="none" w="med" len="med"/>
-                    </a:lnT>
-                    <a:lnB w="9525" cap="flat" cmpd="sng" algn="ctr">
-                      <a:solidFill>
-                        <a:srgbClr val="DDDDDD"/>
-                      </a:solidFill>
-                      <a:prstDash val="solid"/>
-                      <a:round/>
-                      <a:headEnd type="none" w="med" len="med"/>
-                      <a:tailEnd type="none" w="med" len="med"/>
-                    </a:lnB>
-                  </a:tcPr>
-                </a:tc>
-                <a:tc>
-                  <a:txBody>
-                    <a:bodyPr/>
-                    <a:lstStyle/>
-                    <a:p>
-                      <a:pPr fontAlgn="t"/>
-                      <a:r>
-                        <a:rPr lang="en-US" sz="1500">
-                          <a:effectLst/>
-                        </a:rPr>
-                        <a:t>2.405%</a:t>
-                      </a:r>
-                    </a:p>
-                  </a:txBody>
-                  <a:tcPr marL="63246" marR="63246" marT="63246" marB="63246">
-                    <a:lnL>
-                      <a:noFill/>
-                    </a:lnL>
-                    <a:lnR>
-                      <a:noFill/>
-                    </a:lnR>
-                    <a:lnT w="9525" cap="flat" cmpd="sng" algn="ctr">
-                      <a:solidFill>
-                        <a:srgbClr val="DDDDDD"/>
-                      </a:solidFill>
-                      <a:prstDash val="solid"/>
-                      <a:round/>
-                      <a:headEnd type="none" w="med" len="med"/>
-                      <a:tailEnd type="none" w="med" len="med"/>
-                    </a:lnT>
-                    <a:lnB w="9525" cap="flat" cmpd="sng" algn="ctr">
-                      <a:solidFill>
-                        <a:srgbClr val="DDDDDD"/>
-                      </a:solidFill>
-                      <a:prstDash val="solid"/>
-                      <a:round/>
-                      <a:headEnd type="none" w="med" len="med"/>
-                      <a:tailEnd type="none" w="med" len="med"/>
-                    </a:lnB>
-                  </a:tcPr>
-                </a:tc>
-                <a:tc>
-                  <a:txBody>
-                    <a:bodyPr/>
-                    <a:lstStyle/>
-                    <a:p>
-                      <a:pPr fontAlgn="t"/>
-                      <a:r>
-                        <a:rPr lang="en-US" sz="1500">
-                          <a:effectLst/>
-                        </a:rPr>
-                        <a:t>-0.28%</a:t>
-                      </a:r>
-                    </a:p>
-                  </a:txBody>
-                  <a:tcPr marL="63246" marR="63246" marT="63246" marB="63246">
-                    <a:lnL>
-                      <a:noFill/>
-                    </a:lnL>
-                    <a:lnR>
-                      <a:noFill/>
-                    </a:lnR>
-                    <a:lnT w="9525" cap="flat" cmpd="sng" algn="ctr">
-                      <a:solidFill>
-                        <a:srgbClr val="DDDDDD"/>
-                      </a:solidFill>
-                      <a:prstDash val="solid"/>
-                      <a:round/>
-                      <a:headEnd type="none" w="med" len="med"/>
-                      <a:tailEnd type="none" w="med" len="med"/>
-                    </a:lnT>
-                    <a:lnB w="9525" cap="flat" cmpd="sng" algn="ctr">
-                      <a:solidFill>
-                        <a:srgbClr val="DDDDDD"/>
-                      </a:solidFill>
-                      <a:prstDash val="solid"/>
-                      <a:round/>
-                      <a:headEnd type="none" w="med" len="med"/>
-                      <a:tailEnd type="none" w="med" len="med"/>
-                    </a:lnB>
-                  </a:tcPr>
-                </a:tc>
-                <a:extLst>
-                  <a:ext uri="{0D108BD9-81ED-4DB2-BD59-A6C34878D82A}">
-                    <a16:rowId xmlns:a16="http://schemas.microsoft.com/office/drawing/2014/main" val="2535801058"/>
-                  </a:ext>
-                </a:extLst>
-              </a:tr>
-              <a:tr h="354179">
-                <a:tc>
-                  <a:txBody>
-                    <a:bodyPr/>
-                    <a:lstStyle/>
-                    <a:p>
-                      <a:pPr algn="l" fontAlgn="t"/>
-                      <a:r>
-                        <a:rPr lang="en-US" sz="1500">
-                          <a:effectLst/>
-                        </a:rPr>
-                        <a:t>9</a:t>
-                      </a:r>
-                    </a:p>
-                  </a:txBody>
-                  <a:tcPr marL="63246" marR="63246" marT="63246" marB="63246">
-                    <a:lnL>
-                      <a:noFill/>
-                    </a:lnL>
-                    <a:lnR>
-                      <a:noFill/>
-                    </a:lnR>
-                    <a:lnT w="9525" cap="flat" cmpd="sng" algn="ctr">
-                      <a:solidFill>
-                        <a:srgbClr val="DDDDDD"/>
-                      </a:solidFill>
-                      <a:prstDash val="solid"/>
-                      <a:round/>
-                      <a:headEnd type="none" w="med" len="med"/>
-                      <a:tailEnd type="none" w="med" len="med"/>
-                    </a:lnT>
-                    <a:lnB w="9525" cap="flat" cmpd="sng" algn="ctr">
-                      <a:solidFill>
-                        <a:srgbClr val="DDDDDD"/>
-                      </a:solidFill>
-                      <a:prstDash val="solid"/>
-                      <a:round/>
-                      <a:headEnd type="none" w="med" len="med"/>
-                      <a:tailEnd type="none" w="med" len="med"/>
-                    </a:lnB>
-                    <a:solidFill>
-                      <a:srgbClr val="F9F9F9"/>
-                    </a:solidFill>
-                  </a:tcPr>
-                </a:tc>
-                <a:tc>
-                  <a:txBody>
-                    <a:bodyPr/>
-                    <a:lstStyle/>
-                    <a:p>
-                      <a:pPr algn="l" fontAlgn="t"/>
-                      <a:r>
-                        <a:rPr lang="en-US" sz="1500">
-                          <a:effectLst/>
-                        </a:rPr>
-                        <a:t>Swift</a:t>
-                      </a:r>
-                    </a:p>
-                  </a:txBody>
-                  <a:tcPr marL="63246" marR="63246" marT="63246" marB="63246">
-                    <a:lnL>
-                      <a:noFill/>
-                    </a:lnL>
-                    <a:lnR>
-                      <a:noFill/>
-                    </a:lnR>
-                    <a:lnT w="9525" cap="flat" cmpd="sng" algn="ctr">
-                      <a:solidFill>
-                        <a:srgbClr val="DDDDDD"/>
-                      </a:solidFill>
-                      <a:prstDash val="solid"/>
-                      <a:round/>
-                      <a:headEnd type="none" w="med" len="med"/>
-                      <a:tailEnd type="none" w="med" len="med"/>
-                    </a:lnT>
-                    <a:lnB w="9525" cap="flat" cmpd="sng" algn="ctr">
-                      <a:solidFill>
-                        <a:srgbClr val="DDDDDD"/>
-                      </a:solidFill>
-                      <a:prstDash val="solid"/>
-                      <a:round/>
-                      <a:headEnd type="none" w="med" len="med"/>
-                      <a:tailEnd type="none" w="med" len="med"/>
-                    </a:lnB>
-                    <a:solidFill>
-                      <a:srgbClr val="F9F9F9"/>
-                    </a:solidFill>
-                  </a:tcPr>
-                </a:tc>
-                <a:tc>
-                  <a:txBody>
-                    <a:bodyPr/>
-                    <a:lstStyle/>
-                    <a:p>
-                      <a:pPr algn="l" fontAlgn="t"/>
-                      <a:r>
-                        <a:rPr lang="en-US" sz="1500">
-                          <a:effectLst/>
-                        </a:rPr>
-                        <a:t>1.795%</a:t>
-                      </a:r>
-                    </a:p>
-                  </a:txBody>
-                  <a:tcPr marL="63246" marR="63246" marT="63246" marB="63246">
-                    <a:lnL>
-                      <a:noFill/>
-                    </a:lnL>
-                    <a:lnR>
-                      <a:noFill/>
-                    </a:lnR>
-                    <a:lnT w="9525" cap="flat" cmpd="sng" algn="ctr">
-                      <a:solidFill>
-                        <a:srgbClr val="DDDDDD"/>
-                      </a:solidFill>
-                      <a:prstDash val="solid"/>
-                      <a:round/>
-                      <a:headEnd type="none" w="med" len="med"/>
-                      <a:tailEnd type="none" w="med" len="med"/>
-                    </a:lnT>
-                    <a:lnB w="9525" cap="flat" cmpd="sng" algn="ctr">
-                      <a:solidFill>
-                        <a:srgbClr val="DDDDDD"/>
-                      </a:solidFill>
-                      <a:prstDash val="solid"/>
-                      <a:round/>
-                      <a:headEnd type="none" w="med" len="med"/>
-                      <a:tailEnd type="none" w="med" len="med"/>
-                    </a:lnB>
-                    <a:solidFill>
-                      <a:srgbClr val="F9F9F9"/>
-                    </a:solidFill>
-                  </a:tcPr>
-                </a:tc>
-                <a:tc>
-                  <a:txBody>
-                    <a:bodyPr/>
-                    <a:lstStyle/>
-                    <a:p>
-                      <a:pPr algn="l" fontAlgn="t"/>
-                      <a:r>
-                        <a:rPr lang="en-US" sz="1500">
-                          <a:effectLst/>
-                        </a:rPr>
-                        <a:t>+0.61%</a:t>
-                      </a:r>
-                    </a:p>
-                  </a:txBody>
-                  <a:tcPr marL="63246" marR="63246" marT="63246" marB="63246">
-                    <a:lnL>
-                      <a:noFill/>
-                    </a:lnL>
-                    <a:lnR>
-                      <a:noFill/>
-                    </a:lnR>
-                    <a:lnT w="9525" cap="flat" cmpd="sng" algn="ctr">
-                      <a:solidFill>
-                        <a:srgbClr val="DDDDDD"/>
-                      </a:solidFill>
-                      <a:prstDash val="solid"/>
-                      <a:round/>
-                      <a:headEnd type="none" w="med" len="med"/>
-                      <a:tailEnd type="none" w="med" len="med"/>
-                    </a:lnT>
-                    <a:lnB w="9525" cap="flat" cmpd="sng" algn="ctr">
-                      <a:solidFill>
-                        <a:srgbClr val="DDDDDD"/>
-                      </a:solidFill>
-                      <a:prstDash val="solid"/>
-                      <a:round/>
-                      <a:headEnd type="none" w="med" len="med"/>
-                      <a:tailEnd type="none" w="med" len="med"/>
-                    </a:lnB>
-                    <a:solidFill>
-                      <a:srgbClr val="F9F9F9"/>
-                    </a:solidFill>
-                  </a:tcPr>
-                </a:tc>
-                <a:extLst>
-                  <a:ext uri="{0D108BD9-81ED-4DB2-BD59-A6C34878D82A}">
-                    <a16:rowId xmlns:a16="http://schemas.microsoft.com/office/drawing/2014/main" val="798053531"/>
-                  </a:ext>
-                </a:extLst>
-              </a:tr>
-              <a:tr h="354179">
-                <a:tc>
-                  <a:txBody>
-                    <a:bodyPr/>
-                    <a:lstStyle/>
-                    <a:p>
-                      <a:pPr fontAlgn="t"/>
-                      <a:r>
-                        <a:rPr lang="en-US" sz="1500" b="0">
-                          <a:effectLst/>
-                        </a:rPr>
-                        <a:t>10</a:t>
-                      </a:r>
-                    </a:p>
-                  </a:txBody>
-                  <a:tcPr marL="63246" marR="63246" marT="63246" marB="63246">
-                    <a:lnL>
-                      <a:noFill/>
-                    </a:lnL>
-                    <a:lnR>
-                      <a:noFill/>
-                    </a:lnR>
-                    <a:lnT w="9525" cap="flat" cmpd="sng" algn="ctr">
-                      <a:solidFill>
-                        <a:srgbClr val="DDDDDD"/>
-                      </a:solidFill>
-                      <a:prstDash val="solid"/>
-                      <a:round/>
-                      <a:headEnd type="none" w="med" len="med"/>
-                      <a:tailEnd type="none" w="med" len="med"/>
-                    </a:lnT>
-                    <a:lnB w="9525" cap="flat" cmpd="sng" algn="ctr">
-                      <a:solidFill>
-                        <a:srgbClr val="DDDDDD"/>
-                      </a:solidFill>
-                      <a:prstDash val="solid"/>
-                      <a:round/>
-                      <a:headEnd type="none" w="med" len="med"/>
-                      <a:tailEnd type="none" w="med" len="med"/>
-                    </a:lnB>
-                    <a:solidFill>
-                      <a:srgbClr val="D3D3D3"/>
-                    </a:solidFill>
-                  </a:tcPr>
-                </a:tc>
-                <a:tc>
-                  <a:txBody>
-                    <a:bodyPr/>
-                    <a:lstStyle/>
-                    <a:p>
-                      <a:pPr fontAlgn="t"/>
-                      <a:r>
-                        <a:rPr lang="en-US" sz="1500" b="0" dirty="0">
-                          <a:effectLst/>
-                        </a:rPr>
-                        <a:t>SQL</a:t>
-                      </a:r>
-                    </a:p>
-                  </a:txBody>
-                  <a:tcPr marL="63246" marR="63246" marT="63246" marB="63246">
-                    <a:lnL>
-                      <a:noFill/>
-                    </a:lnL>
-                    <a:lnR>
-                      <a:noFill/>
-                    </a:lnR>
-                    <a:lnT w="9525" cap="flat" cmpd="sng" algn="ctr">
-                      <a:solidFill>
-                        <a:srgbClr val="DDDDDD"/>
-                      </a:solidFill>
-                      <a:prstDash val="solid"/>
-                      <a:round/>
-                      <a:headEnd type="none" w="med" len="med"/>
-                      <a:tailEnd type="none" w="med" len="med"/>
-                    </a:lnT>
-                    <a:lnB w="9525" cap="flat" cmpd="sng" algn="ctr">
-                      <a:solidFill>
-                        <a:srgbClr val="DDDDDD"/>
-                      </a:solidFill>
-                      <a:prstDash val="solid"/>
-                      <a:round/>
-                      <a:headEnd type="none" w="med" len="med"/>
-                      <a:tailEnd type="none" w="med" len="med"/>
-                    </a:lnB>
-                    <a:solidFill>
-                      <a:srgbClr val="D3D3D3"/>
-                    </a:solidFill>
-                  </a:tcPr>
-                </a:tc>
-                <a:tc>
-                  <a:txBody>
-                    <a:bodyPr/>
-                    <a:lstStyle/>
-                    <a:p>
-                      <a:pPr fontAlgn="t"/>
-                      <a:r>
-                        <a:rPr lang="en-US" sz="1500" b="0" dirty="0">
-                          <a:effectLst/>
-                        </a:rPr>
-                        <a:t>1.504%</a:t>
-                      </a:r>
-                    </a:p>
-                  </a:txBody>
-                  <a:tcPr marL="63246" marR="63246" marT="63246" marB="63246">
-                    <a:lnL>
-                      <a:noFill/>
-                    </a:lnL>
-                    <a:lnR>
-                      <a:noFill/>
-                    </a:lnR>
-                    <a:lnT w="9525" cap="flat" cmpd="sng" algn="ctr">
-                      <a:solidFill>
-                        <a:srgbClr val="DDDDDD"/>
-                      </a:solidFill>
-                      <a:prstDash val="solid"/>
-                      <a:round/>
-                      <a:headEnd type="none" w="med" len="med"/>
-                      <a:tailEnd type="none" w="med" len="med"/>
-                    </a:lnT>
-                    <a:lnB w="9525" cap="flat" cmpd="sng" algn="ctr">
-                      <a:solidFill>
-                        <a:srgbClr val="DDDDDD"/>
-                      </a:solidFill>
-                      <a:prstDash val="solid"/>
-                      <a:round/>
-                      <a:headEnd type="none" w="med" len="med"/>
-                      <a:tailEnd type="none" w="med" len="med"/>
-                    </a:lnB>
-                    <a:solidFill>
-                      <a:srgbClr val="D3D3D3"/>
-                    </a:solidFill>
-                  </a:tcPr>
-                </a:tc>
-                <a:tc>
-                  <a:txBody>
-                    <a:bodyPr/>
-                    <a:lstStyle/>
-                    <a:p>
-                      <a:pPr fontAlgn="t"/>
-                      <a:r>
-                        <a:rPr lang="en-US" sz="1500" b="0" dirty="0">
-                          <a:effectLst/>
-                        </a:rPr>
-                        <a:t>-0.77%</a:t>
-                      </a:r>
-                    </a:p>
-                  </a:txBody>
-                  <a:tcPr marL="63246" marR="63246" marT="63246" marB="63246">
-                    <a:lnL>
-                      <a:noFill/>
-                    </a:lnL>
-                    <a:lnR>
-                      <a:noFill/>
-                    </a:lnR>
-                    <a:lnT w="9525" cap="flat" cmpd="sng" algn="ctr">
-                      <a:solidFill>
-                        <a:srgbClr val="DDDDDD"/>
-                      </a:solidFill>
-                      <a:prstDash val="solid"/>
-                      <a:round/>
-                      <a:headEnd type="none" w="med" len="med"/>
-                      <a:tailEnd type="none" w="med" len="med"/>
-                    </a:lnT>
-                    <a:lnB w="9525" cap="flat" cmpd="sng" algn="ctr">
-                      <a:solidFill>
-                        <a:srgbClr val="DDDDDD"/>
-                      </a:solidFill>
-                      <a:prstDash val="solid"/>
-                      <a:round/>
-                      <a:headEnd type="none" w="med" len="med"/>
-                      <a:tailEnd type="none" w="med" len="med"/>
-                    </a:lnB>
-                    <a:solidFill>
-                      <a:srgbClr val="D3D3D3"/>
-                    </a:solidFill>
-                  </a:tcPr>
-                </a:tc>
-                <a:extLst>
-                  <a:ext uri="{0D108BD9-81ED-4DB2-BD59-A6C34878D82A}">
-                    <a16:rowId xmlns:a16="http://schemas.microsoft.com/office/drawing/2014/main" val="723562680"/>
-                  </a:ext>
-                </a:extLst>
-              </a:tr>
-            </a:tbl>
-          </a:graphicData>
-        </a:graphic>
-      </p:graphicFrame>
-      <p:sp>
-        <p:nvSpPr>
-          <p:cNvPr id="5" name="Rectangle 4">
-            <a:extLst>
-              <a:ext uri="{FF2B5EF4-FFF2-40B4-BE49-F238E27FC236}">
-                <a16:creationId xmlns:a16="http://schemas.microsoft.com/office/drawing/2014/main" id="{8BAB0A5D-56AA-8E47-88CF-4A36032FEDB6}"/>
-              </a:ext>
-            </a:extLst>
-          </p:cNvPr>
-          <p:cNvSpPr/>
-          <p:nvPr/>
-        </p:nvSpPr>
-        <p:spPr>
-          <a:xfrm>
-            <a:off x="8622575" y="6488668"/>
-            <a:ext cx="3638175" cy="369332"/>
-          </a:xfrm>
-          <a:prstGeom prst="rect">
-            <a:avLst/>
-          </a:prstGeom>
-        </p:spPr>
-        <p:txBody>
-          <a:bodyPr wrap="none">
-            <a:spAutoFit/>
-          </a:bodyPr>
-          <a:lstStyle/>
-          <a:p>
-            <a:r>
-              <a:rPr lang="en-US" dirty="0">
-                <a:hlinkClick r:id="rId2"/>
-              </a:rPr>
-              <a:t>https://www.tiobe.com/tiobe-index/</a:t>
-            </a:r>
-            <a:endParaRPr lang="en-US" dirty="0"/>
-          </a:p>
-        </p:txBody>
-      </p:sp>
-    </p:spTree>
-    <p:extLst>
-      <p:ext uri="{BB962C8B-B14F-4D97-AF65-F5344CB8AC3E}">
-        <p14:creationId xmlns:p14="http://schemas.microsoft.com/office/powerpoint/2010/main" val="3599755873"/>
-      </p:ext>
-    </p:extLst>
-  </p:cSld>
-  <p:clrMapOvr>
-    <a:masterClrMapping/>
-  </p:clrMapOvr>
-</p:sld>
-</file>
-
-<file path=ppt/slides/slide15.xml><?xml version="1.0" encoding="utf-8"?>
-<p:sld xmlns:a="http://schemas.openxmlformats.org/drawingml/2006/main" xmlns:r="http://schemas.openxmlformats.org/officeDocument/2006/relationships" xmlns:p="http://schemas.openxmlformats.org/presentationml/2006/main">
-  <p:cSld>
-    <p:spTree>
-      <p:nvGrpSpPr>
-        <p:cNvPr id="1" name=""/>
-        <p:cNvGrpSpPr/>
-        <p:nvPr/>
-      </p:nvGrpSpPr>
-      <p:grpSpPr>
-        <a:xfrm>
-          <a:off x="0" y="0"/>
-          <a:ext cx="0" cy="0"/>
-          <a:chOff x="0" y="0"/>
-          <a:chExt cx="0" cy="0"/>
-        </a:xfrm>
-      </p:grpSpPr>
-      <p:sp>
-        <p:nvSpPr>
-          <p:cNvPr id="5" name="Content Placeholder 4">
-            <a:extLst>
-              <a:ext uri="{FF2B5EF4-FFF2-40B4-BE49-F238E27FC236}">
-                <a16:creationId xmlns:a16="http://schemas.microsoft.com/office/drawing/2014/main" id="{FD232BB8-DC5C-F942-AA0B-6A49270A47C1}"/>
-              </a:ext>
-            </a:extLst>
-          </p:cNvPr>
-          <p:cNvSpPr>
-            <a:spLocks noGrp="1"/>
-          </p:cNvSpPr>
-          <p:nvPr>
-            <p:ph sz="half" idx="1"/>
-          </p:nvPr>
-        </p:nvSpPr>
-        <p:spPr>
-          <a:xfrm>
-            <a:off x="838200" y="380246"/>
-            <a:ext cx="5181600" cy="5796717"/>
-          </a:xfrm>
-          <a:ln>
-            <a:solidFill>
-              <a:schemeClr val="tx1"/>
-            </a:solidFill>
-          </a:ln>
-        </p:spPr>
-        <p:txBody>
-          <a:bodyPr>
-            <a:normAutofit/>
-          </a:bodyPr>
-          <a:lstStyle/>
-          <a:p>
-            <a:pPr marL="0" indent="0">
-              <a:buNone/>
-            </a:pPr>
-            <a:r>
-              <a:rPr lang="en-US" sz="1600" dirty="0">
-                <a:latin typeface="Consolas" panose="020B0609020204030204" pitchFamily="49" charset="0"/>
-                <a:cs typeface="Consolas" panose="020B0609020204030204" pitchFamily="49" charset="0"/>
-              </a:rPr>
-              <a:t>class Example {</a:t>
-            </a:r>
-          </a:p>
-          <a:p>
-            <a:pPr marL="0" indent="0">
-              <a:buNone/>
-            </a:pPr>
-            <a:r>
-              <a:rPr lang="en-US" sz="1600" dirty="0">
-                <a:latin typeface="Consolas" panose="020B0609020204030204" pitchFamily="49" charset="0"/>
-                <a:cs typeface="Consolas" panose="020B0609020204030204" pitchFamily="49" charset="0"/>
-              </a:rPr>
-              <a:t>  public static void main(String[] </a:t>
-            </a:r>
-            <a:r>
-              <a:rPr lang="en-US" sz="1600" dirty="0" err="1">
-                <a:latin typeface="Consolas" panose="020B0609020204030204" pitchFamily="49" charset="0"/>
-                <a:cs typeface="Consolas" panose="020B0609020204030204" pitchFamily="49" charset="0"/>
-              </a:rPr>
-              <a:t>args</a:t>
-            </a:r>
-            <a:r>
-              <a:rPr lang="en-US" sz="1600" dirty="0">
-                <a:latin typeface="Consolas" panose="020B0609020204030204" pitchFamily="49" charset="0"/>
-                <a:cs typeface="Consolas" panose="020B0609020204030204" pitchFamily="49" charset="0"/>
-              </a:rPr>
-              <a:t>) {</a:t>
-            </a:r>
-          </a:p>
-          <a:p>
-            <a:pPr marL="0" indent="0">
-              <a:buNone/>
-            </a:pPr>
-            <a:r>
-              <a:rPr lang="en-US" sz="1600" dirty="0">
-                <a:latin typeface="Consolas" panose="020B0609020204030204" pitchFamily="49" charset="0"/>
-                <a:cs typeface="Consolas" panose="020B0609020204030204" pitchFamily="49" charset="0"/>
-              </a:rPr>
-              <a:t>    int x = 10;</a:t>
-            </a:r>
-          </a:p>
-          <a:p>
-            <a:pPr marL="0" indent="0">
-              <a:buNone/>
-            </a:pPr>
-            <a:r>
-              <a:rPr lang="en-US" sz="1600" dirty="0">
-                <a:latin typeface="Consolas" panose="020B0609020204030204" pitchFamily="49" charset="0"/>
-                <a:cs typeface="Consolas" panose="020B0609020204030204" pitchFamily="49" charset="0"/>
-              </a:rPr>
-              <a:t>    int y = x + 40;</a:t>
-            </a:r>
-          </a:p>
-          <a:p>
-            <a:pPr marL="0" indent="0">
-              <a:buNone/>
-            </a:pPr>
-            <a:r>
-              <a:rPr lang="en-US" sz="1600" dirty="0">
-                <a:latin typeface="Consolas" panose="020B0609020204030204" pitchFamily="49" charset="0"/>
-                <a:cs typeface="Consolas" panose="020B0609020204030204" pitchFamily="49" charset="0"/>
-              </a:rPr>
-              <a:t>    </a:t>
-            </a:r>
-            <a:r>
-              <a:rPr lang="en-US" sz="1600" dirty="0" err="1">
-                <a:latin typeface="Consolas" panose="020B0609020204030204" pitchFamily="49" charset="0"/>
-                <a:cs typeface="Consolas" panose="020B0609020204030204" pitchFamily="49" charset="0"/>
-              </a:rPr>
-              <a:t>System.out.println</a:t>
-            </a:r>
-            <a:r>
-              <a:rPr lang="en-US" sz="1600" dirty="0">
-                <a:latin typeface="Consolas" panose="020B0609020204030204" pitchFamily="49" charset="0"/>
-                <a:cs typeface="Consolas" panose="020B0609020204030204" pitchFamily="49" charset="0"/>
-              </a:rPr>
-              <a:t>(x);</a:t>
-            </a:r>
-          </a:p>
-          <a:p>
-            <a:pPr marL="0" indent="0">
-              <a:buNone/>
-            </a:pPr>
-            <a:r>
-              <a:rPr lang="en-US" sz="1600" dirty="0">
-                <a:latin typeface="Consolas" panose="020B0609020204030204" pitchFamily="49" charset="0"/>
-                <a:cs typeface="Consolas" panose="020B0609020204030204" pitchFamily="49" charset="0"/>
-              </a:rPr>
-              <a:t>    </a:t>
-            </a:r>
-            <a:r>
-              <a:rPr lang="en-US" sz="1600" dirty="0" err="1">
-                <a:latin typeface="Consolas" panose="020B0609020204030204" pitchFamily="49" charset="0"/>
-                <a:cs typeface="Consolas" panose="020B0609020204030204" pitchFamily="49" charset="0"/>
-              </a:rPr>
-              <a:t>System.out.println</a:t>
-            </a:r>
-            <a:r>
-              <a:rPr lang="en-US" sz="1600" dirty="0">
-                <a:latin typeface="Consolas" panose="020B0609020204030204" pitchFamily="49" charset="0"/>
-                <a:cs typeface="Consolas" panose="020B0609020204030204" pitchFamily="49" charset="0"/>
-              </a:rPr>
-              <a:t>(y);</a:t>
-            </a:r>
-          </a:p>
-          <a:p>
-            <a:pPr marL="0" indent="0">
-              <a:buNone/>
-            </a:pPr>
-            <a:r>
-              <a:rPr lang="en-US" sz="1600" dirty="0">
-                <a:latin typeface="Consolas" panose="020B0609020204030204" pitchFamily="49" charset="0"/>
-                <a:cs typeface="Consolas" panose="020B0609020204030204" pitchFamily="49" charset="0"/>
-              </a:rPr>
-              <a:t>  }</a:t>
-            </a:r>
-          </a:p>
-          <a:p>
-            <a:pPr marL="0" indent="0">
-              <a:buNone/>
-            </a:pPr>
-            <a:r>
-              <a:rPr lang="en-US" sz="1600" dirty="0">
-                <a:latin typeface="Consolas" panose="020B0609020204030204" pitchFamily="49" charset="0"/>
-                <a:cs typeface="Consolas" panose="020B0609020204030204" pitchFamily="49" charset="0"/>
-              </a:rPr>
-              <a:t>}</a:t>
-            </a:r>
-          </a:p>
-          <a:p>
-            <a:pPr marL="0" indent="0">
-              <a:buNone/>
-            </a:pPr>
-            <a:endParaRPr lang="en-US" sz="1600" dirty="0"/>
-          </a:p>
-        </p:txBody>
-      </p:sp>
-      <p:sp>
-        <p:nvSpPr>
-          <p:cNvPr id="6" name="Content Placeholder 5">
-            <a:extLst>
-              <a:ext uri="{FF2B5EF4-FFF2-40B4-BE49-F238E27FC236}">
-                <a16:creationId xmlns:a16="http://schemas.microsoft.com/office/drawing/2014/main" id="{7F6CE90B-E144-2143-A5B7-D9B80496BE0E}"/>
-              </a:ext>
-            </a:extLst>
-          </p:cNvPr>
-          <p:cNvSpPr>
-            <a:spLocks noGrp="1"/>
-          </p:cNvSpPr>
-          <p:nvPr>
-            <p:ph sz="half" idx="2"/>
-          </p:nvPr>
-        </p:nvSpPr>
-        <p:spPr>
-          <a:xfrm>
-            <a:off x="6172200" y="380246"/>
-            <a:ext cx="5181600" cy="5796717"/>
-          </a:xfrm>
-          <a:ln>
-            <a:solidFill>
-              <a:schemeClr val="tx1"/>
-            </a:solidFill>
-          </a:ln>
-        </p:spPr>
-        <p:txBody>
-          <a:bodyPr>
-            <a:normAutofit/>
-          </a:bodyPr>
-          <a:lstStyle/>
-          <a:p>
-            <a:pPr marL="0" indent="0">
-              <a:buNone/>
-            </a:pPr>
-            <a:r>
-              <a:rPr lang="en-US" sz="1600" dirty="0">
-                <a:latin typeface="Consolas" panose="020B0609020204030204" pitchFamily="49" charset="0"/>
-                <a:cs typeface="Consolas" panose="020B0609020204030204" pitchFamily="49" charset="0"/>
-              </a:rPr>
-              <a:t>❱ </a:t>
-            </a:r>
-            <a:r>
-              <a:rPr lang="en-US" sz="1600" dirty="0" err="1">
-                <a:latin typeface="Consolas" panose="020B0609020204030204" pitchFamily="49" charset="0"/>
-                <a:cs typeface="Consolas" panose="020B0609020204030204" pitchFamily="49" charset="0"/>
-              </a:rPr>
-              <a:t>javac</a:t>
-            </a:r>
-            <a:r>
-              <a:rPr lang="en-US" sz="1600" dirty="0">
-                <a:latin typeface="Consolas" panose="020B0609020204030204" pitchFamily="49" charset="0"/>
-                <a:cs typeface="Consolas" panose="020B0609020204030204" pitchFamily="49" charset="0"/>
-              </a:rPr>
-              <a:t> </a:t>
-            </a:r>
-            <a:r>
-              <a:rPr lang="en-US" sz="1600" dirty="0" err="1">
-                <a:latin typeface="Consolas" panose="020B0609020204030204" pitchFamily="49" charset="0"/>
-                <a:cs typeface="Consolas" panose="020B0609020204030204" pitchFamily="49" charset="0"/>
-              </a:rPr>
-              <a:t>Example.java</a:t>
-            </a:r>
-            <a:endParaRPr lang="en-US" sz="1600" dirty="0">
-              <a:latin typeface="Consolas" panose="020B0609020204030204" pitchFamily="49" charset="0"/>
-              <a:cs typeface="Consolas" panose="020B0609020204030204" pitchFamily="49" charset="0"/>
-            </a:endParaRPr>
-          </a:p>
-          <a:p>
-            <a:pPr marL="0" indent="0">
-              <a:buNone/>
-            </a:pPr>
-            <a:r>
-              <a:rPr lang="en-US" sz="1600" dirty="0">
-                <a:latin typeface="Consolas" panose="020B0609020204030204" pitchFamily="49" charset="0"/>
-                <a:cs typeface="Consolas" panose="020B0609020204030204" pitchFamily="49" charset="0"/>
-              </a:rPr>
-              <a:t>❱ java Example</a:t>
-            </a:r>
-          </a:p>
-          <a:p>
-            <a:pPr marL="0" indent="0">
-              <a:buNone/>
-            </a:pPr>
-            <a:endParaRPr lang="en-US" sz="1600" dirty="0">
-              <a:latin typeface="Consolas" panose="020B0609020204030204" pitchFamily="49" charset="0"/>
-              <a:cs typeface="Consolas" panose="020B0609020204030204" pitchFamily="49" charset="0"/>
-            </a:endParaRPr>
-          </a:p>
-          <a:p>
-            <a:pPr marL="0" indent="0">
-              <a:buNone/>
-            </a:pPr>
-            <a:endParaRPr lang="en-US" sz="1600" dirty="0">
-              <a:latin typeface="Consolas" panose="020B0609020204030204" pitchFamily="49" charset="0"/>
-              <a:cs typeface="Consolas" panose="020B0609020204030204" pitchFamily="49" charset="0"/>
-            </a:endParaRPr>
-          </a:p>
-          <a:p>
-            <a:pPr marL="0" indent="0">
-              <a:buNone/>
-            </a:pPr>
-            <a:endParaRPr lang="en-US" sz="1600" dirty="0">
-              <a:latin typeface="Consolas" panose="020B0609020204030204" pitchFamily="49" charset="0"/>
-              <a:cs typeface="Consolas" panose="020B0609020204030204" pitchFamily="49" charset="0"/>
-            </a:endParaRPr>
-          </a:p>
-          <a:p>
-            <a:pPr marL="0" indent="0">
-              <a:buNone/>
-            </a:pPr>
-            <a:endParaRPr lang="en-US" sz="1600" dirty="0"/>
-          </a:p>
-        </p:txBody>
-      </p:sp>
-    </p:spTree>
-    <p:extLst>
-      <p:ext uri="{BB962C8B-B14F-4D97-AF65-F5344CB8AC3E}">
-        <p14:creationId xmlns:p14="http://schemas.microsoft.com/office/powerpoint/2010/main" val="4026125064"/>
-      </p:ext>
-    </p:extLst>
-  </p:cSld>
-  <p:clrMapOvr>
-    <a:masterClrMapping/>
-  </p:clrMapOvr>
-</p:sld>
-</file>
-
-<file path=ppt/slides/slide16.xml><?xml version="1.0" encoding="utf-8"?>
-<p:sld xmlns:a="http://schemas.openxmlformats.org/drawingml/2006/main" xmlns:r="http://schemas.openxmlformats.org/officeDocument/2006/relationships" xmlns:p="http://schemas.openxmlformats.org/presentationml/2006/main">
-  <p:cSld>
-    <p:spTree>
-      <p:nvGrpSpPr>
-        <p:cNvPr id="1" name=""/>
-        <p:cNvGrpSpPr/>
-        <p:nvPr/>
-      </p:nvGrpSpPr>
-      <p:grpSpPr>
-        <a:xfrm>
-          <a:off x="0" y="0"/>
-          <a:ext cx="0" cy="0"/>
-          <a:chOff x="0" y="0"/>
-          <a:chExt cx="0" cy="0"/>
-        </a:xfrm>
-      </p:grpSpPr>
-      <p:sp>
-        <p:nvSpPr>
-          <p:cNvPr id="2" name="Title 1">
-            <a:extLst>
-              <a:ext uri="{FF2B5EF4-FFF2-40B4-BE49-F238E27FC236}">
-                <a16:creationId xmlns:a16="http://schemas.microsoft.com/office/drawing/2014/main" id="{7BA5D1D8-1AD5-0443-ACA9-A328B3BF04A0}"/>
-              </a:ext>
-            </a:extLst>
-          </p:cNvPr>
-          <p:cNvSpPr>
-            <a:spLocks noGrp="1"/>
-          </p:cNvSpPr>
-          <p:nvPr>
-            <p:ph type="title"/>
-          </p:nvPr>
-        </p:nvSpPr>
-        <p:spPr>
-          <a:xfrm>
-            <a:off x="838200" y="365126"/>
-            <a:ext cx="10515600" cy="703184"/>
-          </a:xfrm>
-        </p:spPr>
-        <p:txBody>
-          <a:bodyPr/>
-          <a:lstStyle/>
-          <a:p>
-            <a:r>
-              <a:rPr lang="en-US" dirty="0"/>
-              <a:t>Python vs. Java – Example3</a:t>
-            </a:r>
-          </a:p>
-        </p:txBody>
-      </p:sp>
-      <p:sp>
-        <p:nvSpPr>
-          <p:cNvPr id="3" name="Content Placeholder 2">
-            <a:extLst>
-              <a:ext uri="{FF2B5EF4-FFF2-40B4-BE49-F238E27FC236}">
-                <a16:creationId xmlns:a16="http://schemas.microsoft.com/office/drawing/2014/main" id="{41111794-23CE-C748-BE68-85976A0E940F}"/>
-              </a:ext>
-            </a:extLst>
-          </p:cNvPr>
-          <p:cNvSpPr>
-            <a:spLocks noGrp="1"/>
-          </p:cNvSpPr>
-          <p:nvPr>
-            <p:ph sz="half" idx="1"/>
-          </p:nvPr>
-        </p:nvSpPr>
-        <p:spPr>
-          <a:xfrm>
-            <a:off x="838200" y="1068310"/>
-            <a:ext cx="10515599" cy="5424564"/>
-          </a:xfrm>
-        </p:spPr>
-        <p:txBody>
-          <a:bodyPr>
-            <a:normAutofit/>
-          </a:bodyPr>
-          <a:lstStyle/>
-          <a:p>
-            <a:pPr marL="0" indent="0">
-              <a:buNone/>
-            </a:pPr>
-            <a:r>
-              <a:rPr lang="en-US" sz="1600" dirty="0">
-                <a:latin typeface="Consolas" panose="020B0609020204030204" pitchFamily="49" charset="0"/>
-                <a:cs typeface="Consolas" panose="020B0609020204030204" pitchFamily="49" charset="0"/>
-              </a:rPr>
-              <a:t>class Example3 {</a:t>
-            </a:r>
-          </a:p>
-          <a:p>
-            <a:pPr marL="0" indent="0">
-              <a:buNone/>
-            </a:pPr>
-            <a:r>
-              <a:rPr lang="en-US" sz="1600" dirty="0">
-                <a:latin typeface="Consolas" panose="020B0609020204030204" pitchFamily="49" charset="0"/>
-                <a:cs typeface="Consolas" panose="020B0609020204030204" pitchFamily="49" charset="0"/>
-              </a:rPr>
-              <a:t>  public static void main(String[] </a:t>
-            </a:r>
-            <a:r>
-              <a:rPr lang="en-US" sz="1600" dirty="0" err="1">
-                <a:latin typeface="Consolas" panose="020B0609020204030204" pitchFamily="49" charset="0"/>
-                <a:cs typeface="Consolas" panose="020B0609020204030204" pitchFamily="49" charset="0"/>
-              </a:rPr>
-              <a:t>args</a:t>
-            </a:r>
-            <a:r>
-              <a:rPr lang="en-US" sz="1600" dirty="0">
-                <a:latin typeface="Consolas" panose="020B0609020204030204" pitchFamily="49" charset="0"/>
-                <a:cs typeface="Consolas" panose="020B0609020204030204" pitchFamily="49" charset="0"/>
-              </a:rPr>
-              <a:t>) {</a:t>
-            </a:r>
-          </a:p>
-          <a:p>
-            <a:pPr marL="0" indent="0">
-              <a:buNone/>
-            </a:pPr>
-            <a:r>
-              <a:rPr lang="en-US" sz="1600" dirty="0">
-                <a:latin typeface="Consolas" panose="020B0609020204030204" pitchFamily="49" charset="0"/>
-                <a:cs typeface="Consolas" panose="020B0609020204030204" pitchFamily="49" charset="0"/>
-              </a:rPr>
-              <a:t>    int x = 10;</a:t>
-            </a:r>
-          </a:p>
-          <a:p>
-            <a:pPr marL="0" indent="0">
-              <a:buNone/>
-            </a:pPr>
-            <a:r>
-              <a:rPr lang="en-US" sz="1600" dirty="0">
-                <a:latin typeface="Consolas" panose="020B0609020204030204" pitchFamily="49" charset="0"/>
-                <a:cs typeface="Consolas" panose="020B0609020204030204" pitchFamily="49" charset="0"/>
-              </a:rPr>
-              <a:t>    int y = x + 40;</a:t>
-            </a:r>
-          </a:p>
-          <a:p>
-            <a:pPr marL="0" indent="0">
-              <a:buNone/>
-            </a:pPr>
-            <a:r>
-              <a:rPr lang="en-US" sz="1600" dirty="0">
-                <a:latin typeface="Consolas" panose="020B0609020204030204" pitchFamily="49" charset="0"/>
-                <a:cs typeface="Consolas" panose="020B0609020204030204" pitchFamily="49" charset="0"/>
-              </a:rPr>
-              <a:t>    </a:t>
-            </a:r>
-            <a:r>
-              <a:rPr lang="en-US" sz="1600" dirty="0" err="1">
-                <a:latin typeface="Consolas" panose="020B0609020204030204" pitchFamily="49" charset="0"/>
-                <a:cs typeface="Consolas" panose="020B0609020204030204" pitchFamily="49" charset="0"/>
-              </a:rPr>
-              <a:t>System.out.println</a:t>
-            </a:r>
-            <a:r>
-              <a:rPr lang="en-US" sz="1600" dirty="0">
-                <a:latin typeface="Consolas" panose="020B0609020204030204" pitchFamily="49" charset="0"/>
-                <a:cs typeface="Consolas" panose="020B0609020204030204" pitchFamily="49" charset="0"/>
-              </a:rPr>
-              <a:t>("We expect y to be 50: " + y);</a:t>
-            </a:r>
-          </a:p>
-          <a:p>
-            <a:pPr marL="0" indent="0">
-              <a:buNone/>
-            </a:pPr>
-            <a:r>
-              <a:rPr lang="en-US" sz="1600" dirty="0">
-                <a:latin typeface="Consolas" panose="020B0609020204030204" pitchFamily="49" charset="0"/>
-                <a:cs typeface="Consolas" panose="020B0609020204030204" pitchFamily="49" charset="0"/>
-              </a:rPr>
-              <a:t>  }</a:t>
-            </a:r>
-          </a:p>
-          <a:p>
-            <a:pPr marL="0" indent="0">
-              <a:buNone/>
-            </a:pPr>
-            <a:r>
-              <a:rPr lang="en-US" sz="1600" dirty="0">
-                <a:latin typeface="Consolas" panose="020B0609020204030204" pitchFamily="49" charset="0"/>
-                <a:cs typeface="Consolas" panose="020B0609020204030204" pitchFamily="49" charset="0"/>
-              </a:rPr>
-              <a:t>}</a:t>
-            </a:r>
-          </a:p>
-          <a:p>
-            <a:pPr marL="0" indent="0">
-              <a:buNone/>
-            </a:pPr>
-            <a:endParaRPr lang="en-US" sz="1600" dirty="0">
-              <a:latin typeface="Consolas" panose="020B0609020204030204" pitchFamily="49" charset="0"/>
-              <a:cs typeface="Consolas" panose="020B0609020204030204" pitchFamily="49" charset="0"/>
-            </a:endParaRPr>
-          </a:p>
-          <a:p>
-            <a:pPr marL="0" indent="0">
-              <a:buNone/>
-            </a:pPr>
-            <a:r>
-              <a:rPr lang="en-US" sz="1600" dirty="0">
-                <a:latin typeface="Calibri" panose="020F0502020204030204" pitchFamily="34" charset="0"/>
-                <a:cs typeface="Calibri" panose="020F0502020204030204" pitchFamily="34" charset="0"/>
-              </a:rPr>
-              <a:t>What's an example of a Python program that shows fundamentally </a:t>
-            </a:r>
-            <a:r>
-              <a:rPr lang="en-US" sz="1600" i="1" dirty="0">
-                <a:latin typeface="Calibri" panose="020F0502020204030204" pitchFamily="34" charset="0"/>
-                <a:cs typeface="Calibri" panose="020F0502020204030204" pitchFamily="34" charset="0"/>
-              </a:rPr>
-              <a:t>different</a:t>
-            </a:r>
-            <a:r>
-              <a:rPr lang="en-US" sz="1600" dirty="0">
-                <a:latin typeface="Calibri" panose="020F0502020204030204" pitchFamily="34" charset="0"/>
-                <a:cs typeface="Calibri" panose="020F0502020204030204" pitchFamily="34" charset="0"/>
-              </a:rPr>
-              <a:t> behavior from the Java code in this example?</a:t>
-            </a:r>
-          </a:p>
-          <a:p>
-            <a:pPr marL="0" indent="0">
-              <a:buNone/>
-            </a:pPr>
-            <a:endParaRPr lang="en-US" sz="1600" dirty="0">
-              <a:latin typeface="Calibri" panose="020F0502020204030204" pitchFamily="34" charset="0"/>
-              <a:cs typeface="Calibri" panose="020F0502020204030204" pitchFamily="34" charset="0"/>
-            </a:endParaRPr>
-          </a:p>
-          <a:p>
-            <a:pPr marL="342900" indent="-342900">
-              <a:buFont typeface="+mj-lt"/>
-              <a:buAutoNum type="alphaUcPeriod"/>
-            </a:pPr>
-            <a:r>
-              <a:rPr lang="en-US" sz="1600" dirty="0">
-                <a:latin typeface="Consolas" panose="020B0609020204030204" pitchFamily="49" charset="0"/>
-                <a:cs typeface="Consolas" panose="020B0609020204030204" pitchFamily="49" charset="0"/>
-              </a:rPr>
-              <a:t>print("hello")</a:t>
-            </a:r>
-          </a:p>
-          <a:p>
-            <a:pPr marL="342900" indent="-342900">
-              <a:buFont typeface="+mj-lt"/>
-              <a:buAutoNum type="alphaUcPeriod"/>
-            </a:pPr>
-            <a:r>
-              <a:rPr lang="en-US" sz="1600" dirty="0">
-                <a:latin typeface="Consolas" panose="020B0609020204030204" pitchFamily="49" charset="0"/>
-                <a:cs typeface="Consolas" panose="020B0609020204030204" pitchFamily="49" charset="0"/>
-              </a:rPr>
-              <a:t>x = 10</a:t>
-            </a:r>
-            <a:br>
-              <a:rPr lang="en-US" sz="1600" dirty="0">
-                <a:latin typeface="Consolas" panose="020B0609020204030204" pitchFamily="49" charset="0"/>
-                <a:cs typeface="Consolas" panose="020B0609020204030204" pitchFamily="49" charset="0"/>
-              </a:rPr>
-            </a:br>
-            <a:r>
-              <a:rPr lang="en-US" sz="1600" dirty="0">
-                <a:latin typeface="Consolas" panose="020B0609020204030204" pitchFamily="49" charset="0"/>
-                <a:cs typeface="Consolas" panose="020B0609020204030204" pitchFamily="49" charset="0"/>
-              </a:rPr>
-              <a:t>y = x + 40</a:t>
-            </a:r>
-          </a:p>
-          <a:p>
-            <a:pPr marL="342900" indent="-342900">
-              <a:buFont typeface="+mj-lt"/>
-              <a:buAutoNum type="alphaUcPeriod"/>
-            </a:pPr>
-            <a:r>
-              <a:rPr lang="en-US" sz="1600" dirty="0">
-                <a:latin typeface="Consolas" panose="020B0609020204030204" pitchFamily="49" charset="0"/>
-                <a:cs typeface="Consolas" panose="020B0609020204030204" pitchFamily="49" charset="0"/>
-              </a:rPr>
-              <a:t>"a" + 50</a:t>
-            </a:r>
-          </a:p>
-          <a:p>
-            <a:pPr marL="342900" indent="-342900">
-              <a:buFont typeface="+mj-lt"/>
-              <a:buAutoNum type="alphaUcPeriod"/>
-            </a:pPr>
-            <a:r>
-              <a:rPr lang="en-US" sz="1600" dirty="0">
-                <a:latin typeface="Consolas" panose="020B0609020204030204" pitchFamily="49" charset="0"/>
-                <a:cs typeface="Consolas" panose="020B0609020204030204" pitchFamily="49" charset="0"/>
-              </a:rPr>
-              <a:t>All of the above</a:t>
-            </a:r>
-          </a:p>
-          <a:p>
-            <a:pPr marL="342900" indent="-342900">
-              <a:buFont typeface="+mj-lt"/>
-              <a:buAutoNum type="alphaUcPeriod"/>
-            </a:pPr>
-            <a:r>
-              <a:rPr lang="en-US" sz="1600" dirty="0">
-                <a:latin typeface="Consolas" panose="020B0609020204030204" pitchFamily="49" charset="0"/>
-                <a:cs typeface="Consolas" panose="020B0609020204030204" pitchFamily="49" charset="0"/>
-              </a:rPr>
-              <a:t>None of the above</a:t>
-            </a:r>
-          </a:p>
-          <a:p>
-            <a:pPr marL="342900" indent="-342900">
-              <a:buFont typeface="+mj-lt"/>
-              <a:buAutoNum type="alphaUcPeriod"/>
-            </a:pPr>
-            <a:endParaRPr lang="en-US" sz="1600" dirty="0">
-              <a:latin typeface="Calibri" panose="020F0502020204030204" pitchFamily="34" charset="0"/>
-              <a:cs typeface="Calibri" panose="020F0502020204030204" pitchFamily="34" charset="0"/>
-            </a:endParaRPr>
-          </a:p>
-          <a:p>
-            <a:pPr marL="342900" indent="-342900">
-              <a:buFont typeface="+mj-lt"/>
-              <a:buAutoNum type="alphaUcPeriod"/>
-            </a:pPr>
-            <a:endParaRPr lang="en-US" sz="1600" dirty="0">
-              <a:latin typeface="Calibri" panose="020F0502020204030204" pitchFamily="34" charset="0"/>
-              <a:cs typeface="Calibri" panose="020F0502020204030204" pitchFamily="34" charset="0"/>
-            </a:endParaRPr>
-          </a:p>
-          <a:p>
-            <a:pPr marL="0" indent="0">
-              <a:buNone/>
-            </a:pPr>
-            <a:endParaRPr lang="en-US" sz="1600" dirty="0"/>
-          </a:p>
-        </p:txBody>
-      </p:sp>
-    </p:spTree>
-    <p:extLst>
-      <p:ext uri="{BB962C8B-B14F-4D97-AF65-F5344CB8AC3E}">
-        <p14:creationId xmlns:p14="http://schemas.microsoft.com/office/powerpoint/2010/main" val="2896041534"/>
-      </p:ext>
-    </p:extLst>
-  </p:cSld>
-  <p:clrMapOvr>
-    <a:masterClrMapping/>
-  </p:clrMapOvr>
-</p:sld>
-</file>
-
-<file path=ppt/slides/slide17.xml><?xml version="1.0" encoding="utf-8"?>
-<p:sld xmlns:a="http://schemas.openxmlformats.org/drawingml/2006/main" xmlns:r="http://schemas.openxmlformats.org/officeDocument/2006/relationships" xmlns:p="http://schemas.openxmlformats.org/presentationml/2006/main">
-  <p:cSld>
-    <p:spTree>
-      <p:nvGrpSpPr>
-        <p:cNvPr id="1" name=""/>
-        <p:cNvGrpSpPr/>
-        <p:nvPr/>
-      </p:nvGrpSpPr>
-      <p:grpSpPr>
-        <a:xfrm>
-          <a:off x="0" y="0"/>
-          <a:ext cx="0" cy="0"/>
-          <a:chOff x="0" y="0"/>
-          <a:chExt cx="0" cy="0"/>
-        </a:xfrm>
-      </p:grpSpPr>
-      <p:sp>
-        <p:nvSpPr>
-          <p:cNvPr id="2" name="Title 1">
-            <a:extLst>
-              <a:ext uri="{FF2B5EF4-FFF2-40B4-BE49-F238E27FC236}">
-                <a16:creationId xmlns:a16="http://schemas.microsoft.com/office/drawing/2014/main" id="{7BA5D1D8-1AD5-0443-ACA9-A328B3BF04A0}"/>
-              </a:ext>
-            </a:extLst>
-          </p:cNvPr>
-          <p:cNvSpPr>
-            <a:spLocks noGrp="1"/>
-          </p:cNvSpPr>
-          <p:nvPr>
-            <p:ph type="title"/>
-          </p:nvPr>
-        </p:nvSpPr>
-        <p:spPr/>
-        <p:txBody>
-          <a:bodyPr/>
-          <a:lstStyle/>
-          <a:p>
-            <a:r>
-              <a:rPr lang="en-US" dirty="0"/>
-              <a:t>Python vs. Java – Example4</a:t>
-            </a:r>
-          </a:p>
-        </p:txBody>
-      </p:sp>
-      <p:sp>
-        <p:nvSpPr>
-          <p:cNvPr id="3" name="Content Placeholder 2">
-            <a:extLst>
-              <a:ext uri="{FF2B5EF4-FFF2-40B4-BE49-F238E27FC236}">
-                <a16:creationId xmlns:a16="http://schemas.microsoft.com/office/drawing/2014/main" id="{41111794-23CE-C748-BE68-85976A0E940F}"/>
-              </a:ext>
-            </a:extLst>
-          </p:cNvPr>
-          <p:cNvSpPr>
-            <a:spLocks noGrp="1"/>
-          </p:cNvSpPr>
-          <p:nvPr>
-            <p:ph sz="half" idx="1"/>
-          </p:nvPr>
-        </p:nvSpPr>
-        <p:spPr>
-          <a:xfrm>
-            <a:off x="838199" y="1825625"/>
-            <a:ext cx="6639963" cy="4351338"/>
-          </a:xfrm>
-        </p:spPr>
-        <p:txBody>
-          <a:bodyPr>
-            <a:normAutofit/>
-          </a:bodyPr>
-          <a:lstStyle/>
-          <a:p>
-            <a:pPr marL="0" indent="0">
-              <a:buNone/>
-            </a:pPr>
-            <a:r>
-              <a:rPr lang="en-US" sz="1600" dirty="0">
-                <a:latin typeface="Consolas" panose="020B0609020204030204" pitchFamily="49" charset="0"/>
-                <a:cs typeface="Consolas" panose="020B0609020204030204" pitchFamily="49" charset="0"/>
-              </a:rPr>
-              <a:t>class Example4 {</a:t>
-            </a:r>
-          </a:p>
-          <a:p>
-            <a:pPr marL="0" indent="0">
-              <a:buNone/>
-            </a:pPr>
-            <a:r>
-              <a:rPr lang="en-US" sz="1600" dirty="0">
-                <a:latin typeface="Consolas" panose="020B0609020204030204" pitchFamily="49" charset="0"/>
-                <a:cs typeface="Consolas" panose="020B0609020204030204" pitchFamily="49" charset="0"/>
-              </a:rPr>
-              <a:t>  static int </a:t>
-            </a:r>
-            <a:r>
-              <a:rPr lang="en-US" sz="1600" dirty="0" err="1">
-                <a:latin typeface="Consolas" panose="020B0609020204030204" pitchFamily="49" charset="0"/>
-                <a:cs typeface="Consolas" panose="020B0609020204030204" pitchFamily="49" charset="0"/>
-              </a:rPr>
-              <a:t>averageOfTwoInt</a:t>
-            </a:r>
-            <a:r>
-              <a:rPr lang="en-US" sz="1600" dirty="0">
-                <a:latin typeface="Consolas" panose="020B0609020204030204" pitchFamily="49" charset="0"/>
-                <a:cs typeface="Consolas" panose="020B0609020204030204" pitchFamily="49" charset="0"/>
-              </a:rPr>
-              <a:t>(int n1, int n2) {</a:t>
-            </a:r>
-          </a:p>
-          <a:p>
-            <a:pPr marL="0" indent="0">
-              <a:buNone/>
-            </a:pPr>
-            <a:r>
-              <a:rPr lang="en-US" sz="1600" dirty="0">
-                <a:latin typeface="Consolas" panose="020B0609020204030204" pitchFamily="49" charset="0"/>
-                <a:cs typeface="Consolas" panose="020B0609020204030204" pitchFamily="49" charset="0"/>
-              </a:rPr>
-              <a:t>    return (n1 + n2) / 2;</a:t>
-            </a:r>
-          </a:p>
-          <a:p>
-            <a:pPr marL="0" indent="0">
-              <a:buNone/>
-            </a:pPr>
-            <a:r>
-              <a:rPr lang="en-US" sz="1600" dirty="0">
-                <a:latin typeface="Consolas" panose="020B0609020204030204" pitchFamily="49" charset="0"/>
-                <a:cs typeface="Consolas" panose="020B0609020204030204" pitchFamily="49" charset="0"/>
-              </a:rPr>
-              <a:t>  }</a:t>
-            </a:r>
-          </a:p>
-          <a:p>
-            <a:pPr marL="0" indent="0">
-              <a:buNone/>
-            </a:pPr>
-            <a:r>
-              <a:rPr lang="en-US" sz="1600" dirty="0">
-                <a:latin typeface="Consolas" panose="020B0609020204030204" pitchFamily="49" charset="0"/>
-                <a:cs typeface="Consolas" panose="020B0609020204030204" pitchFamily="49" charset="0"/>
-              </a:rPr>
-              <a:t>  static double </a:t>
-            </a:r>
-            <a:r>
-              <a:rPr lang="en-US" sz="1600" dirty="0" err="1">
-                <a:latin typeface="Consolas" panose="020B0609020204030204" pitchFamily="49" charset="0"/>
-                <a:cs typeface="Consolas" panose="020B0609020204030204" pitchFamily="49" charset="0"/>
-              </a:rPr>
-              <a:t>averageOfTwoFloat</a:t>
-            </a:r>
-            <a:r>
-              <a:rPr lang="en-US" sz="1600" dirty="0">
-                <a:latin typeface="Consolas" panose="020B0609020204030204" pitchFamily="49" charset="0"/>
-                <a:cs typeface="Consolas" panose="020B0609020204030204" pitchFamily="49" charset="0"/>
-              </a:rPr>
-              <a:t>(double n1, double n2) {</a:t>
-            </a:r>
-          </a:p>
-          <a:p>
-            <a:pPr marL="0" indent="0">
-              <a:buNone/>
-            </a:pPr>
-            <a:r>
-              <a:rPr lang="en-US" sz="1600" dirty="0">
-                <a:latin typeface="Consolas" panose="020B0609020204030204" pitchFamily="49" charset="0"/>
-                <a:cs typeface="Consolas" panose="020B0609020204030204" pitchFamily="49" charset="0"/>
-              </a:rPr>
-              <a:t>    return (n1 + n2) / 2;</a:t>
-            </a:r>
-          </a:p>
-          <a:p>
-            <a:pPr marL="0" indent="0">
-              <a:buNone/>
-            </a:pPr>
-            <a:r>
-              <a:rPr lang="en-US" sz="1600" dirty="0">
-                <a:latin typeface="Consolas" panose="020B0609020204030204" pitchFamily="49" charset="0"/>
-                <a:cs typeface="Consolas" panose="020B0609020204030204" pitchFamily="49" charset="0"/>
-              </a:rPr>
-              <a:t>  }</a:t>
-            </a:r>
-          </a:p>
-          <a:p>
-            <a:pPr marL="0" indent="0">
-              <a:buNone/>
-            </a:pPr>
-            <a:r>
-              <a:rPr lang="en-US" sz="1600" dirty="0">
-                <a:latin typeface="Consolas" panose="020B0609020204030204" pitchFamily="49" charset="0"/>
-                <a:cs typeface="Consolas" panose="020B0609020204030204" pitchFamily="49" charset="0"/>
-              </a:rPr>
-              <a:t>  public static void main(String[] </a:t>
-            </a:r>
-            <a:r>
-              <a:rPr lang="en-US" sz="1600" dirty="0" err="1">
-                <a:latin typeface="Consolas" panose="020B0609020204030204" pitchFamily="49" charset="0"/>
-                <a:cs typeface="Consolas" panose="020B0609020204030204" pitchFamily="49" charset="0"/>
-              </a:rPr>
-              <a:t>args</a:t>
-            </a:r>
-            <a:r>
-              <a:rPr lang="en-US" sz="1600" dirty="0">
-                <a:latin typeface="Consolas" panose="020B0609020204030204" pitchFamily="49" charset="0"/>
-                <a:cs typeface="Consolas" panose="020B0609020204030204" pitchFamily="49" charset="0"/>
-              </a:rPr>
-              <a:t>) {</a:t>
-            </a:r>
-          </a:p>
-          <a:p>
-            <a:pPr marL="0" indent="0">
-              <a:buNone/>
-            </a:pPr>
-            <a:r>
-              <a:rPr lang="en-US" sz="1600" dirty="0">
-                <a:latin typeface="Consolas" panose="020B0609020204030204" pitchFamily="49" charset="0"/>
-                <a:cs typeface="Consolas" panose="020B0609020204030204" pitchFamily="49" charset="0"/>
-              </a:rPr>
-              <a:t>    </a:t>
-            </a:r>
-            <a:r>
-              <a:rPr lang="en-US" sz="1600" dirty="0" err="1">
-                <a:latin typeface="Consolas" panose="020B0609020204030204" pitchFamily="49" charset="0"/>
-                <a:cs typeface="Consolas" panose="020B0609020204030204" pitchFamily="49" charset="0"/>
-              </a:rPr>
-              <a:t>System.out.println</a:t>
-            </a:r>
-            <a:r>
-              <a:rPr lang="en-US" sz="1600" dirty="0">
-                <a:latin typeface="Consolas" panose="020B0609020204030204" pitchFamily="49" charset="0"/>
-                <a:cs typeface="Consolas" panose="020B0609020204030204" pitchFamily="49" charset="0"/>
-              </a:rPr>
-              <a:t>(</a:t>
-            </a:r>
-            <a:r>
-              <a:rPr lang="en-US" sz="1600" dirty="0" err="1">
-                <a:latin typeface="Consolas" panose="020B0609020204030204" pitchFamily="49" charset="0"/>
-                <a:cs typeface="Consolas" panose="020B0609020204030204" pitchFamily="49" charset="0"/>
-              </a:rPr>
-              <a:t>averageOfTwoInt</a:t>
-            </a:r>
-            <a:r>
-              <a:rPr lang="en-US" sz="1600" dirty="0">
-                <a:latin typeface="Consolas" panose="020B0609020204030204" pitchFamily="49" charset="0"/>
-                <a:cs typeface="Consolas" panose="020B0609020204030204" pitchFamily="49" charset="0"/>
-              </a:rPr>
-              <a:t>(4, 5));</a:t>
-            </a:r>
-          </a:p>
-          <a:p>
-            <a:pPr marL="0" indent="0">
-              <a:buNone/>
-            </a:pPr>
-            <a:r>
-              <a:rPr lang="en-US" sz="1600" dirty="0">
-                <a:latin typeface="Consolas" panose="020B0609020204030204" pitchFamily="49" charset="0"/>
-                <a:cs typeface="Consolas" panose="020B0609020204030204" pitchFamily="49" charset="0"/>
-              </a:rPr>
-              <a:t>    </a:t>
-            </a:r>
-            <a:r>
-              <a:rPr lang="en-US" sz="1600" dirty="0" err="1">
-                <a:latin typeface="Consolas" panose="020B0609020204030204" pitchFamily="49" charset="0"/>
-                <a:cs typeface="Consolas" panose="020B0609020204030204" pitchFamily="49" charset="0"/>
-              </a:rPr>
-              <a:t>System.out.println</a:t>
-            </a:r>
-            <a:r>
-              <a:rPr lang="en-US" sz="1600" dirty="0">
-                <a:latin typeface="Consolas" panose="020B0609020204030204" pitchFamily="49" charset="0"/>
-                <a:cs typeface="Consolas" panose="020B0609020204030204" pitchFamily="49" charset="0"/>
-              </a:rPr>
-              <a:t>(</a:t>
-            </a:r>
-            <a:r>
-              <a:rPr lang="en-US" sz="1600" dirty="0" err="1">
-                <a:latin typeface="Consolas" panose="020B0609020204030204" pitchFamily="49" charset="0"/>
-                <a:cs typeface="Consolas" panose="020B0609020204030204" pitchFamily="49" charset="0"/>
-              </a:rPr>
-              <a:t>averageOfTwoFloat</a:t>
-            </a:r>
-            <a:r>
-              <a:rPr lang="en-US" sz="1600" dirty="0">
-                <a:latin typeface="Consolas" panose="020B0609020204030204" pitchFamily="49" charset="0"/>
-                <a:cs typeface="Consolas" panose="020B0609020204030204" pitchFamily="49" charset="0"/>
-              </a:rPr>
-              <a:t>(4.0, 5.0));</a:t>
-            </a:r>
-          </a:p>
-          <a:p>
-            <a:pPr marL="0" indent="0">
-              <a:buNone/>
-            </a:pPr>
-            <a:r>
-              <a:rPr lang="en-US" sz="1600" dirty="0">
-                <a:latin typeface="Consolas" panose="020B0609020204030204" pitchFamily="49" charset="0"/>
-                <a:cs typeface="Consolas" panose="020B0609020204030204" pitchFamily="49" charset="0"/>
-              </a:rPr>
-              <a:t>  }</a:t>
-            </a:r>
-          </a:p>
-          <a:p>
-            <a:pPr marL="0" indent="0">
-              <a:buNone/>
-            </a:pPr>
-            <a:r>
-              <a:rPr lang="en-US" sz="1600" dirty="0">
-                <a:latin typeface="Consolas" panose="020B0609020204030204" pitchFamily="49" charset="0"/>
-                <a:cs typeface="Consolas" panose="020B0609020204030204" pitchFamily="49" charset="0"/>
-              </a:rPr>
-              <a:t>}</a:t>
-            </a:r>
-          </a:p>
-        </p:txBody>
-      </p:sp>
-      <p:sp>
-        <p:nvSpPr>
-          <p:cNvPr id="4" name="Content Placeholder 3">
-            <a:extLst>
-              <a:ext uri="{FF2B5EF4-FFF2-40B4-BE49-F238E27FC236}">
-                <a16:creationId xmlns:a16="http://schemas.microsoft.com/office/drawing/2014/main" id="{39BA4C84-3E83-4C48-B501-84EEB3CAFC1C}"/>
-              </a:ext>
-            </a:extLst>
-          </p:cNvPr>
-          <p:cNvSpPr>
-            <a:spLocks noGrp="1"/>
-          </p:cNvSpPr>
-          <p:nvPr>
-            <p:ph sz="half" idx="2"/>
-          </p:nvPr>
-        </p:nvSpPr>
-        <p:spPr>
-          <a:xfrm>
-            <a:off x="7858408" y="1825625"/>
-            <a:ext cx="3495392" cy="4351338"/>
-          </a:xfrm>
-        </p:spPr>
-        <p:txBody>
-          <a:bodyPr>
-            <a:normAutofit/>
-          </a:bodyPr>
-          <a:lstStyle/>
-          <a:p>
-            <a:pPr marL="0" indent="0">
-              <a:buNone/>
-            </a:pPr>
-            <a:r>
-              <a:rPr lang="en-US" sz="1800" dirty="0"/>
-              <a:t>What does this program print (make a guess!)</a:t>
-            </a:r>
-          </a:p>
-          <a:p>
-            <a:pPr marL="0" indent="0">
-              <a:buNone/>
-            </a:pPr>
-            <a:endParaRPr lang="en-US" sz="1800" dirty="0"/>
-          </a:p>
-          <a:p>
-            <a:pPr marL="514350" indent="-514350">
-              <a:buAutoNum type="alphaUcPeriod"/>
-            </a:pPr>
-            <a:r>
-              <a:rPr lang="en-US" sz="1800" dirty="0"/>
-              <a:t>4</a:t>
-            </a:r>
-            <a:br>
-              <a:rPr lang="en-US" sz="1800" dirty="0"/>
-            </a:br>
-            <a:r>
-              <a:rPr lang="en-US" sz="1800" dirty="0"/>
-              <a:t>4.0</a:t>
-            </a:r>
-          </a:p>
-          <a:p>
-            <a:pPr marL="514350" indent="-514350">
-              <a:buAutoNum type="alphaUcPeriod"/>
-            </a:pPr>
-            <a:r>
-              <a:rPr lang="en-US" sz="1800" dirty="0"/>
-              <a:t>4.5</a:t>
-            </a:r>
-            <a:br>
-              <a:rPr lang="en-US" sz="1800" dirty="0"/>
-            </a:br>
-            <a:r>
-              <a:rPr lang="en-US" sz="1800" dirty="0"/>
-              <a:t>4.5</a:t>
-            </a:r>
-          </a:p>
-          <a:p>
-            <a:pPr marL="514350" indent="-514350">
-              <a:buAutoNum type="alphaUcPeriod"/>
-            </a:pPr>
-            <a:r>
-              <a:rPr lang="en-US" sz="1800" dirty="0"/>
-              <a:t>4.0</a:t>
-            </a:r>
-            <a:br>
-              <a:rPr lang="en-US" sz="1800" dirty="0"/>
-            </a:br>
-            <a:r>
-              <a:rPr lang="en-US" sz="1800" dirty="0"/>
-              <a:t>4.5</a:t>
-            </a:r>
-          </a:p>
-          <a:p>
-            <a:pPr marL="514350" indent="-514350">
-              <a:buAutoNum type="alphaUcPeriod"/>
-            </a:pPr>
-            <a:r>
-              <a:rPr lang="en-US" sz="1800" dirty="0"/>
-              <a:t>4</a:t>
-            </a:r>
-            <a:br>
-              <a:rPr lang="en-US" sz="1800" dirty="0"/>
-            </a:br>
-            <a:r>
-              <a:rPr lang="en-US" sz="1800" dirty="0"/>
-              <a:t>4.5</a:t>
-            </a:r>
-          </a:p>
-          <a:p>
-            <a:pPr marL="514350" indent="-514350">
-              <a:buAutoNum type="alphaUcPeriod"/>
-            </a:pPr>
-            <a:r>
-              <a:rPr lang="en-US" sz="1800" dirty="0"/>
-              <a:t>None of the above</a:t>
-            </a:r>
-          </a:p>
-          <a:p>
-            <a:pPr marL="514350" indent="-514350">
-              <a:buAutoNum type="alphaUcPeriod"/>
-            </a:pPr>
-            <a:endParaRPr lang="en-US" sz="1800" dirty="0"/>
-          </a:p>
-        </p:txBody>
-      </p:sp>
-    </p:spTree>
-    <p:extLst>
-      <p:ext uri="{BB962C8B-B14F-4D97-AF65-F5344CB8AC3E}">
-        <p14:creationId xmlns:p14="http://schemas.microsoft.com/office/powerpoint/2010/main" val="2606445025"/>
-      </p:ext>
-    </p:extLst>
-  </p:cSld>
-  <p:clrMapOvr>
-    <a:masterClrMapping/>
-  </p:clrMapOvr>
-</p:sld>
-</file>
-
-<file path=ppt/slides/slide18.xml><?xml version="1.0" encoding="utf-8"?>
-<p:sld xmlns:a="http://schemas.openxmlformats.org/drawingml/2006/main" xmlns:r="http://schemas.openxmlformats.org/officeDocument/2006/relationships" xmlns:p="http://schemas.openxmlformats.org/presentationml/2006/main">
-  <p:cSld>
-    <p:spTree>
-      <p:nvGrpSpPr>
-        <p:cNvPr id="1" name=""/>
-        <p:cNvGrpSpPr/>
-        <p:nvPr/>
-      </p:nvGrpSpPr>
-      <p:grpSpPr>
-        <a:xfrm>
-          <a:off x="0" y="0"/>
-          <a:ext cx="0" cy="0"/>
-          <a:chOff x="0" y="0"/>
-          <a:chExt cx="0" cy="0"/>
-        </a:xfrm>
-      </p:grpSpPr>
-      <p:sp>
-        <p:nvSpPr>
-          <p:cNvPr id="2" name="Title 1">
-            <a:extLst>
-              <a:ext uri="{FF2B5EF4-FFF2-40B4-BE49-F238E27FC236}">
-                <a16:creationId xmlns:a16="http://schemas.microsoft.com/office/drawing/2014/main" id="{7BA5D1D8-1AD5-0443-ACA9-A328B3BF04A0}"/>
-              </a:ext>
-            </a:extLst>
-          </p:cNvPr>
-          <p:cNvSpPr>
-            <a:spLocks noGrp="1"/>
-          </p:cNvSpPr>
-          <p:nvPr>
-            <p:ph type="title"/>
-          </p:nvPr>
-        </p:nvSpPr>
-        <p:spPr/>
-        <p:txBody>
-          <a:bodyPr/>
-          <a:lstStyle/>
-          <a:p>
-            <a:r>
-              <a:rPr lang="en-US" dirty="0"/>
-              <a:t>Python vs. Java – Example4 Lesson</a:t>
-            </a:r>
-          </a:p>
-        </p:txBody>
-      </p:sp>
-      <p:sp>
-        <p:nvSpPr>
-          <p:cNvPr id="3" name="Content Placeholder 2">
-            <a:extLst>
-              <a:ext uri="{FF2B5EF4-FFF2-40B4-BE49-F238E27FC236}">
-                <a16:creationId xmlns:a16="http://schemas.microsoft.com/office/drawing/2014/main" id="{41111794-23CE-C748-BE68-85976A0E940F}"/>
-              </a:ext>
-            </a:extLst>
-          </p:cNvPr>
-          <p:cNvSpPr>
-            <a:spLocks noGrp="1"/>
-          </p:cNvSpPr>
-          <p:nvPr>
-            <p:ph sz="half" idx="1"/>
-          </p:nvPr>
-        </p:nvSpPr>
-        <p:spPr>
-          <a:xfrm>
-            <a:off x="838199" y="1825625"/>
-            <a:ext cx="6639963" cy="4351338"/>
-          </a:xfrm>
-        </p:spPr>
-        <p:txBody>
-          <a:bodyPr>
-            <a:normAutofit/>
-          </a:bodyPr>
-          <a:lstStyle/>
-          <a:p>
-            <a:pPr marL="0" indent="0">
-              <a:buNone/>
-            </a:pPr>
-            <a:r>
-              <a:rPr lang="en-US" sz="1600" dirty="0">
-                <a:latin typeface="Consolas" panose="020B0609020204030204" pitchFamily="49" charset="0"/>
-                <a:cs typeface="Consolas" panose="020B0609020204030204" pitchFamily="49" charset="0"/>
-              </a:rPr>
-              <a:t>class Example4 {</a:t>
-            </a:r>
-          </a:p>
-          <a:p>
-            <a:pPr marL="0" indent="0">
-              <a:buNone/>
-            </a:pPr>
-            <a:r>
-              <a:rPr lang="en-US" sz="1600" dirty="0">
-                <a:latin typeface="Consolas" panose="020B0609020204030204" pitchFamily="49" charset="0"/>
-                <a:cs typeface="Consolas" panose="020B0609020204030204" pitchFamily="49" charset="0"/>
-              </a:rPr>
-              <a:t>  static int </a:t>
-            </a:r>
-            <a:r>
-              <a:rPr lang="en-US" sz="1600" dirty="0" err="1">
-                <a:latin typeface="Consolas" panose="020B0609020204030204" pitchFamily="49" charset="0"/>
-                <a:cs typeface="Consolas" panose="020B0609020204030204" pitchFamily="49" charset="0"/>
-              </a:rPr>
-              <a:t>averageOfTwoInt</a:t>
-            </a:r>
-            <a:r>
-              <a:rPr lang="en-US" sz="1600" dirty="0">
-                <a:latin typeface="Consolas" panose="020B0609020204030204" pitchFamily="49" charset="0"/>
-                <a:cs typeface="Consolas" panose="020B0609020204030204" pitchFamily="49" charset="0"/>
-              </a:rPr>
-              <a:t>(int n1, int n2) {</a:t>
-            </a:r>
-          </a:p>
-          <a:p>
-            <a:pPr marL="0" indent="0">
-              <a:buNone/>
-            </a:pPr>
-            <a:r>
-              <a:rPr lang="en-US" sz="1600" dirty="0">
-                <a:latin typeface="Consolas" panose="020B0609020204030204" pitchFamily="49" charset="0"/>
-                <a:cs typeface="Consolas" panose="020B0609020204030204" pitchFamily="49" charset="0"/>
-              </a:rPr>
-              <a:t>    return (n1 + n2) / 2;</a:t>
-            </a:r>
-          </a:p>
-          <a:p>
-            <a:pPr marL="0" indent="0">
-              <a:buNone/>
-            </a:pPr>
-            <a:r>
-              <a:rPr lang="en-US" sz="1600" dirty="0">
-                <a:latin typeface="Consolas" panose="020B0609020204030204" pitchFamily="49" charset="0"/>
-                <a:cs typeface="Consolas" panose="020B0609020204030204" pitchFamily="49" charset="0"/>
-              </a:rPr>
-              <a:t>  }</a:t>
-            </a:r>
-          </a:p>
-          <a:p>
-            <a:pPr marL="0" indent="0">
-              <a:buNone/>
-            </a:pPr>
-            <a:r>
-              <a:rPr lang="en-US" sz="1600" dirty="0">
-                <a:latin typeface="Consolas" panose="020B0609020204030204" pitchFamily="49" charset="0"/>
-                <a:cs typeface="Consolas" panose="020B0609020204030204" pitchFamily="49" charset="0"/>
-              </a:rPr>
-              <a:t>  static double </a:t>
-            </a:r>
-            <a:r>
-              <a:rPr lang="en-US" sz="1600" dirty="0" err="1">
-                <a:latin typeface="Consolas" panose="020B0609020204030204" pitchFamily="49" charset="0"/>
-                <a:cs typeface="Consolas" panose="020B0609020204030204" pitchFamily="49" charset="0"/>
-              </a:rPr>
-              <a:t>averageOfTwoFloat</a:t>
-            </a:r>
-            <a:r>
-              <a:rPr lang="en-US" sz="1600" dirty="0">
-                <a:latin typeface="Consolas" panose="020B0609020204030204" pitchFamily="49" charset="0"/>
-                <a:cs typeface="Consolas" panose="020B0609020204030204" pitchFamily="49" charset="0"/>
-              </a:rPr>
-              <a:t>(double n1, double n2) {</a:t>
-            </a:r>
-          </a:p>
-          <a:p>
-            <a:pPr marL="0" indent="0">
-              <a:buNone/>
-            </a:pPr>
-            <a:r>
-              <a:rPr lang="en-US" sz="1600" dirty="0">
-                <a:latin typeface="Consolas" panose="020B0609020204030204" pitchFamily="49" charset="0"/>
-                <a:cs typeface="Consolas" panose="020B0609020204030204" pitchFamily="49" charset="0"/>
-              </a:rPr>
-              <a:t>    return (n1 + n2) / 2;</a:t>
-            </a:r>
-          </a:p>
-          <a:p>
-            <a:pPr marL="0" indent="0">
-              <a:buNone/>
-            </a:pPr>
-            <a:r>
-              <a:rPr lang="en-US" sz="1600" dirty="0">
-                <a:latin typeface="Consolas" panose="020B0609020204030204" pitchFamily="49" charset="0"/>
-                <a:cs typeface="Consolas" panose="020B0609020204030204" pitchFamily="49" charset="0"/>
-              </a:rPr>
-              <a:t>  }</a:t>
-            </a:r>
-          </a:p>
-          <a:p>
-            <a:pPr marL="0" indent="0">
-              <a:buNone/>
-            </a:pPr>
-            <a:r>
-              <a:rPr lang="en-US" sz="1600" dirty="0">
-                <a:latin typeface="Consolas" panose="020B0609020204030204" pitchFamily="49" charset="0"/>
-                <a:cs typeface="Consolas" panose="020B0609020204030204" pitchFamily="49" charset="0"/>
-              </a:rPr>
-              <a:t>  public static void main(String[] </a:t>
-            </a:r>
-            <a:r>
-              <a:rPr lang="en-US" sz="1600" dirty="0" err="1">
-                <a:latin typeface="Consolas" panose="020B0609020204030204" pitchFamily="49" charset="0"/>
-                <a:cs typeface="Consolas" panose="020B0609020204030204" pitchFamily="49" charset="0"/>
-              </a:rPr>
-              <a:t>args</a:t>
-            </a:r>
-            <a:r>
-              <a:rPr lang="en-US" sz="1600" dirty="0">
-                <a:latin typeface="Consolas" panose="020B0609020204030204" pitchFamily="49" charset="0"/>
-                <a:cs typeface="Consolas" panose="020B0609020204030204" pitchFamily="49" charset="0"/>
-              </a:rPr>
-              <a:t>) {</a:t>
-            </a:r>
-          </a:p>
-          <a:p>
-            <a:pPr marL="0" indent="0">
-              <a:buNone/>
-            </a:pPr>
-            <a:r>
-              <a:rPr lang="en-US" sz="1600" dirty="0">
-                <a:latin typeface="Consolas" panose="020B0609020204030204" pitchFamily="49" charset="0"/>
-                <a:cs typeface="Consolas" panose="020B0609020204030204" pitchFamily="49" charset="0"/>
-              </a:rPr>
-              <a:t>    </a:t>
-            </a:r>
-            <a:r>
-              <a:rPr lang="en-US" sz="1600" dirty="0" err="1">
-                <a:latin typeface="Consolas" panose="020B0609020204030204" pitchFamily="49" charset="0"/>
-                <a:cs typeface="Consolas" panose="020B0609020204030204" pitchFamily="49" charset="0"/>
-              </a:rPr>
-              <a:t>System.out.println</a:t>
-            </a:r>
-            <a:r>
-              <a:rPr lang="en-US" sz="1600" dirty="0">
-                <a:latin typeface="Consolas" panose="020B0609020204030204" pitchFamily="49" charset="0"/>
-                <a:cs typeface="Consolas" panose="020B0609020204030204" pitchFamily="49" charset="0"/>
-              </a:rPr>
-              <a:t>(</a:t>
-            </a:r>
-            <a:r>
-              <a:rPr lang="en-US" sz="1600" dirty="0" err="1">
-                <a:latin typeface="Consolas" panose="020B0609020204030204" pitchFamily="49" charset="0"/>
-                <a:cs typeface="Consolas" panose="020B0609020204030204" pitchFamily="49" charset="0"/>
-              </a:rPr>
-              <a:t>averageOfTwoInt</a:t>
-            </a:r>
-            <a:r>
-              <a:rPr lang="en-US" sz="1600" dirty="0">
-                <a:latin typeface="Consolas" panose="020B0609020204030204" pitchFamily="49" charset="0"/>
-                <a:cs typeface="Consolas" panose="020B0609020204030204" pitchFamily="49" charset="0"/>
-              </a:rPr>
-              <a:t>(4, 5));</a:t>
-            </a:r>
-          </a:p>
-          <a:p>
-            <a:pPr marL="0" indent="0">
-              <a:buNone/>
-            </a:pPr>
-            <a:r>
-              <a:rPr lang="en-US" sz="1600" dirty="0">
-                <a:latin typeface="Consolas" panose="020B0609020204030204" pitchFamily="49" charset="0"/>
-                <a:cs typeface="Consolas" panose="020B0609020204030204" pitchFamily="49" charset="0"/>
-              </a:rPr>
-              <a:t>    </a:t>
-            </a:r>
-            <a:r>
-              <a:rPr lang="en-US" sz="1600" dirty="0" err="1">
-                <a:latin typeface="Consolas" panose="020B0609020204030204" pitchFamily="49" charset="0"/>
-                <a:cs typeface="Consolas" panose="020B0609020204030204" pitchFamily="49" charset="0"/>
-              </a:rPr>
-              <a:t>System.out.println</a:t>
-            </a:r>
-            <a:r>
-              <a:rPr lang="en-US" sz="1600" dirty="0">
-                <a:latin typeface="Consolas" panose="020B0609020204030204" pitchFamily="49" charset="0"/>
-                <a:cs typeface="Consolas" panose="020B0609020204030204" pitchFamily="49" charset="0"/>
-              </a:rPr>
-              <a:t>(</a:t>
-            </a:r>
-            <a:r>
-              <a:rPr lang="en-US" sz="1600" dirty="0" err="1">
-                <a:latin typeface="Consolas" panose="020B0609020204030204" pitchFamily="49" charset="0"/>
-                <a:cs typeface="Consolas" panose="020B0609020204030204" pitchFamily="49" charset="0"/>
-              </a:rPr>
-              <a:t>averageOfTwoFloat</a:t>
-            </a:r>
-            <a:r>
-              <a:rPr lang="en-US" sz="1600" dirty="0">
-                <a:latin typeface="Consolas" panose="020B0609020204030204" pitchFamily="49" charset="0"/>
-                <a:cs typeface="Consolas" panose="020B0609020204030204" pitchFamily="49" charset="0"/>
-              </a:rPr>
-              <a:t>(4.0, 5.0));</a:t>
-            </a:r>
-          </a:p>
-          <a:p>
-            <a:pPr marL="0" indent="0">
-              <a:buNone/>
-            </a:pPr>
-            <a:r>
-              <a:rPr lang="en-US" sz="1600" dirty="0">
-                <a:latin typeface="Consolas" panose="020B0609020204030204" pitchFamily="49" charset="0"/>
-                <a:cs typeface="Consolas" panose="020B0609020204030204" pitchFamily="49" charset="0"/>
-              </a:rPr>
-              <a:t>  }</a:t>
-            </a:r>
-          </a:p>
-          <a:p>
-            <a:pPr marL="0" indent="0">
-              <a:buNone/>
-            </a:pPr>
-            <a:r>
-              <a:rPr lang="en-US" sz="1600" dirty="0">
-                <a:latin typeface="Consolas" panose="020B0609020204030204" pitchFamily="49" charset="0"/>
-                <a:cs typeface="Consolas" panose="020B0609020204030204" pitchFamily="49" charset="0"/>
-              </a:rPr>
-              <a:t>}</a:t>
-            </a:r>
-          </a:p>
-        </p:txBody>
-      </p:sp>
-      <p:sp>
-        <p:nvSpPr>
-          <p:cNvPr id="4" name="Content Placeholder 3">
-            <a:extLst>
-              <a:ext uri="{FF2B5EF4-FFF2-40B4-BE49-F238E27FC236}">
-                <a16:creationId xmlns:a16="http://schemas.microsoft.com/office/drawing/2014/main" id="{39BA4C84-3E83-4C48-B501-84EEB3CAFC1C}"/>
-              </a:ext>
-            </a:extLst>
-          </p:cNvPr>
-          <p:cNvSpPr>
-            <a:spLocks noGrp="1"/>
-          </p:cNvSpPr>
-          <p:nvPr>
-            <p:ph sz="half" idx="2"/>
-          </p:nvPr>
-        </p:nvSpPr>
-        <p:spPr>
-          <a:xfrm>
-            <a:off x="7858408" y="1825625"/>
-            <a:ext cx="3495392" cy="4351338"/>
-          </a:xfrm>
-        </p:spPr>
-        <p:txBody>
-          <a:bodyPr>
-            <a:normAutofit/>
-          </a:bodyPr>
-          <a:lstStyle/>
-          <a:p>
-            <a:pPr marL="0" indent="0">
-              <a:buNone/>
-            </a:pPr>
-            <a:r>
-              <a:rPr lang="en-US" sz="1800" dirty="0"/>
-              <a:t>Lesson: In java, </a:t>
-            </a:r>
-            <a:r>
-              <a:rPr lang="en-US" sz="1800" dirty="0">
-                <a:latin typeface="Consolas" panose="020B0609020204030204" pitchFamily="49" charset="0"/>
-                <a:cs typeface="Consolas" panose="020B0609020204030204" pitchFamily="49" charset="0"/>
-              </a:rPr>
-              <a:t>/</a:t>
-            </a:r>
-            <a:r>
-              <a:rPr lang="en-US" sz="1800" dirty="0"/>
-              <a:t> has different behavior depending on if we're working with </a:t>
-            </a:r>
-            <a:r>
-              <a:rPr lang="en-US" sz="1800" dirty="0" err="1">
-                <a:latin typeface="Consolas" panose="020B0609020204030204" pitchFamily="49" charset="0"/>
-                <a:cs typeface="Consolas" panose="020B0609020204030204" pitchFamily="49" charset="0"/>
-              </a:rPr>
-              <a:t>int</a:t>
-            </a:r>
-            <a:r>
-              <a:rPr lang="en-US" sz="1800" dirty="0" err="1"/>
-              <a:t>s</a:t>
-            </a:r>
-            <a:r>
-              <a:rPr lang="en-US" sz="1800" dirty="0"/>
-              <a:t> or </a:t>
-            </a:r>
-            <a:r>
-              <a:rPr lang="en-US" sz="1800" dirty="0">
-                <a:latin typeface="Consolas" panose="020B0609020204030204" pitchFamily="49" charset="0"/>
-                <a:cs typeface="Consolas" panose="020B0609020204030204" pitchFamily="49" charset="0"/>
-              </a:rPr>
-              <a:t>double</a:t>
-            </a:r>
-            <a:r>
-              <a:rPr lang="en-US" sz="1800" dirty="0"/>
-              <a:t>s.</a:t>
-            </a:r>
-          </a:p>
-          <a:p>
-            <a:pPr marL="0" indent="0">
-              <a:buNone/>
-            </a:pPr>
-            <a:endParaRPr lang="en-US" sz="1800" dirty="0"/>
-          </a:p>
-          <a:p>
-            <a:pPr marL="0" indent="0">
-              <a:buNone/>
-            </a:pPr>
-            <a:r>
-              <a:rPr lang="en-US" sz="1800" dirty="0">
-                <a:latin typeface="Consolas" panose="020B0609020204030204" pitchFamily="49" charset="0"/>
-                <a:cs typeface="Consolas" panose="020B0609020204030204" pitchFamily="49" charset="0"/>
-              </a:rPr>
-              <a:t>double</a:t>
-            </a:r>
-            <a:r>
-              <a:rPr lang="en-US" sz="1800" dirty="0"/>
-              <a:t> in Java means the same thing as </a:t>
-            </a:r>
-            <a:r>
-              <a:rPr lang="en-US" sz="1800" dirty="0">
-                <a:latin typeface="Consolas" panose="020B0609020204030204" pitchFamily="49" charset="0"/>
-                <a:cs typeface="Consolas" panose="020B0609020204030204" pitchFamily="49" charset="0"/>
-              </a:rPr>
-              <a:t>float</a:t>
-            </a:r>
-            <a:r>
-              <a:rPr lang="en-US" sz="1800" dirty="0"/>
-              <a:t> in Python.</a:t>
-            </a:r>
-          </a:p>
-        </p:txBody>
-      </p:sp>
-    </p:spTree>
-    <p:extLst>
-      <p:ext uri="{BB962C8B-B14F-4D97-AF65-F5344CB8AC3E}">
-        <p14:creationId xmlns:p14="http://schemas.microsoft.com/office/powerpoint/2010/main" val="4157389175"/>
-      </p:ext>
-    </p:extLst>
-  </p:cSld>
-  <p:clrMapOvr>
-    <a:masterClrMapping/>
-  </p:clrMapOvr>
-</p:sld>
-</file>
-
-<file path=ppt/slides/slide19.xml><?xml version="1.0" encoding="utf-8"?>
-<p:sld xmlns:a="http://schemas.openxmlformats.org/drawingml/2006/main" xmlns:r="http://schemas.openxmlformats.org/officeDocument/2006/relationships" xmlns:p="http://schemas.openxmlformats.org/presentationml/2006/main">
-  <p:cSld>
-    <p:spTree>
-      <p:nvGrpSpPr>
-        <p:cNvPr id="1" name=""/>
-        <p:cNvGrpSpPr/>
-        <p:nvPr/>
-      </p:nvGrpSpPr>
-      <p:grpSpPr>
-        <a:xfrm>
-          <a:off x="0" y="0"/>
-          <a:ext cx="0" cy="0"/>
-          <a:chOff x="0" y="0"/>
-          <a:chExt cx="0" cy="0"/>
-        </a:xfrm>
-      </p:grpSpPr>
-      <p:sp>
-        <p:nvSpPr>
-          <p:cNvPr id="2" name="Title 1">
-            <a:extLst>
-              <a:ext uri="{FF2B5EF4-FFF2-40B4-BE49-F238E27FC236}">
-                <a16:creationId xmlns:a16="http://schemas.microsoft.com/office/drawing/2014/main" id="{68D7D328-644B-104F-A1D7-DB84FA5E2CEC}"/>
-              </a:ext>
-            </a:extLst>
-          </p:cNvPr>
-          <p:cNvSpPr>
-            <a:spLocks noGrp="1"/>
-          </p:cNvSpPr>
-          <p:nvPr>
-            <p:ph type="title"/>
-          </p:nvPr>
-        </p:nvSpPr>
-        <p:spPr>
-          <a:xfrm>
-            <a:off x="838200" y="365125"/>
-            <a:ext cx="10515600" cy="685077"/>
-          </a:xfrm>
-        </p:spPr>
-        <p:txBody>
-          <a:bodyPr>
-            <a:normAutofit fontScale="90000"/>
-          </a:bodyPr>
-          <a:lstStyle/>
-          <a:p>
-            <a:r>
-              <a:rPr lang="en-US" dirty="0"/>
-              <a:t>Java vs. Python – </a:t>
-            </a:r>
-            <a:r>
-              <a:rPr lang="en-US" dirty="0" err="1"/>
-              <a:t>isLongerThan</a:t>
-            </a:r>
-            <a:r>
-              <a:rPr lang="en-US" dirty="0"/>
-              <a:t> arguments</a:t>
-            </a:r>
-          </a:p>
-        </p:txBody>
-      </p:sp>
-      <p:sp>
-        <p:nvSpPr>
-          <p:cNvPr id="3" name="Content Placeholder 2">
-            <a:extLst>
-              <a:ext uri="{FF2B5EF4-FFF2-40B4-BE49-F238E27FC236}">
-                <a16:creationId xmlns:a16="http://schemas.microsoft.com/office/drawing/2014/main" id="{90BE8C26-5FF2-3B46-8A51-7CB75006C445}"/>
-              </a:ext>
-            </a:extLst>
-          </p:cNvPr>
-          <p:cNvSpPr>
-            <a:spLocks noGrp="1"/>
-          </p:cNvSpPr>
-          <p:nvPr>
-            <p:ph sz="half" idx="1"/>
-          </p:nvPr>
-        </p:nvSpPr>
-        <p:spPr>
-          <a:xfrm>
-            <a:off x="0" y="1825625"/>
-            <a:ext cx="9419376" cy="4351338"/>
-          </a:xfrm>
-        </p:spPr>
-        <p:txBody>
-          <a:bodyPr>
-            <a:noAutofit/>
-          </a:bodyPr>
-          <a:lstStyle/>
-          <a:p>
-            <a:pPr marL="0" indent="0">
-              <a:buNone/>
-            </a:pPr>
-            <a:r>
-              <a:rPr lang="en-US" sz="1600" dirty="0">
-                <a:latin typeface="Consolas" panose="020B0609020204030204" pitchFamily="49" charset="0"/>
-                <a:cs typeface="Consolas" panose="020B0609020204030204" pitchFamily="49" charset="0"/>
-              </a:rPr>
-              <a:t>class </a:t>
-            </a:r>
-            <a:r>
-              <a:rPr lang="en-US" sz="1600" dirty="0" err="1">
-                <a:latin typeface="Consolas" panose="020B0609020204030204" pitchFamily="49" charset="0"/>
-                <a:cs typeface="Consolas" panose="020B0609020204030204" pitchFamily="49" charset="0"/>
-              </a:rPr>
-              <a:t>IsLongerThan</a:t>
-            </a:r>
-            <a:r>
-              <a:rPr lang="en-US" sz="1600" dirty="0">
-                <a:latin typeface="Consolas" panose="020B0609020204030204" pitchFamily="49" charset="0"/>
-                <a:cs typeface="Consolas" panose="020B0609020204030204" pitchFamily="49" charset="0"/>
-              </a:rPr>
-              <a:t> {</a:t>
-            </a:r>
-          </a:p>
-          <a:p>
-            <a:pPr marL="0" indent="0">
-              <a:buNone/>
-            </a:pPr>
-            <a:r>
-              <a:rPr lang="en-US" sz="1600" dirty="0">
-                <a:latin typeface="Consolas" panose="020B0609020204030204" pitchFamily="49" charset="0"/>
-                <a:cs typeface="Consolas" panose="020B0609020204030204" pitchFamily="49" charset="0"/>
-              </a:rPr>
-              <a:t>  static _____________ </a:t>
-            </a:r>
-            <a:r>
-              <a:rPr lang="en-US" sz="1600" dirty="0" err="1">
-                <a:latin typeface="Consolas" panose="020B0609020204030204" pitchFamily="49" charset="0"/>
-                <a:cs typeface="Consolas" panose="020B0609020204030204" pitchFamily="49" charset="0"/>
-              </a:rPr>
-              <a:t>isLongerThan</a:t>
-            </a:r>
-            <a:r>
-              <a:rPr lang="en-US" sz="1600" dirty="0">
-                <a:latin typeface="Consolas" panose="020B0609020204030204" pitchFamily="49" charset="0"/>
-                <a:cs typeface="Consolas" panose="020B0609020204030204" pitchFamily="49" charset="0"/>
-              </a:rPr>
-              <a:t>(________________________________________) {</a:t>
-            </a:r>
-          </a:p>
-          <a:p>
-            <a:pPr marL="0" indent="0">
-              <a:buNone/>
-            </a:pPr>
-            <a:endParaRPr lang="en-US" sz="1600" dirty="0">
-              <a:latin typeface="Consolas" panose="020B0609020204030204" pitchFamily="49" charset="0"/>
-              <a:cs typeface="Consolas" panose="020B0609020204030204" pitchFamily="49" charset="0"/>
-            </a:endParaRPr>
-          </a:p>
-          <a:p>
-            <a:pPr marL="0" indent="0">
-              <a:buNone/>
-            </a:pPr>
-            <a:endParaRPr lang="en-US" sz="1600" dirty="0">
-              <a:latin typeface="Consolas" panose="020B0609020204030204" pitchFamily="49" charset="0"/>
-              <a:cs typeface="Consolas" panose="020B0609020204030204" pitchFamily="49" charset="0"/>
-            </a:endParaRPr>
-          </a:p>
-          <a:p>
-            <a:pPr marL="0" indent="0">
-              <a:buNone/>
-            </a:pPr>
-            <a:endParaRPr lang="en-US" sz="1600" dirty="0">
-              <a:latin typeface="Consolas" panose="020B0609020204030204" pitchFamily="49" charset="0"/>
-              <a:cs typeface="Consolas" panose="020B0609020204030204" pitchFamily="49" charset="0"/>
-            </a:endParaRPr>
-          </a:p>
-          <a:p>
-            <a:pPr marL="0" indent="0">
-              <a:buNone/>
-            </a:pPr>
-            <a:r>
-              <a:rPr lang="en-US" sz="1600" dirty="0">
-                <a:latin typeface="Consolas" panose="020B0609020204030204" pitchFamily="49" charset="0"/>
-                <a:cs typeface="Consolas" panose="020B0609020204030204" pitchFamily="49" charset="0"/>
-              </a:rPr>
-              <a:t>  }</a:t>
-            </a:r>
-          </a:p>
-          <a:p>
-            <a:pPr marL="0" indent="0">
-              <a:buNone/>
-            </a:pPr>
-            <a:r>
-              <a:rPr lang="en-US" sz="1600" dirty="0">
-                <a:latin typeface="Consolas" panose="020B0609020204030204" pitchFamily="49" charset="0"/>
-                <a:cs typeface="Consolas" panose="020B0609020204030204" pitchFamily="49" charset="0"/>
-              </a:rPr>
-              <a:t>  public static void main(String[] </a:t>
-            </a:r>
-            <a:r>
-              <a:rPr lang="en-US" sz="1600" dirty="0" err="1">
-                <a:latin typeface="Consolas" panose="020B0609020204030204" pitchFamily="49" charset="0"/>
-                <a:cs typeface="Consolas" panose="020B0609020204030204" pitchFamily="49" charset="0"/>
-              </a:rPr>
-              <a:t>args</a:t>
-            </a:r>
-            <a:r>
-              <a:rPr lang="en-US" sz="1600" dirty="0">
-                <a:latin typeface="Consolas" panose="020B0609020204030204" pitchFamily="49" charset="0"/>
-                <a:cs typeface="Consolas" panose="020B0609020204030204" pitchFamily="49" charset="0"/>
-              </a:rPr>
-              <a:t>) {</a:t>
-            </a:r>
-          </a:p>
-          <a:p>
-            <a:pPr marL="0" indent="0">
-              <a:buNone/>
-            </a:pPr>
-            <a:r>
-              <a:rPr lang="en-US" sz="1600" dirty="0">
-                <a:latin typeface="Consolas" panose="020B0609020204030204" pitchFamily="49" charset="0"/>
-                <a:cs typeface="Consolas" panose="020B0609020204030204" pitchFamily="49" charset="0"/>
-              </a:rPr>
-              <a:t>    </a:t>
-            </a:r>
-            <a:r>
-              <a:rPr lang="en-US" sz="1600" dirty="0" err="1">
-                <a:latin typeface="Consolas" panose="020B0609020204030204" pitchFamily="49" charset="0"/>
-                <a:cs typeface="Consolas" panose="020B0609020204030204" pitchFamily="49" charset="0"/>
-              </a:rPr>
-              <a:t>System.out.println</a:t>
-            </a:r>
-            <a:r>
-              <a:rPr lang="en-US" sz="1600" dirty="0">
-                <a:latin typeface="Consolas" panose="020B0609020204030204" pitchFamily="49" charset="0"/>
-                <a:cs typeface="Consolas" panose="020B0609020204030204" pitchFamily="49" charset="0"/>
-              </a:rPr>
-              <a:t>(</a:t>
-            </a:r>
-            <a:r>
-              <a:rPr lang="en-US" sz="1600" dirty="0" err="1">
-                <a:latin typeface="Consolas" panose="020B0609020204030204" pitchFamily="49" charset="0"/>
-                <a:cs typeface="Consolas" panose="020B0609020204030204" pitchFamily="49" charset="0"/>
-              </a:rPr>
-              <a:t>isLongerThan</a:t>
-            </a:r>
-            <a:r>
-              <a:rPr lang="en-US" sz="1600" dirty="0">
-                <a:latin typeface="Consolas" panose="020B0609020204030204" pitchFamily="49" charset="0"/>
-                <a:cs typeface="Consolas" panose="020B0609020204030204" pitchFamily="49" charset="0"/>
-              </a:rPr>
-              <a:t>("</a:t>
-            </a:r>
-            <a:r>
-              <a:rPr lang="en-US" sz="1600" dirty="0" err="1">
-                <a:latin typeface="Consolas" panose="020B0609020204030204" pitchFamily="49" charset="0"/>
-                <a:cs typeface="Consolas" panose="020B0609020204030204" pitchFamily="49" charset="0"/>
-              </a:rPr>
-              <a:t>abc</a:t>
-            </a:r>
-            <a:r>
-              <a:rPr lang="en-US" sz="1600" dirty="0">
-                <a:latin typeface="Consolas" panose="020B0609020204030204" pitchFamily="49" charset="0"/>
-                <a:cs typeface="Consolas" panose="020B0609020204030204" pitchFamily="49" charset="0"/>
-              </a:rPr>
-              <a:t>", 4));</a:t>
-            </a:r>
-          </a:p>
-          <a:p>
-            <a:pPr marL="0" indent="0">
-              <a:buNone/>
-            </a:pPr>
-            <a:r>
-              <a:rPr lang="en-US" sz="1600" dirty="0">
-                <a:latin typeface="Consolas" panose="020B0609020204030204" pitchFamily="49" charset="0"/>
-                <a:cs typeface="Consolas" panose="020B0609020204030204" pitchFamily="49" charset="0"/>
-              </a:rPr>
-              <a:t>    </a:t>
-            </a:r>
-            <a:r>
-              <a:rPr lang="en-US" sz="1600" dirty="0" err="1">
-                <a:latin typeface="Consolas" panose="020B0609020204030204" pitchFamily="49" charset="0"/>
-                <a:cs typeface="Consolas" panose="020B0609020204030204" pitchFamily="49" charset="0"/>
-              </a:rPr>
-              <a:t>System.out.println</a:t>
-            </a:r>
-            <a:r>
-              <a:rPr lang="en-US" sz="1600" dirty="0">
-                <a:latin typeface="Consolas" panose="020B0609020204030204" pitchFamily="49" charset="0"/>
-                <a:cs typeface="Consolas" panose="020B0609020204030204" pitchFamily="49" charset="0"/>
-              </a:rPr>
-              <a:t>(</a:t>
-            </a:r>
-            <a:r>
-              <a:rPr lang="en-US" sz="1600" dirty="0" err="1">
-                <a:latin typeface="Consolas" panose="020B0609020204030204" pitchFamily="49" charset="0"/>
-                <a:cs typeface="Consolas" panose="020B0609020204030204" pitchFamily="49" charset="0"/>
-              </a:rPr>
-              <a:t>isLongerThan</a:t>
-            </a:r>
-            <a:r>
-              <a:rPr lang="en-US" sz="1600" dirty="0">
-                <a:latin typeface="Consolas" panose="020B0609020204030204" pitchFamily="49" charset="0"/>
-                <a:cs typeface="Consolas" panose="020B0609020204030204" pitchFamily="49" charset="0"/>
-              </a:rPr>
-              <a:t>("</a:t>
-            </a:r>
-            <a:r>
-              <a:rPr lang="en-US" sz="1600" dirty="0" err="1">
-                <a:latin typeface="Consolas" panose="020B0609020204030204" pitchFamily="49" charset="0"/>
-                <a:cs typeface="Consolas" panose="020B0609020204030204" pitchFamily="49" charset="0"/>
-              </a:rPr>
-              <a:t>abc</a:t>
-            </a:r>
-            <a:r>
-              <a:rPr lang="en-US" sz="1600" dirty="0">
-                <a:latin typeface="Consolas" panose="020B0609020204030204" pitchFamily="49" charset="0"/>
-                <a:cs typeface="Consolas" panose="020B0609020204030204" pitchFamily="49" charset="0"/>
-              </a:rPr>
-              <a:t>", 2));</a:t>
-            </a:r>
-          </a:p>
-          <a:p>
-            <a:pPr marL="0" indent="0">
-              <a:buNone/>
-            </a:pPr>
-            <a:r>
-              <a:rPr lang="en-US" sz="1600" dirty="0">
-                <a:latin typeface="Consolas" panose="020B0609020204030204" pitchFamily="49" charset="0"/>
-                <a:cs typeface="Consolas" panose="020B0609020204030204" pitchFamily="49" charset="0"/>
-              </a:rPr>
-              <a:t>    </a:t>
-            </a:r>
-            <a:r>
-              <a:rPr lang="en-US" sz="1600" dirty="0" err="1">
-                <a:latin typeface="Consolas" panose="020B0609020204030204" pitchFamily="49" charset="0"/>
-                <a:cs typeface="Consolas" panose="020B0609020204030204" pitchFamily="49" charset="0"/>
-              </a:rPr>
-              <a:t>System.out.println</a:t>
-            </a:r>
-            <a:r>
-              <a:rPr lang="en-US" sz="1600" dirty="0">
-                <a:latin typeface="Consolas" panose="020B0609020204030204" pitchFamily="49" charset="0"/>
-                <a:cs typeface="Consolas" panose="020B0609020204030204" pitchFamily="49" charset="0"/>
-              </a:rPr>
-              <a:t>(</a:t>
-            </a:r>
-            <a:r>
-              <a:rPr lang="en-US" sz="1600" dirty="0" err="1">
-                <a:latin typeface="Consolas" panose="020B0609020204030204" pitchFamily="49" charset="0"/>
-                <a:cs typeface="Consolas" panose="020B0609020204030204" pitchFamily="49" charset="0"/>
-              </a:rPr>
-              <a:t>isLongerThan</a:t>
-            </a:r>
-            <a:r>
-              <a:rPr lang="en-US" sz="1600" dirty="0">
-                <a:latin typeface="Consolas" panose="020B0609020204030204" pitchFamily="49" charset="0"/>
-                <a:cs typeface="Consolas" panose="020B0609020204030204" pitchFamily="49" charset="0"/>
-              </a:rPr>
-              <a:t>("password", 7));</a:t>
-            </a:r>
-          </a:p>
-          <a:p>
-            <a:pPr marL="0" indent="0">
-              <a:buNone/>
-            </a:pPr>
-            <a:r>
-              <a:rPr lang="en-US" sz="1600" dirty="0">
-                <a:latin typeface="Consolas" panose="020B0609020204030204" pitchFamily="49" charset="0"/>
-                <a:cs typeface="Consolas" panose="020B0609020204030204" pitchFamily="49" charset="0"/>
-              </a:rPr>
-              <a:t>  }</a:t>
-            </a:r>
-          </a:p>
-          <a:p>
-            <a:pPr marL="0" indent="0">
-              <a:buNone/>
-            </a:pPr>
-            <a:r>
-              <a:rPr lang="en-US" sz="1600" dirty="0">
-                <a:latin typeface="Consolas" panose="020B0609020204030204" pitchFamily="49" charset="0"/>
-                <a:cs typeface="Consolas" panose="020B0609020204030204" pitchFamily="49" charset="0"/>
-              </a:rPr>
-              <a:t>}</a:t>
-            </a:r>
-          </a:p>
-          <a:p>
-            <a:pPr marL="0" indent="0">
-              <a:buNone/>
-            </a:pPr>
-            <a:endParaRPr lang="en-US" sz="1600" dirty="0"/>
-          </a:p>
-        </p:txBody>
-      </p:sp>
-      <p:sp>
-        <p:nvSpPr>
-          <p:cNvPr id="5" name="Content Placeholder 2">
-            <a:extLst>
-              <a:ext uri="{FF2B5EF4-FFF2-40B4-BE49-F238E27FC236}">
-                <a16:creationId xmlns:a16="http://schemas.microsoft.com/office/drawing/2014/main" id="{1DFE3770-9EBD-634E-B15C-AF694C5FE98D}"/>
-              </a:ext>
-            </a:extLst>
-          </p:cNvPr>
-          <p:cNvSpPr txBox="1">
-            <a:spLocks/>
-          </p:cNvSpPr>
-          <p:nvPr/>
-        </p:nvSpPr>
-        <p:spPr>
-          <a:xfrm>
-            <a:off x="6644112" y="3164029"/>
-            <a:ext cx="9419376" cy="4351338"/>
-          </a:xfrm>
-          <a:prstGeom prst="rect">
-            <a:avLst/>
-          </a:prstGeom>
-          <a:ln>
-            <a:solidFill>
-              <a:schemeClr val="tx1"/>
-            </a:solidFill>
-          </a:ln>
-        </p:spPr>
-        <p:txBody>
-          <a:bodyPr vert="horz" lIns="91440" tIns="45720" rIns="91440" bIns="45720" rtlCol="0">
-            <a:noAutofit/>
-          </a:bodyPr>
-          <a:lstStyle>
-            <a:lvl1pPr marL="228600" indent="-228600" algn="l" defTabSz="914400" rtl="0" eaLnBrk="1" latinLnBrk="0" hangingPunct="1">
-              <a:lnSpc>
-                <a:spcPct val="90000"/>
-              </a:lnSpc>
-              <a:spcBef>
-                <a:spcPts val="1000"/>
-              </a:spcBef>
-              <a:buFont typeface="Arial" panose="020B0604020202020204" pitchFamily="34" charset="0"/>
-              <a:buChar char="•"/>
-              <a:defRPr sz="2800" kern="1200">
-                <a:solidFill>
-                  <a:schemeClr val="tx1"/>
-                </a:solidFill>
-                <a:latin typeface="+mn-lt"/>
-                <a:ea typeface="+mn-ea"/>
-                <a:cs typeface="+mn-cs"/>
-              </a:defRPr>
-            </a:lvl1pPr>
-            <a:lvl2pPr marL="685800" indent="-228600" algn="l" defTabSz="914400" rtl="0" eaLnBrk="1" latinLnBrk="0" hangingPunct="1">
-              <a:lnSpc>
-                <a:spcPct val="90000"/>
-              </a:lnSpc>
-              <a:spcBef>
-                <a:spcPts val="500"/>
-              </a:spcBef>
-              <a:buFont typeface="Arial" panose="020B0604020202020204" pitchFamily="34" charset="0"/>
-              <a:buChar char="•"/>
-              <a:defRPr sz="2400" kern="1200">
-                <a:solidFill>
-                  <a:schemeClr val="tx1"/>
-                </a:solidFill>
-                <a:latin typeface="+mn-lt"/>
-                <a:ea typeface="+mn-ea"/>
-                <a:cs typeface="+mn-cs"/>
-              </a:defRPr>
-            </a:lvl2pPr>
-            <a:lvl3pPr marL="1143000" indent="-228600" algn="l" defTabSz="914400" rtl="0" eaLnBrk="1" latinLnBrk="0" hangingPunct="1">
-              <a:lnSpc>
-                <a:spcPct val="90000"/>
-              </a:lnSpc>
-              <a:spcBef>
-                <a:spcPts val="500"/>
-              </a:spcBef>
-              <a:buFont typeface="Arial" panose="020B0604020202020204" pitchFamily="34" charset="0"/>
-              <a:buChar char="•"/>
-              <a:defRPr sz="2000" kern="1200">
-                <a:solidFill>
-                  <a:schemeClr val="tx1"/>
-                </a:solidFill>
-                <a:latin typeface="+mn-lt"/>
-                <a:ea typeface="+mn-ea"/>
-                <a:cs typeface="+mn-cs"/>
-              </a:defRPr>
-            </a:lvl3pPr>
-            <a:lvl4pPr marL="1600200" indent="-228600" algn="l" defTabSz="914400" rtl="0" eaLnBrk="1" latinLnBrk="0" hangingPunct="1">
-              <a:lnSpc>
-                <a:spcPct val="90000"/>
-              </a:lnSpc>
-              <a:spcBef>
-                <a:spcPts val="500"/>
-              </a:spcBef>
-              <a:buFont typeface="Arial" panose="020B0604020202020204" pitchFamily="34" charset="0"/>
-              <a:buChar char="•"/>
-              <a:defRPr sz="1800" kern="1200">
-                <a:solidFill>
-                  <a:schemeClr val="tx1"/>
-                </a:solidFill>
-                <a:latin typeface="+mn-lt"/>
-                <a:ea typeface="+mn-ea"/>
-                <a:cs typeface="+mn-cs"/>
-              </a:defRPr>
-            </a:lvl4pPr>
-            <a:lvl5pPr marL="2057400" indent="-228600" algn="l" defTabSz="914400" rtl="0" eaLnBrk="1" latinLnBrk="0" hangingPunct="1">
-              <a:lnSpc>
-                <a:spcPct val="90000"/>
-              </a:lnSpc>
-              <a:spcBef>
-                <a:spcPts val="500"/>
-              </a:spcBef>
-              <a:buFont typeface="Arial" panose="020B0604020202020204" pitchFamily="34" charset="0"/>
-              <a:buChar char="•"/>
-              <a:defRPr sz="1800" kern="1200">
-                <a:solidFill>
-                  <a:schemeClr val="tx1"/>
-                </a:solidFill>
-                <a:latin typeface="+mn-lt"/>
-                <a:ea typeface="+mn-ea"/>
-                <a:cs typeface="+mn-cs"/>
-              </a:defRPr>
-            </a:lvl5pPr>
-            <a:lvl6pPr marL="2514600" indent="-228600" algn="l" defTabSz="914400" rtl="0" eaLnBrk="1" latinLnBrk="0" hangingPunct="1">
-              <a:lnSpc>
-                <a:spcPct val="90000"/>
-              </a:lnSpc>
-              <a:spcBef>
-                <a:spcPts val="500"/>
-              </a:spcBef>
-              <a:buFont typeface="Arial" panose="020B0604020202020204" pitchFamily="34" charset="0"/>
-              <a:buChar char="•"/>
-              <a:defRPr sz="1800" kern="1200">
-                <a:solidFill>
-                  <a:schemeClr val="tx1"/>
-                </a:solidFill>
-                <a:latin typeface="+mn-lt"/>
-                <a:ea typeface="+mn-ea"/>
-                <a:cs typeface="+mn-cs"/>
-              </a:defRPr>
-            </a:lvl6pPr>
-            <a:lvl7pPr marL="2971800" indent="-228600" algn="l" defTabSz="914400" rtl="0" eaLnBrk="1" latinLnBrk="0" hangingPunct="1">
-              <a:lnSpc>
-                <a:spcPct val="90000"/>
-              </a:lnSpc>
-              <a:spcBef>
-                <a:spcPts val="500"/>
-              </a:spcBef>
-              <a:buFont typeface="Arial" panose="020B0604020202020204" pitchFamily="34" charset="0"/>
-              <a:buChar char="•"/>
-              <a:defRPr sz="1800" kern="1200">
-                <a:solidFill>
-                  <a:schemeClr val="tx1"/>
-                </a:solidFill>
-                <a:latin typeface="+mn-lt"/>
-                <a:ea typeface="+mn-ea"/>
-                <a:cs typeface="+mn-cs"/>
-              </a:defRPr>
-            </a:lvl7pPr>
-            <a:lvl8pPr marL="3429000" indent="-228600" algn="l" defTabSz="914400" rtl="0" eaLnBrk="1" latinLnBrk="0" hangingPunct="1">
-              <a:lnSpc>
-                <a:spcPct val="90000"/>
-              </a:lnSpc>
-              <a:spcBef>
-                <a:spcPts val="500"/>
-              </a:spcBef>
-              <a:buFont typeface="Arial" panose="020B0604020202020204" pitchFamily="34" charset="0"/>
-              <a:buChar char="•"/>
-              <a:defRPr sz="1800" kern="1200">
-                <a:solidFill>
-                  <a:schemeClr val="tx1"/>
-                </a:solidFill>
-                <a:latin typeface="+mn-lt"/>
-                <a:ea typeface="+mn-ea"/>
-                <a:cs typeface="+mn-cs"/>
-              </a:defRPr>
-            </a:lvl8pPr>
-            <a:lvl9pPr marL="3886200" indent="-228600" algn="l" defTabSz="914400" rtl="0" eaLnBrk="1" latinLnBrk="0" hangingPunct="1">
-              <a:lnSpc>
-                <a:spcPct val="90000"/>
-              </a:lnSpc>
-              <a:spcBef>
-                <a:spcPts val="500"/>
-              </a:spcBef>
-              <a:buFont typeface="Arial" panose="020B0604020202020204" pitchFamily="34" charset="0"/>
-              <a:buChar char="•"/>
-              <a:defRPr sz="1800" kern="1200">
-                <a:solidFill>
-                  <a:schemeClr val="tx1"/>
-                </a:solidFill>
-                <a:latin typeface="+mn-lt"/>
-                <a:ea typeface="+mn-ea"/>
-                <a:cs typeface="+mn-cs"/>
-              </a:defRPr>
-            </a:lvl9pPr>
-          </a:lstStyle>
-          <a:p>
-            <a:pPr marL="0" indent="0">
-              <a:buFont typeface="Arial" panose="020B0604020202020204" pitchFamily="34" charset="0"/>
-              <a:buNone/>
-            </a:pPr>
-            <a:r>
-              <a:rPr lang="en-US" sz="1600" dirty="0"/>
-              <a:t>What are good argument names + types for </a:t>
-            </a:r>
-            <a:r>
-              <a:rPr lang="en-US" sz="1600" dirty="0" err="1"/>
-              <a:t>isLongerThan</a:t>
-            </a:r>
-            <a:r>
-              <a:rPr lang="en-US" sz="1600" dirty="0"/>
-              <a:t>()?</a:t>
-            </a:r>
-          </a:p>
-          <a:p>
-            <a:pPr marL="0" indent="0">
-              <a:buFont typeface="Arial" panose="020B0604020202020204" pitchFamily="34" charset="0"/>
-              <a:buNone/>
-            </a:pPr>
-            <a:endParaRPr lang="en-US" sz="1600" dirty="0"/>
-          </a:p>
-          <a:p>
-            <a:pPr marL="342900" indent="-342900">
-              <a:buFont typeface="Arial" panose="020B0604020202020204" pitchFamily="34" charset="0"/>
-              <a:buAutoNum type="alphaUcPeriod"/>
-            </a:pPr>
-            <a:r>
-              <a:rPr lang="en-US" sz="1600" dirty="0">
-                <a:latin typeface="Consolas" panose="020B0609020204030204" pitchFamily="49" charset="0"/>
-                <a:cs typeface="Consolas" panose="020B0609020204030204" pitchFamily="49" charset="0"/>
-              </a:rPr>
-              <a:t>string str, int n</a:t>
-            </a:r>
-          </a:p>
-          <a:p>
-            <a:pPr marL="342900" indent="-342900">
-              <a:buFont typeface="Arial" panose="020B0604020202020204" pitchFamily="34" charset="0"/>
-              <a:buAutoNum type="alphaUcPeriod"/>
-            </a:pPr>
-            <a:r>
-              <a:rPr lang="en-US" sz="1600" dirty="0">
-                <a:latin typeface="Consolas" panose="020B0609020204030204" pitchFamily="49" charset="0"/>
-                <a:cs typeface="Consolas" panose="020B0609020204030204" pitchFamily="49" charset="0"/>
-              </a:rPr>
-              <a:t>String s</a:t>
-            </a:r>
-          </a:p>
-          <a:p>
-            <a:pPr marL="342900" indent="-342900">
-              <a:buFont typeface="Arial" panose="020B0604020202020204" pitchFamily="34" charset="0"/>
-              <a:buAutoNum type="alphaUcPeriod"/>
-            </a:pPr>
-            <a:r>
-              <a:rPr lang="en-US" sz="1600" dirty="0">
-                <a:latin typeface="Consolas" panose="020B0609020204030204" pitchFamily="49" charset="0"/>
-                <a:cs typeface="Consolas" panose="020B0609020204030204" pitchFamily="49" charset="0"/>
-              </a:rPr>
-              <a:t>int length</a:t>
-            </a:r>
-          </a:p>
-          <a:p>
-            <a:pPr marL="342900" indent="-342900">
-              <a:buFont typeface="Arial" panose="020B0604020202020204" pitchFamily="34" charset="0"/>
-              <a:buAutoNum type="alphaUcPeriod"/>
-            </a:pPr>
-            <a:r>
-              <a:rPr lang="en-US" sz="1600" dirty="0">
-                <a:latin typeface="Consolas" panose="020B0609020204030204" pitchFamily="49" charset="0"/>
-                <a:cs typeface="Consolas" panose="020B0609020204030204" pitchFamily="49" charset="0"/>
-              </a:rPr>
-              <a:t>String str, int length</a:t>
-            </a:r>
-          </a:p>
-          <a:p>
-            <a:pPr marL="342900" indent="-342900">
-              <a:buFont typeface="Arial" panose="020B0604020202020204" pitchFamily="34" charset="0"/>
-              <a:buAutoNum type="alphaUcPeriod"/>
-            </a:pPr>
-            <a:r>
-              <a:rPr lang="en-US" sz="1600" dirty="0"/>
-              <a:t>None of the above</a:t>
-            </a:r>
-          </a:p>
-        </p:txBody>
-      </p:sp>
-    </p:spTree>
-    <p:extLst>
-      <p:ext uri="{BB962C8B-B14F-4D97-AF65-F5344CB8AC3E}">
-        <p14:creationId xmlns:p14="http://schemas.microsoft.com/office/powerpoint/2010/main" val="1691219550"/>
-      </p:ext>
-    </p:extLst>
-  </p:cSld>
-  <p:clrMapOvr>
-    <a:masterClrMapping/>
-  </p:clrMapOvr>
-</p:sld>
-</file>
-
 <file path=ppt/slides/slide2.xml><?xml version="1.0" encoding="utf-8"?>
 <p:sld xmlns:a="http://schemas.openxmlformats.org/drawingml/2006/main" xmlns:r="http://schemas.openxmlformats.org/officeDocument/2006/relationships" xmlns:p="http://schemas.openxmlformats.org/presentationml/2006/main">
   <p:cSld>
@@ -10381,1564 +5080,6 @@
     <p:extLst>
       <p:ext uri="{BB962C8B-B14F-4D97-AF65-F5344CB8AC3E}">
         <p14:creationId xmlns:p14="http://schemas.microsoft.com/office/powerpoint/2010/main" val="875464909"/>
-      </p:ext>
-    </p:extLst>
-  </p:cSld>
-  <p:clrMapOvr>
-    <a:masterClrMapping/>
-  </p:clrMapOvr>
-</p:sld>
-</file>
-
-<file path=ppt/slides/slide20.xml><?xml version="1.0" encoding="utf-8"?>
-<p:sld xmlns:a="http://schemas.openxmlformats.org/drawingml/2006/main" xmlns:r="http://schemas.openxmlformats.org/officeDocument/2006/relationships" xmlns:p="http://schemas.openxmlformats.org/presentationml/2006/main">
-  <p:cSld>
-    <p:spTree>
-      <p:nvGrpSpPr>
-        <p:cNvPr id="1" name=""/>
-        <p:cNvGrpSpPr/>
-        <p:nvPr/>
-      </p:nvGrpSpPr>
-      <p:grpSpPr>
-        <a:xfrm>
-          <a:off x="0" y="0"/>
-          <a:ext cx="0" cy="0"/>
-          <a:chOff x="0" y="0"/>
-          <a:chExt cx="0" cy="0"/>
-        </a:xfrm>
-      </p:grpSpPr>
-      <p:sp>
-        <p:nvSpPr>
-          <p:cNvPr id="2" name="Title 1">
-            <a:extLst>
-              <a:ext uri="{FF2B5EF4-FFF2-40B4-BE49-F238E27FC236}">
-                <a16:creationId xmlns:a16="http://schemas.microsoft.com/office/drawing/2014/main" id="{68D7D328-644B-104F-A1D7-DB84FA5E2CEC}"/>
-              </a:ext>
-            </a:extLst>
-          </p:cNvPr>
-          <p:cNvSpPr>
-            <a:spLocks noGrp="1"/>
-          </p:cNvSpPr>
-          <p:nvPr>
-            <p:ph type="title"/>
-          </p:nvPr>
-        </p:nvSpPr>
-        <p:spPr>
-          <a:xfrm>
-            <a:off x="838200" y="365125"/>
-            <a:ext cx="10515600" cy="685077"/>
-          </a:xfrm>
-        </p:spPr>
-        <p:txBody>
-          <a:bodyPr>
-            <a:normAutofit fontScale="90000"/>
-          </a:bodyPr>
-          <a:lstStyle/>
-          <a:p>
-            <a:r>
-              <a:rPr lang="en-US" dirty="0"/>
-              <a:t>Java vs. Python – </a:t>
-            </a:r>
-            <a:r>
-              <a:rPr lang="en-US" dirty="0" err="1"/>
-              <a:t>isLongerThan</a:t>
-            </a:r>
-            <a:r>
-              <a:rPr lang="en-US" dirty="0"/>
-              <a:t> return type</a:t>
-            </a:r>
-          </a:p>
-        </p:txBody>
-      </p:sp>
-      <p:sp>
-        <p:nvSpPr>
-          <p:cNvPr id="3" name="Content Placeholder 2">
-            <a:extLst>
-              <a:ext uri="{FF2B5EF4-FFF2-40B4-BE49-F238E27FC236}">
-                <a16:creationId xmlns:a16="http://schemas.microsoft.com/office/drawing/2014/main" id="{90BE8C26-5FF2-3B46-8A51-7CB75006C445}"/>
-              </a:ext>
-            </a:extLst>
-          </p:cNvPr>
-          <p:cNvSpPr>
-            <a:spLocks noGrp="1"/>
-          </p:cNvSpPr>
-          <p:nvPr>
-            <p:ph sz="half" idx="1"/>
-          </p:nvPr>
-        </p:nvSpPr>
-        <p:spPr>
-          <a:xfrm>
-            <a:off x="0" y="1825625"/>
-            <a:ext cx="9419376" cy="4351338"/>
-          </a:xfrm>
-        </p:spPr>
-        <p:txBody>
-          <a:bodyPr>
-            <a:noAutofit/>
-          </a:bodyPr>
-          <a:lstStyle/>
-          <a:p>
-            <a:pPr marL="0" indent="0">
-              <a:buNone/>
-            </a:pPr>
-            <a:r>
-              <a:rPr lang="en-US" sz="1600" dirty="0">
-                <a:latin typeface="Consolas" panose="020B0609020204030204" pitchFamily="49" charset="0"/>
-                <a:cs typeface="Consolas" panose="020B0609020204030204" pitchFamily="49" charset="0"/>
-              </a:rPr>
-              <a:t>class </a:t>
-            </a:r>
-            <a:r>
-              <a:rPr lang="en-US" sz="1600" dirty="0" err="1">
-                <a:latin typeface="Consolas" panose="020B0609020204030204" pitchFamily="49" charset="0"/>
-                <a:cs typeface="Consolas" panose="020B0609020204030204" pitchFamily="49" charset="0"/>
-              </a:rPr>
-              <a:t>IsLongerThan</a:t>
-            </a:r>
-            <a:r>
-              <a:rPr lang="en-US" sz="1600" dirty="0">
-                <a:latin typeface="Consolas" panose="020B0609020204030204" pitchFamily="49" charset="0"/>
-                <a:cs typeface="Consolas" panose="020B0609020204030204" pitchFamily="49" charset="0"/>
-              </a:rPr>
-              <a:t> {</a:t>
-            </a:r>
-          </a:p>
-          <a:p>
-            <a:pPr marL="0" indent="0">
-              <a:buNone/>
-            </a:pPr>
-            <a:r>
-              <a:rPr lang="en-US" sz="1600" dirty="0">
-                <a:latin typeface="Consolas" panose="020B0609020204030204" pitchFamily="49" charset="0"/>
-                <a:cs typeface="Consolas" panose="020B0609020204030204" pitchFamily="49" charset="0"/>
-              </a:rPr>
-              <a:t>  static _____________ </a:t>
-            </a:r>
-            <a:r>
-              <a:rPr lang="en-US" sz="1600" dirty="0" err="1">
-                <a:latin typeface="Consolas" panose="020B0609020204030204" pitchFamily="49" charset="0"/>
-                <a:cs typeface="Consolas" panose="020B0609020204030204" pitchFamily="49" charset="0"/>
-              </a:rPr>
-              <a:t>isLongerThan</a:t>
-            </a:r>
-            <a:r>
-              <a:rPr lang="en-US" sz="1600" dirty="0">
-                <a:latin typeface="Consolas" panose="020B0609020204030204" pitchFamily="49" charset="0"/>
-                <a:cs typeface="Consolas" panose="020B0609020204030204" pitchFamily="49" charset="0"/>
-              </a:rPr>
-              <a:t>(________________________________________) {</a:t>
-            </a:r>
-          </a:p>
-          <a:p>
-            <a:pPr marL="0" indent="0">
-              <a:buNone/>
-            </a:pPr>
-            <a:endParaRPr lang="en-US" sz="1600" dirty="0">
-              <a:latin typeface="Consolas" panose="020B0609020204030204" pitchFamily="49" charset="0"/>
-              <a:cs typeface="Consolas" panose="020B0609020204030204" pitchFamily="49" charset="0"/>
-            </a:endParaRPr>
-          </a:p>
-          <a:p>
-            <a:pPr marL="0" indent="0">
-              <a:buNone/>
-            </a:pPr>
-            <a:endParaRPr lang="en-US" sz="1600" dirty="0">
-              <a:latin typeface="Consolas" panose="020B0609020204030204" pitchFamily="49" charset="0"/>
-              <a:cs typeface="Consolas" panose="020B0609020204030204" pitchFamily="49" charset="0"/>
-            </a:endParaRPr>
-          </a:p>
-          <a:p>
-            <a:pPr marL="0" indent="0">
-              <a:buNone/>
-            </a:pPr>
-            <a:endParaRPr lang="en-US" sz="1600" dirty="0">
-              <a:latin typeface="Consolas" panose="020B0609020204030204" pitchFamily="49" charset="0"/>
-              <a:cs typeface="Consolas" panose="020B0609020204030204" pitchFamily="49" charset="0"/>
-            </a:endParaRPr>
-          </a:p>
-          <a:p>
-            <a:pPr marL="0" indent="0">
-              <a:buNone/>
-            </a:pPr>
-            <a:r>
-              <a:rPr lang="en-US" sz="1600" dirty="0">
-                <a:latin typeface="Consolas" panose="020B0609020204030204" pitchFamily="49" charset="0"/>
-                <a:cs typeface="Consolas" panose="020B0609020204030204" pitchFamily="49" charset="0"/>
-              </a:rPr>
-              <a:t>  }</a:t>
-            </a:r>
-          </a:p>
-          <a:p>
-            <a:pPr marL="0" indent="0">
-              <a:buNone/>
-            </a:pPr>
-            <a:r>
-              <a:rPr lang="en-US" sz="1600" dirty="0">
-                <a:latin typeface="Consolas" panose="020B0609020204030204" pitchFamily="49" charset="0"/>
-                <a:cs typeface="Consolas" panose="020B0609020204030204" pitchFamily="49" charset="0"/>
-              </a:rPr>
-              <a:t>  public static void main(String[] </a:t>
-            </a:r>
-            <a:r>
-              <a:rPr lang="en-US" sz="1600" dirty="0" err="1">
-                <a:latin typeface="Consolas" panose="020B0609020204030204" pitchFamily="49" charset="0"/>
-                <a:cs typeface="Consolas" panose="020B0609020204030204" pitchFamily="49" charset="0"/>
-              </a:rPr>
-              <a:t>args</a:t>
-            </a:r>
-            <a:r>
-              <a:rPr lang="en-US" sz="1600" dirty="0">
-                <a:latin typeface="Consolas" panose="020B0609020204030204" pitchFamily="49" charset="0"/>
-                <a:cs typeface="Consolas" panose="020B0609020204030204" pitchFamily="49" charset="0"/>
-              </a:rPr>
-              <a:t>) {</a:t>
-            </a:r>
-          </a:p>
-          <a:p>
-            <a:pPr marL="0" indent="0">
-              <a:buNone/>
-            </a:pPr>
-            <a:r>
-              <a:rPr lang="en-US" sz="1600" dirty="0">
-                <a:latin typeface="Consolas" panose="020B0609020204030204" pitchFamily="49" charset="0"/>
-                <a:cs typeface="Consolas" panose="020B0609020204030204" pitchFamily="49" charset="0"/>
-              </a:rPr>
-              <a:t>    </a:t>
-            </a:r>
-            <a:r>
-              <a:rPr lang="en-US" sz="1600" dirty="0" err="1">
-                <a:latin typeface="Consolas" panose="020B0609020204030204" pitchFamily="49" charset="0"/>
-                <a:cs typeface="Consolas" panose="020B0609020204030204" pitchFamily="49" charset="0"/>
-              </a:rPr>
-              <a:t>System.out.println</a:t>
-            </a:r>
-            <a:r>
-              <a:rPr lang="en-US" sz="1600" dirty="0">
-                <a:latin typeface="Consolas" panose="020B0609020204030204" pitchFamily="49" charset="0"/>
-                <a:cs typeface="Consolas" panose="020B0609020204030204" pitchFamily="49" charset="0"/>
-              </a:rPr>
-              <a:t>(</a:t>
-            </a:r>
-            <a:r>
-              <a:rPr lang="en-US" sz="1600" dirty="0" err="1">
-                <a:latin typeface="Consolas" panose="020B0609020204030204" pitchFamily="49" charset="0"/>
-                <a:cs typeface="Consolas" panose="020B0609020204030204" pitchFamily="49" charset="0"/>
-              </a:rPr>
-              <a:t>isLongerThan</a:t>
-            </a:r>
-            <a:r>
-              <a:rPr lang="en-US" sz="1600" dirty="0">
-                <a:latin typeface="Consolas" panose="020B0609020204030204" pitchFamily="49" charset="0"/>
-                <a:cs typeface="Consolas" panose="020B0609020204030204" pitchFamily="49" charset="0"/>
-              </a:rPr>
-              <a:t>("</a:t>
-            </a:r>
-            <a:r>
-              <a:rPr lang="en-US" sz="1600" dirty="0" err="1">
-                <a:latin typeface="Consolas" panose="020B0609020204030204" pitchFamily="49" charset="0"/>
-                <a:cs typeface="Consolas" panose="020B0609020204030204" pitchFamily="49" charset="0"/>
-              </a:rPr>
-              <a:t>abc</a:t>
-            </a:r>
-            <a:r>
-              <a:rPr lang="en-US" sz="1600" dirty="0">
-                <a:latin typeface="Consolas" panose="020B0609020204030204" pitchFamily="49" charset="0"/>
-                <a:cs typeface="Consolas" panose="020B0609020204030204" pitchFamily="49" charset="0"/>
-              </a:rPr>
-              <a:t>", 4));</a:t>
-            </a:r>
-          </a:p>
-          <a:p>
-            <a:pPr marL="0" indent="0">
-              <a:buNone/>
-            </a:pPr>
-            <a:r>
-              <a:rPr lang="en-US" sz="1600" dirty="0">
-                <a:latin typeface="Consolas" panose="020B0609020204030204" pitchFamily="49" charset="0"/>
-                <a:cs typeface="Consolas" panose="020B0609020204030204" pitchFamily="49" charset="0"/>
-              </a:rPr>
-              <a:t>    </a:t>
-            </a:r>
-            <a:r>
-              <a:rPr lang="en-US" sz="1600" dirty="0" err="1">
-                <a:latin typeface="Consolas" panose="020B0609020204030204" pitchFamily="49" charset="0"/>
-                <a:cs typeface="Consolas" panose="020B0609020204030204" pitchFamily="49" charset="0"/>
-              </a:rPr>
-              <a:t>System.out.println</a:t>
-            </a:r>
-            <a:r>
-              <a:rPr lang="en-US" sz="1600" dirty="0">
-                <a:latin typeface="Consolas" panose="020B0609020204030204" pitchFamily="49" charset="0"/>
-                <a:cs typeface="Consolas" panose="020B0609020204030204" pitchFamily="49" charset="0"/>
-              </a:rPr>
-              <a:t>(</a:t>
-            </a:r>
-            <a:r>
-              <a:rPr lang="en-US" sz="1600" dirty="0" err="1">
-                <a:latin typeface="Consolas" panose="020B0609020204030204" pitchFamily="49" charset="0"/>
-                <a:cs typeface="Consolas" panose="020B0609020204030204" pitchFamily="49" charset="0"/>
-              </a:rPr>
-              <a:t>isLongerThan</a:t>
-            </a:r>
-            <a:r>
-              <a:rPr lang="en-US" sz="1600" dirty="0">
-                <a:latin typeface="Consolas" panose="020B0609020204030204" pitchFamily="49" charset="0"/>
-                <a:cs typeface="Consolas" panose="020B0609020204030204" pitchFamily="49" charset="0"/>
-              </a:rPr>
-              <a:t>("</a:t>
-            </a:r>
-            <a:r>
-              <a:rPr lang="en-US" sz="1600" dirty="0" err="1">
-                <a:latin typeface="Consolas" panose="020B0609020204030204" pitchFamily="49" charset="0"/>
-                <a:cs typeface="Consolas" panose="020B0609020204030204" pitchFamily="49" charset="0"/>
-              </a:rPr>
-              <a:t>abc</a:t>
-            </a:r>
-            <a:r>
-              <a:rPr lang="en-US" sz="1600" dirty="0">
-                <a:latin typeface="Consolas" panose="020B0609020204030204" pitchFamily="49" charset="0"/>
-                <a:cs typeface="Consolas" panose="020B0609020204030204" pitchFamily="49" charset="0"/>
-              </a:rPr>
-              <a:t>", 2));</a:t>
-            </a:r>
-          </a:p>
-          <a:p>
-            <a:pPr marL="0" indent="0">
-              <a:buNone/>
-            </a:pPr>
-            <a:r>
-              <a:rPr lang="en-US" sz="1600" dirty="0">
-                <a:latin typeface="Consolas" panose="020B0609020204030204" pitchFamily="49" charset="0"/>
-                <a:cs typeface="Consolas" panose="020B0609020204030204" pitchFamily="49" charset="0"/>
-              </a:rPr>
-              <a:t>    </a:t>
-            </a:r>
-            <a:r>
-              <a:rPr lang="en-US" sz="1600" dirty="0" err="1">
-                <a:latin typeface="Consolas" panose="020B0609020204030204" pitchFamily="49" charset="0"/>
-                <a:cs typeface="Consolas" panose="020B0609020204030204" pitchFamily="49" charset="0"/>
-              </a:rPr>
-              <a:t>System.out.println</a:t>
-            </a:r>
-            <a:r>
-              <a:rPr lang="en-US" sz="1600" dirty="0">
-                <a:latin typeface="Consolas" panose="020B0609020204030204" pitchFamily="49" charset="0"/>
-                <a:cs typeface="Consolas" panose="020B0609020204030204" pitchFamily="49" charset="0"/>
-              </a:rPr>
-              <a:t>(</a:t>
-            </a:r>
-            <a:r>
-              <a:rPr lang="en-US" sz="1600" dirty="0" err="1">
-                <a:latin typeface="Consolas" panose="020B0609020204030204" pitchFamily="49" charset="0"/>
-                <a:cs typeface="Consolas" panose="020B0609020204030204" pitchFamily="49" charset="0"/>
-              </a:rPr>
-              <a:t>isLongerThan</a:t>
-            </a:r>
-            <a:r>
-              <a:rPr lang="en-US" sz="1600" dirty="0">
-                <a:latin typeface="Consolas" panose="020B0609020204030204" pitchFamily="49" charset="0"/>
-                <a:cs typeface="Consolas" panose="020B0609020204030204" pitchFamily="49" charset="0"/>
-              </a:rPr>
-              <a:t>("password", 7));</a:t>
-            </a:r>
-          </a:p>
-          <a:p>
-            <a:pPr marL="0" indent="0">
-              <a:buNone/>
-            </a:pPr>
-            <a:r>
-              <a:rPr lang="en-US" sz="1600" dirty="0">
-                <a:latin typeface="Consolas" panose="020B0609020204030204" pitchFamily="49" charset="0"/>
-                <a:cs typeface="Consolas" panose="020B0609020204030204" pitchFamily="49" charset="0"/>
-              </a:rPr>
-              <a:t>  }</a:t>
-            </a:r>
-          </a:p>
-          <a:p>
-            <a:pPr marL="0" indent="0">
-              <a:buNone/>
-            </a:pPr>
-            <a:r>
-              <a:rPr lang="en-US" sz="1600" dirty="0">
-                <a:latin typeface="Consolas" panose="020B0609020204030204" pitchFamily="49" charset="0"/>
-                <a:cs typeface="Consolas" panose="020B0609020204030204" pitchFamily="49" charset="0"/>
-              </a:rPr>
-              <a:t>}</a:t>
-            </a:r>
-          </a:p>
-          <a:p>
-            <a:pPr marL="0" indent="0">
-              <a:buNone/>
-            </a:pPr>
-            <a:endParaRPr lang="en-US" sz="1600" dirty="0"/>
-          </a:p>
-        </p:txBody>
-      </p:sp>
-      <p:sp>
-        <p:nvSpPr>
-          <p:cNvPr id="5" name="Content Placeholder 2">
-            <a:extLst>
-              <a:ext uri="{FF2B5EF4-FFF2-40B4-BE49-F238E27FC236}">
-                <a16:creationId xmlns:a16="http://schemas.microsoft.com/office/drawing/2014/main" id="{1DFE3770-9EBD-634E-B15C-AF694C5FE98D}"/>
-              </a:ext>
-            </a:extLst>
-          </p:cNvPr>
-          <p:cNvSpPr txBox="1">
-            <a:spLocks/>
-          </p:cNvSpPr>
-          <p:nvPr/>
-        </p:nvSpPr>
-        <p:spPr>
-          <a:xfrm>
-            <a:off x="6644112" y="3164029"/>
-            <a:ext cx="9419376" cy="4351338"/>
-          </a:xfrm>
-          <a:prstGeom prst="rect">
-            <a:avLst/>
-          </a:prstGeom>
-          <a:ln>
-            <a:solidFill>
-              <a:schemeClr val="tx1"/>
-            </a:solidFill>
-          </a:ln>
-        </p:spPr>
-        <p:txBody>
-          <a:bodyPr vert="horz" lIns="91440" tIns="45720" rIns="91440" bIns="45720" rtlCol="0">
-            <a:noAutofit/>
-          </a:bodyPr>
-          <a:lstStyle>
-            <a:lvl1pPr marL="228600" indent="-228600" algn="l" defTabSz="914400" rtl="0" eaLnBrk="1" latinLnBrk="0" hangingPunct="1">
-              <a:lnSpc>
-                <a:spcPct val="90000"/>
-              </a:lnSpc>
-              <a:spcBef>
-                <a:spcPts val="1000"/>
-              </a:spcBef>
-              <a:buFont typeface="Arial" panose="020B0604020202020204" pitchFamily="34" charset="0"/>
-              <a:buChar char="•"/>
-              <a:defRPr sz="2800" kern="1200">
-                <a:solidFill>
-                  <a:schemeClr val="tx1"/>
-                </a:solidFill>
-                <a:latin typeface="+mn-lt"/>
-                <a:ea typeface="+mn-ea"/>
-                <a:cs typeface="+mn-cs"/>
-              </a:defRPr>
-            </a:lvl1pPr>
-            <a:lvl2pPr marL="685800" indent="-228600" algn="l" defTabSz="914400" rtl="0" eaLnBrk="1" latinLnBrk="0" hangingPunct="1">
-              <a:lnSpc>
-                <a:spcPct val="90000"/>
-              </a:lnSpc>
-              <a:spcBef>
-                <a:spcPts val="500"/>
-              </a:spcBef>
-              <a:buFont typeface="Arial" panose="020B0604020202020204" pitchFamily="34" charset="0"/>
-              <a:buChar char="•"/>
-              <a:defRPr sz="2400" kern="1200">
-                <a:solidFill>
-                  <a:schemeClr val="tx1"/>
-                </a:solidFill>
-                <a:latin typeface="+mn-lt"/>
-                <a:ea typeface="+mn-ea"/>
-                <a:cs typeface="+mn-cs"/>
-              </a:defRPr>
-            </a:lvl2pPr>
-            <a:lvl3pPr marL="1143000" indent="-228600" algn="l" defTabSz="914400" rtl="0" eaLnBrk="1" latinLnBrk="0" hangingPunct="1">
-              <a:lnSpc>
-                <a:spcPct val="90000"/>
-              </a:lnSpc>
-              <a:spcBef>
-                <a:spcPts val="500"/>
-              </a:spcBef>
-              <a:buFont typeface="Arial" panose="020B0604020202020204" pitchFamily="34" charset="0"/>
-              <a:buChar char="•"/>
-              <a:defRPr sz="2000" kern="1200">
-                <a:solidFill>
-                  <a:schemeClr val="tx1"/>
-                </a:solidFill>
-                <a:latin typeface="+mn-lt"/>
-                <a:ea typeface="+mn-ea"/>
-                <a:cs typeface="+mn-cs"/>
-              </a:defRPr>
-            </a:lvl3pPr>
-            <a:lvl4pPr marL="1600200" indent="-228600" algn="l" defTabSz="914400" rtl="0" eaLnBrk="1" latinLnBrk="0" hangingPunct="1">
-              <a:lnSpc>
-                <a:spcPct val="90000"/>
-              </a:lnSpc>
-              <a:spcBef>
-                <a:spcPts val="500"/>
-              </a:spcBef>
-              <a:buFont typeface="Arial" panose="020B0604020202020204" pitchFamily="34" charset="0"/>
-              <a:buChar char="•"/>
-              <a:defRPr sz="1800" kern="1200">
-                <a:solidFill>
-                  <a:schemeClr val="tx1"/>
-                </a:solidFill>
-                <a:latin typeface="+mn-lt"/>
-                <a:ea typeface="+mn-ea"/>
-                <a:cs typeface="+mn-cs"/>
-              </a:defRPr>
-            </a:lvl4pPr>
-            <a:lvl5pPr marL="2057400" indent="-228600" algn="l" defTabSz="914400" rtl="0" eaLnBrk="1" latinLnBrk="0" hangingPunct="1">
-              <a:lnSpc>
-                <a:spcPct val="90000"/>
-              </a:lnSpc>
-              <a:spcBef>
-                <a:spcPts val="500"/>
-              </a:spcBef>
-              <a:buFont typeface="Arial" panose="020B0604020202020204" pitchFamily="34" charset="0"/>
-              <a:buChar char="•"/>
-              <a:defRPr sz="1800" kern="1200">
-                <a:solidFill>
-                  <a:schemeClr val="tx1"/>
-                </a:solidFill>
-                <a:latin typeface="+mn-lt"/>
-                <a:ea typeface="+mn-ea"/>
-                <a:cs typeface="+mn-cs"/>
-              </a:defRPr>
-            </a:lvl5pPr>
-            <a:lvl6pPr marL="2514600" indent="-228600" algn="l" defTabSz="914400" rtl="0" eaLnBrk="1" latinLnBrk="0" hangingPunct="1">
-              <a:lnSpc>
-                <a:spcPct val="90000"/>
-              </a:lnSpc>
-              <a:spcBef>
-                <a:spcPts val="500"/>
-              </a:spcBef>
-              <a:buFont typeface="Arial" panose="020B0604020202020204" pitchFamily="34" charset="0"/>
-              <a:buChar char="•"/>
-              <a:defRPr sz="1800" kern="1200">
-                <a:solidFill>
-                  <a:schemeClr val="tx1"/>
-                </a:solidFill>
-                <a:latin typeface="+mn-lt"/>
-                <a:ea typeface="+mn-ea"/>
-                <a:cs typeface="+mn-cs"/>
-              </a:defRPr>
-            </a:lvl6pPr>
-            <a:lvl7pPr marL="2971800" indent="-228600" algn="l" defTabSz="914400" rtl="0" eaLnBrk="1" latinLnBrk="0" hangingPunct="1">
-              <a:lnSpc>
-                <a:spcPct val="90000"/>
-              </a:lnSpc>
-              <a:spcBef>
-                <a:spcPts val="500"/>
-              </a:spcBef>
-              <a:buFont typeface="Arial" panose="020B0604020202020204" pitchFamily="34" charset="0"/>
-              <a:buChar char="•"/>
-              <a:defRPr sz="1800" kern="1200">
-                <a:solidFill>
-                  <a:schemeClr val="tx1"/>
-                </a:solidFill>
-                <a:latin typeface="+mn-lt"/>
-                <a:ea typeface="+mn-ea"/>
-                <a:cs typeface="+mn-cs"/>
-              </a:defRPr>
-            </a:lvl7pPr>
-            <a:lvl8pPr marL="3429000" indent="-228600" algn="l" defTabSz="914400" rtl="0" eaLnBrk="1" latinLnBrk="0" hangingPunct="1">
-              <a:lnSpc>
-                <a:spcPct val="90000"/>
-              </a:lnSpc>
-              <a:spcBef>
-                <a:spcPts val="500"/>
-              </a:spcBef>
-              <a:buFont typeface="Arial" panose="020B0604020202020204" pitchFamily="34" charset="0"/>
-              <a:buChar char="•"/>
-              <a:defRPr sz="1800" kern="1200">
-                <a:solidFill>
-                  <a:schemeClr val="tx1"/>
-                </a:solidFill>
-                <a:latin typeface="+mn-lt"/>
-                <a:ea typeface="+mn-ea"/>
-                <a:cs typeface="+mn-cs"/>
-              </a:defRPr>
-            </a:lvl8pPr>
-            <a:lvl9pPr marL="3886200" indent="-228600" algn="l" defTabSz="914400" rtl="0" eaLnBrk="1" latinLnBrk="0" hangingPunct="1">
-              <a:lnSpc>
-                <a:spcPct val="90000"/>
-              </a:lnSpc>
-              <a:spcBef>
-                <a:spcPts val="500"/>
-              </a:spcBef>
-              <a:buFont typeface="Arial" panose="020B0604020202020204" pitchFamily="34" charset="0"/>
-              <a:buChar char="•"/>
-              <a:defRPr sz="1800" kern="1200">
-                <a:solidFill>
-                  <a:schemeClr val="tx1"/>
-                </a:solidFill>
-                <a:latin typeface="+mn-lt"/>
-                <a:ea typeface="+mn-ea"/>
-                <a:cs typeface="+mn-cs"/>
-              </a:defRPr>
-            </a:lvl9pPr>
-          </a:lstStyle>
-          <a:p>
-            <a:pPr marL="0" indent="0">
-              <a:buFont typeface="Arial" panose="020B0604020202020204" pitchFamily="34" charset="0"/>
-              <a:buNone/>
-            </a:pPr>
-            <a:r>
-              <a:rPr lang="en-US" sz="1600" dirty="0"/>
-              <a:t>What is a good return type for </a:t>
-            </a:r>
-            <a:r>
-              <a:rPr lang="en-US" sz="1600" dirty="0" err="1"/>
-              <a:t>isLongerThan</a:t>
-            </a:r>
-            <a:r>
-              <a:rPr lang="en-US" sz="1600" dirty="0"/>
-              <a:t>?</a:t>
-            </a:r>
-          </a:p>
-          <a:p>
-            <a:pPr marL="0" indent="0">
-              <a:buFont typeface="Arial" panose="020B0604020202020204" pitchFamily="34" charset="0"/>
-              <a:buNone/>
-            </a:pPr>
-            <a:endParaRPr lang="en-US" sz="1600" dirty="0"/>
-          </a:p>
-          <a:p>
-            <a:pPr marL="342900" indent="-342900">
-              <a:buFont typeface="Arial" panose="020B0604020202020204" pitchFamily="34" charset="0"/>
-              <a:buAutoNum type="alphaUcPeriod"/>
-            </a:pPr>
-            <a:r>
-              <a:rPr lang="en-US" sz="1600" dirty="0">
-                <a:latin typeface="Consolas" panose="020B0609020204030204" pitchFamily="49" charset="0"/>
-                <a:cs typeface="Consolas" panose="020B0609020204030204" pitchFamily="49" charset="0"/>
-              </a:rPr>
-              <a:t>String</a:t>
-            </a:r>
-          </a:p>
-          <a:p>
-            <a:pPr marL="342900" indent="-342900">
-              <a:buFont typeface="Arial" panose="020B0604020202020204" pitchFamily="34" charset="0"/>
-              <a:buAutoNum type="alphaUcPeriod"/>
-            </a:pPr>
-            <a:r>
-              <a:rPr lang="en-US" sz="1600" dirty="0">
-                <a:latin typeface="Consolas" panose="020B0609020204030204" pitchFamily="49" charset="0"/>
-                <a:cs typeface="Consolas" panose="020B0609020204030204" pitchFamily="49" charset="0"/>
-              </a:rPr>
-              <a:t>string</a:t>
-            </a:r>
-          </a:p>
-          <a:p>
-            <a:pPr marL="342900" indent="-342900">
-              <a:buFont typeface="Arial" panose="020B0604020202020204" pitchFamily="34" charset="0"/>
-              <a:buAutoNum type="alphaUcPeriod"/>
-            </a:pPr>
-            <a:r>
-              <a:rPr lang="en-US" sz="1600" dirty="0">
-                <a:latin typeface="Consolas" panose="020B0609020204030204" pitchFamily="49" charset="0"/>
-                <a:cs typeface="Consolas" panose="020B0609020204030204" pitchFamily="49" charset="0"/>
-              </a:rPr>
-              <a:t>int</a:t>
-            </a:r>
-          </a:p>
-          <a:p>
-            <a:pPr marL="342900" indent="-342900">
-              <a:buFont typeface="Arial" panose="020B0604020202020204" pitchFamily="34" charset="0"/>
-              <a:buAutoNum type="alphaUcPeriod"/>
-            </a:pPr>
-            <a:r>
-              <a:rPr lang="en-US" sz="1600" dirty="0" err="1">
-                <a:latin typeface="Consolas" panose="020B0609020204030204" pitchFamily="49" charset="0"/>
-                <a:cs typeface="Consolas" panose="020B0609020204030204" pitchFamily="49" charset="0"/>
-              </a:rPr>
-              <a:t>boolean</a:t>
-            </a:r>
-            <a:endParaRPr lang="en-US" sz="1600" dirty="0">
-              <a:latin typeface="Consolas" panose="020B0609020204030204" pitchFamily="49" charset="0"/>
-              <a:cs typeface="Consolas" panose="020B0609020204030204" pitchFamily="49" charset="0"/>
-            </a:endParaRPr>
-          </a:p>
-          <a:p>
-            <a:pPr marL="342900" indent="-342900">
-              <a:buFont typeface="Arial" panose="020B0604020202020204" pitchFamily="34" charset="0"/>
-              <a:buAutoNum type="alphaUcPeriod"/>
-            </a:pPr>
-            <a:r>
-              <a:rPr lang="en-US" sz="1600" dirty="0"/>
-              <a:t>None of the above</a:t>
-            </a:r>
-          </a:p>
-        </p:txBody>
-      </p:sp>
-    </p:spTree>
-    <p:extLst>
-      <p:ext uri="{BB962C8B-B14F-4D97-AF65-F5344CB8AC3E}">
-        <p14:creationId xmlns:p14="http://schemas.microsoft.com/office/powerpoint/2010/main" val="185611763"/>
-      </p:ext>
-    </p:extLst>
-  </p:cSld>
-  <p:clrMapOvr>
-    <a:masterClrMapping/>
-  </p:clrMapOvr>
-</p:sld>
-</file>
-
-<file path=ppt/slides/slide21.xml><?xml version="1.0" encoding="utf-8"?>
-<p:sld xmlns:a="http://schemas.openxmlformats.org/drawingml/2006/main" xmlns:r="http://schemas.openxmlformats.org/officeDocument/2006/relationships" xmlns:p="http://schemas.openxmlformats.org/presentationml/2006/main">
-  <p:cSld>
-    <p:spTree>
-      <p:nvGrpSpPr>
-        <p:cNvPr id="1" name=""/>
-        <p:cNvGrpSpPr/>
-        <p:nvPr/>
-      </p:nvGrpSpPr>
-      <p:grpSpPr>
-        <a:xfrm>
-          <a:off x="0" y="0"/>
-          <a:ext cx="0" cy="0"/>
-          <a:chOff x="0" y="0"/>
-          <a:chExt cx="0" cy="0"/>
-        </a:xfrm>
-      </p:grpSpPr>
-      <p:sp>
-        <p:nvSpPr>
-          <p:cNvPr id="2" name="Title 1">
-            <a:extLst>
-              <a:ext uri="{FF2B5EF4-FFF2-40B4-BE49-F238E27FC236}">
-                <a16:creationId xmlns:a16="http://schemas.microsoft.com/office/drawing/2014/main" id="{68D7D328-644B-104F-A1D7-DB84FA5E2CEC}"/>
-              </a:ext>
-            </a:extLst>
-          </p:cNvPr>
-          <p:cNvSpPr>
-            <a:spLocks noGrp="1"/>
-          </p:cNvSpPr>
-          <p:nvPr>
-            <p:ph type="title"/>
-          </p:nvPr>
-        </p:nvSpPr>
-        <p:spPr>
-          <a:xfrm>
-            <a:off x="838200" y="365125"/>
-            <a:ext cx="10515600" cy="685077"/>
-          </a:xfrm>
-        </p:spPr>
-        <p:txBody>
-          <a:bodyPr>
-            <a:normAutofit fontScale="90000"/>
-          </a:bodyPr>
-          <a:lstStyle/>
-          <a:p>
-            <a:r>
-              <a:rPr lang="en-US" dirty="0"/>
-              <a:t>Java vs. Python – </a:t>
-            </a:r>
-            <a:r>
-              <a:rPr lang="en-US" dirty="0" err="1"/>
-              <a:t>isLongerThan</a:t>
-            </a:r>
-            <a:r>
-              <a:rPr lang="en-US"/>
-              <a:t> method body</a:t>
-            </a:r>
-            <a:endParaRPr lang="en-US" dirty="0"/>
-          </a:p>
-        </p:txBody>
-      </p:sp>
-      <p:sp>
-        <p:nvSpPr>
-          <p:cNvPr id="3" name="Content Placeholder 2">
-            <a:extLst>
-              <a:ext uri="{FF2B5EF4-FFF2-40B4-BE49-F238E27FC236}">
-                <a16:creationId xmlns:a16="http://schemas.microsoft.com/office/drawing/2014/main" id="{90BE8C26-5FF2-3B46-8A51-7CB75006C445}"/>
-              </a:ext>
-            </a:extLst>
-          </p:cNvPr>
-          <p:cNvSpPr>
-            <a:spLocks noGrp="1"/>
-          </p:cNvSpPr>
-          <p:nvPr>
-            <p:ph sz="half" idx="1"/>
-          </p:nvPr>
-        </p:nvSpPr>
-        <p:spPr>
-          <a:xfrm>
-            <a:off x="0" y="1825625"/>
-            <a:ext cx="9419376" cy="4351338"/>
-          </a:xfrm>
-        </p:spPr>
-        <p:txBody>
-          <a:bodyPr>
-            <a:noAutofit/>
-          </a:bodyPr>
-          <a:lstStyle/>
-          <a:p>
-            <a:pPr marL="0" indent="0">
-              <a:buNone/>
-            </a:pPr>
-            <a:r>
-              <a:rPr lang="en-US" sz="1600" dirty="0">
-                <a:latin typeface="Consolas" panose="020B0609020204030204" pitchFamily="49" charset="0"/>
-                <a:cs typeface="Consolas" panose="020B0609020204030204" pitchFamily="49" charset="0"/>
-              </a:rPr>
-              <a:t>class </a:t>
-            </a:r>
-            <a:r>
-              <a:rPr lang="en-US" sz="1600" dirty="0" err="1">
-                <a:latin typeface="Consolas" panose="020B0609020204030204" pitchFamily="49" charset="0"/>
-                <a:cs typeface="Consolas" panose="020B0609020204030204" pitchFamily="49" charset="0"/>
-              </a:rPr>
-              <a:t>IsLongerThan</a:t>
-            </a:r>
-            <a:r>
-              <a:rPr lang="en-US" sz="1600" dirty="0">
-                <a:latin typeface="Consolas" panose="020B0609020204030204" pitchFamily="49" charset="0"/>
-                <a:cs typeface="Consolas" panose="020B0609020204030204" pitchFamily="49" charset="0"/>
-              </a:rPr>
-              <a:t> {</a:t>
-            </a:r>
-          </a:p>
-          <a:p>
-            <a:pPr marL="0" indent="0">
-              <a:buNone/>
-            </a:pPr>
-            <a:r>
-              <a:rPr lang="en-US" sz="1600" dirty="0">
-                <a:latin typeface="Consolas" panose="020B0609020204030204" pitchFamily="49" charset="0"/>
-                <a:cs typeface="Consolas" panose="020B0609020204030204" pitchFamily="49" charset="0"/>
-              </a:rPr>
-              <a:t>  static _____________ </a:t>
-            </a:r>
-            <a:r>
-              <a:rPr lang="en-US" sz="1600" dirty="0" err="1">
-                <a:latin typeface="Consolas" panose="020B0609020204030204" pitchFamily="49" charset="0"/>
-                <a:cs typeface="Consolas" panose="020B0609020204030204" pitchFamily="49" charset="0"/>
-              </a:rPr>
-              <a:t>isLongerThan</a:t>
-            </a:r>
-            <a:r>
-              <a:rPr lang="en-US" sz="1600" dirty="0">
-                <a:latin typeface="Consolas" panose="020B0609020204030204" pitchFamily="49" charset="0"/>
-                <a:cs typeface="Consolas" panose="020B0609020204030204" pitchFamily="49" charset="0"/>
-              </a:rPr>
-              <a:t>(________________________________________) {</a:t>
-            </a:r>
-          </a:p>
-          <a:p>
-            <a:pPr marL="0" indent="0">
-              <a:buNone/>
-            </a:pPr>
-            <a:endParaRPr lang="en-US" sz="1600" dirty="0">
-              <a:latin typeface="Consolas" panose="020B0609020204030204" pitchFamily="49" charset="0"/>
-              <a:cs typeface="Consolas" panose="020B0609020204030204" pitchFamily="49" charset="0"/>
-            </a:endParaRPr>
-          </a:p>
-          <a:p>
-            <a:pPr marL="0" indent="0">
-              <a:buNone/>
-            </a:pPr>
-            <a:endParaRPr lang="en-US" sz="1600" dirty="0">
-              <a:latin typeface="Consolas" panose="020B0609020204030204" pitchFamily="49" charset="0"/>
-              <a:cs typeface="Consolas" panose="020B0609020204030204" pitchFamily="49" charset="0"/>
-            </a:endParaRPr>
-          </a:p>
-          <a:p>
-            <a:pPr marL="0" indent="0">
-              <a:buNone/>
-            </a:pPr>
-            <a:endParaRPr lang="en-US" sz="1600" dirty="0">
-              <a:latin typeface="Consolas" panose="020B0609020204030204" pitchFamily="49" charset="0"/>
-              <a:cs typeface="Consolas" panose="020B0609020204030204" pitchFamily="49" charset="0"/>
-            </a:endParaRPr>
-          </a:p>
-          <a:p>
-            <a:pPr marL="0" indent="0">
-              <a:buNone/>
-            </a:pPr>
-            <a:r>
-              <a:rPr lang="en-US" sz="1600" dirty="0">
-                <a:latin typeface="Consolas" panose="020B0609020204030204" pitchFamily="49" charset="0"/>
-                <a:cs typeface="Consolas" panose="020B0609020204030204" pitchFamily="49" charset="0"/>
-              </a:rPr>
-              <a:t>  }</a:t>
-            </a:r>
-          </a:p>
-          <a:p>
-            <a:pPr marL="0" indent="0">
-              <a:buNone/>
-            </a:pPr>
-            <a:r>
-              <a:rPr lang="en-US" sz="1600" dirty="0">
-                <a:latin typeface="Consolas" panose="020B0609020204030204" pitchFamily="49" charset="0"/>
-                <a:cs typeface="Consolas" panose="020B0609020204030204" pitchFamily="49" charset="0"/>
-              </a:rPr>
-              <a:t>  public static void main(String[] </a:t>
-            </a:r>
-            <a:r>
-              <a:rPr lang="en-US" sz="1600" dirty="0" err="1">
-                <a:latin typeface="Consolas" panose="020B0609020204030204" pitchFamily="49" charset="0"/>
-                <a:cs typeface="Consolas" panose="020B0609020204030204" pitchFamily="49" charset="0"/>
-              </a:rPr>
-              <a:t>args</a:t>
-            </a:r>
-            <a:r>
-              <a:rPr lang="en-US" sz="1600" dirty="0">
-                <a:latin typeface="Consolas" panose="020B0609020204030204" pitchFamily="49" charset="0"/>
-                <a:cs typeface="Consolas" panose="020B0609020204030204" pitchFamily="49" charset="0"/>
-              </a:rPr>
-              <a:t>) {</a:t>
-            </a:r>
-          </a:p>
-          <a:p>
-            <a:pPr marL="0" indent="0">
-              <a:buNone/>
-            </a:pPr>
-            <a:r>
-              <a:rPr lang="en-US" sz="1600" dirty="0">
-                <a:latin typeface="Consolas" panose="020B0609020204030204" pitchFamily="49" charset="0"/>
-                <a:cs typeface="Consolas" panose="020B0609020204030204" pitchFamily="49" charset="0"/>
-              </a:rPr>
-              <a:t>    </a:t>
-            </a:r>
-            <a:r>
-              <a:rPr lang="en-US" sz="1600" dirty="0" err="1">
-                <a:latin typeface="Consolas" panose="020B0609020204030204" pitchFamily="49" charset="0"/>
-                <a:cs typeface="Consolas" panose="020B0609020204030204" pitchFamily="49" charset="0"/>
-              </a:rPr>
-              <a:t>System.out.println</a:t>
-            </a:r>
-            <a:r>
-              <a:rPr lang="en-US" sz="1600" dirty="0">
-                <a:latin typeface="Consolas" panose="020B0609020204030204" pitchFamily="49" charset="0"/>
-                <a:cs typeface="Consolas" panose="020B0609020204030204" pitchFamily="49" charset="0"/>
-              </a:rPr>
-              <a:t>(</a:t>
-            </a:r>
-            <a:r>
-              <a:rPr lang="en-US" sz="1600" dirty="0" err="1">
-                <a:latin typeface="Consolas" panose="020B0609020204030204" pitchFamily="49" charset="0"/>
-                <a:cs typeface="Consolas" panose="020B0609020204030204" pitchFamily="49" charset="0"/>
-              </a:rPr>
-              <a:t>isLongerThan</a:t>
-            </a:r>
-            <a:r>
-              <a:rPr lang="en-US" sz="1600" dirty="0">
-                <a:latin typeface="Consolas" panose="020B0609020204030204" pitchFamily="49" charset="0"/>
-                <a:cs typeface="Consolas" panose="020B0609020204030204" pitchFamily="49" charset="0"/>
-              </a:rPr>
-              <a:t>("</a:t>
-            </a:r>
-            <a:r>
-              <a:rPr lang="en-US" sz="1600" dirty="0" err="1">
-                <a:latin typeface="Consolas" panose="020B0609020204030204" pitchFamily="49" charset="0"/>
-                <a:cs typeface="Consolas" panose="020B0609020204030204" pitchFamily="49" charset="0"/>
-              </a:rPr>
-              <a:t>abc</a:t>
-            </a:r>
-            <a:r>
-              <a:rPr lang="en-US" sz="1600" dirty="0">
-                <a:latin typeface="Consolas" panose="020B0609020204030204" pitchFamily="49" charset="0"/>
-                <a:cs typeface="Consolas" panose="020B0609020204030204" pitchFamily="49" charset="0"/>
-              </a:rPr>
-              <a:t>", 4));</a:t>
-            </a:r>
-          </a:p>
-          <a:p>
-            <a:pPr marL="0" indent="0">
-              <a:buNone/>
-            </a:pPr>
-            <a:r>
-              <a:rPr lang="en-US" sz="1600" dirty="0">
-                <a:latin typeface="Consolas" panose="020B0609020204030204" pitchFamily="49" charset="0"/>
-                <a:cs typeface="Consolas" panose="020B0609020204030204" pitchFamily="49" charset="0"/>
-              </a:rPr>
-              <a:t>    </a:t>
-            </a:r>
-            <a:r>
-              <a:rPr lang="en-US" sz="1600" dirty="0" err="1">
-                <a:latin typeface="Consolas" panose="020B0609020204030204" pitchFamily="49" charset="0"/>
-                <a:cs typeface="Consolas" panose="020B0609020204030204" pitchFamily="49" charset="0"/>
-              </a:rPr>
-              <a:t>System.out.println</a:t>
-            </a:r>
-            <a:r>
-              <a:rPr lang="en-US" sz="1600" dirty="0">
-                <a:latin typeface="Consolas" panose="020B0609020204030204" pitchFamily="49" charset="0"/>
-                <a:cs typeface="Consolas" panose="020B0609020204030204" pitchFamily="49" charset="0"/>
-              </a:rPr>
-              <a:t>(</a:t>
-            </a:r>
-            <a:r>
-              <a:rPr lang="en-US" sz="1600" dirty="0" err="1">
-                <a:latin typeface="Consolas" panose="020B0609020204030204" pitchFamily="49" charset="0"/>
-                <a:cs typeface="Consolas" panose="020B0609020204030204" pitchFamily="49" charset="0"/>
-              </a:rPr>
-              <a:t>isLongerThan</a:t>
-            </a:r>
-            <a:r>
-              <a:rPr lang="en-US" sz="1600" dirty="0">
-                <a:latin typeface="Consolas" panose="020B0609020204030204" pitchFamily="49" charset="0"/>
-                <a:cs typeface="Consolas" panose="020B0609020204030204" pitchFamily="49" charset="0"/>
-              </a:rPr>
-              <a:t>("</a:t>
-            </a:r>
-            <a:r>
-              <a:rPr lang="en-US" sz="1600" dirty="0" err="1">
-                <a:latin typeface="Consolas" panose="020B0609020204030204" pitchFamily="49" charset="0"/>
-                <a:cs typeface="Consolas" panose="020B0609020204030204" pitchFamily="49" charset="0"/>
-              </a:rPr>
-              <a:t>abc</a:t>
-            </a:r>
-            <a:r>
-              <a:rPr lang="en-US" sz="1600" dirty="0">
-                <a:latin typeface="Consolas" panose="020B0609020204030204" pitchFamily="49" charset="0"/>
-                <a:cs typeface="Consolas" panose="020B0609020204030204" pitchFamily="49" charset="0"/>
-              </a:rPr>
-              <a:t>", 2));</a:t>
-            </a:r>
-          </a:p>
-          <a:p>
-            <a:pPr marL="0" indent="0">
-              <a:buNone/>
-            </a:pPr>
-            <a:r>
-              <a:rPr lang="en-US" sz="1600" dirty="0">
-                <a:latin typeface="Consolas" panose="020B0609020204030204" pitchFamily="49" charset="0"/>
-                <a:cs typeface="Consolas" panose="020B0609020204030204" pitchFamily="49" charset="0"/>
-              </a:rPr>
-              <a:t>    </a:t>
-            </a:r>
-            <a:r>
-              <a:rPr lang="en-US" sz="1600" dirty="0" err="1">
-                <a:latin typeface="Consolas" panose="020B0609020204030204" pitchFamily="49" charset="0"/>
-                <a:cs typeface="Consolas" panose="020B0609020204030204" pitchFamily="49" charset="0"/>
-              </a:rPr>
-              <a:t>System.out.println</a:t>
-            </a:r>
-            <a:r>
-              <a:rPr lang="en-US" sz="1600" dirty="0">
-                <a:latin typeface="Consolas" panose="020B0609020204030204" pitchFamily="49" charset="0"/>
-                <a:cs typeface="Consolas" panose="020B0609020204030204" pitchFamily="49" charset="0"/>
-              </a:rPr>
-              <a:t>(</a:t>
-            </a:r>
-            <a:r>
-              <a:rPr lang="en-US" sz="1600" dirty="0" err="1">
-                <a:latin typeface="Consolas" panose="020B0609020204030204" pitchFamily="49" charset="0"/>
-                <a:cs typeface="Consolas" panose="020B0609020204030204" pitchFamily="49" charset="0"/>
-              </a:rPr>
-              <a:t>isLongerThan</a:t>
-            </a:r>
-            <a:r>
-              <a:rPr lang="en-US" sz="1600" dirty="0">
-                <a:latin typeface="Consolas" panose="020B0609020204030204" pitchFamily="49" charset="0"/>
-                <a:cs typeface="Consolas" panose="020B0609020204030204" pitchFamily="49" charset="0"/>
-              </a:rPr>
-              <a:t>("password", 7));</a:t>
-            </a:r>
-          </a:p>
-          <a:p>
-            <a:pPr marL="0" indent="0">
-              <a:buNone/>
-            </a:pPr>
-            <a:r>
-              <a:rPr lang="en-US" sz="1600" dirty="0">
-                <a:latin typeface="Consolas" panose="020B0609020204030204" pitchFamily="49" charset="0"/>
-                <a:cs typeface="Consolas" panose="020B0609020204030204" pitchFamily="49" charset="0"/>
-              </a:rPr>
-              <a:t>  }</a:t>
-            </a:r>
-          </a:p>
-          <a:p>
-            <a:pPr marL="0" indent="0">
-              <a:buNone/>
-            </a:pPr>
-            <a:r>
-              <a:rPr lang="en-US" sz="1600" dirty="0">
-                <a:latin typeface="Consolas" panose="020B0609020204030204" pitchFamily="49" charset="0"/>
-                <a:cs typeface="Consolas" panose="020B0609020204030204" pitchFamily="49" charset="0"/>
-              </a:rPr>
-              <a:t>}</a:t>
-            </a:r>
-          </a:p>
-          <a:p>
-            <a:pPr marL="0" indent="0">
-              <a:buNone/>
-            </a:pPr>
-            <a:endParaRPr lang="en-US" sz="1600" dirty="0"/>
-          </a:p>
-        </p:txBody>
-      </p:sp>
-      <p:sp>
-        <p:nvSpPr>
-          <p:cNvPr id="5" name="Content Placeholder 2">
-            <a:extLst>
-              <a:ext uri="{FF2B5EF4-FFF2-40B4-BE49-F238E27FC236}">
-                <a16:creationId xmlns:a16="http://schemas.microsoft.com/office/drawing/2014/main" id="{1DFE3770-9EBD-634E-B15C-AF694C5FE98D}"/>
-              </a:ext>
-            </a:extLst>
-          </p:cNvPr>
-          <p:cNvSpPr txBox="1">
-            <a:spLocks/>
-          </p:cNvSpPr>
-          <p:nvPr/>
-        </p:nvSpPr>
-        <p:spPr>
-          <a:xfrm>
-            <a:off x="6644112" y="3164029"/>
-            <a:ext cx="9419376" cy="4351338"/>
-          </a:xfrm>
-          <a:prstGeom prst="rect">
-            <a:avLst/>
-          </a:prstGeom>
-          <a:ln>
-            <a:solidFill>
-              <a:schemeClr val="tx1"/>
-            </a:solidFill>
-          </a:ln>
-        </p:spPr>
-        <p:txBody>
-          <a:bodyPr vert="horz" lIns="91440" tIns="45720" rIns="91440" bIns="45720" rtlCol="0">
-            <a:noAutofit/>
-          </a:bodyPr>
-          <a:lstStyle>
-            <a:lvl1pPr marL="228600" indent="-228600" algn="l" defTabSz="914400" rtl="0" eaLnBrk="1" latinLnBrk="0" hangingPunct="1">
-              <a:lnSpc>
-                <a:spcPct val="90000"/>
-              </a:lnSpc>
-              <a:spcBef>
-                <a:spcPts val="1000"/>
-              </a:spcBef>
-              <a:buFont typeface="Arial" panose="020B0604020202020204" pitchFamily="34" charset="0"/>
-              <a:buChar char="•"/>
-              <a:defRPr sz="2800" kern="1200">
-                <a:solidFill>
-                  <a:schemeClr val="tx1"/>
-                </a:solidFill>
-                <a:latin typeface="+mn-lt"/>
-                <a:ea typeface="+mn-ea"/>
-                <a:cs typeface="+mn-cs"/>
-              </a:defRPr>
-            </a:lvl1pPr>
-            <a:lvl2pPr marL="685800" indent="-228600" algn="l" defTabSz="914400" rtl="0" eaLnBrk="1" latinLnBrk="0" hangingPunct="1">
-              <a:lnSpc>
-                <a:spcPct val="90000"/>
-              </a:lnSpc>
-              <a:spcBef>
-                <a:spcPts val="500"/>
-              </a:spcBef>
-              <a:buFont typeface="Arial" panose="020B0604020202020204" pitchFamily="34" charset="0"/>
-              <a:buChar char="•"/>
-              <a:defRPr sz="2400" kern="1200">
-                <a:solidFill>
-                  <a:schemeClr val="tx1"/>
-                </a:solidFill>
-                <a:latin typeface="+mn-lt"/>
-                <a:ea typeface="+mn-ea"/>
-                <a:cs typeface="+mn-cs"/>
-              </a:defRPr>
-            </a:lvl2pPr>
-            <a:lvl3pPr marL="1143000" indent="-228600" algn="l" defTabSz="914400" rtl="0" eaLnBrk="1" latinLnBrk="0" hangingPunct="1">
-              <a:lnSpc>
-                <a:spcPct val="90000"/>
-              </a:lnSpc>
-              <a:spcBef>
-                <a:spcPts val="500"/>
-              </a:spcBef>
-              <a:buFont typeface="Arial" panose="020B0604020202020204" pitchFamily="34" charset="0"/>
-              <a:buChar char="•"/>
-              <a:defRPr sz="2000" kern="1200">
-                <a:solidFill>
-                  <a:schemeClr val="tx1"/>
-                </a:solidFill>
-                <a:latin typeface="+mn-lt"/>
-                <a:ea typeface="+mn-ea"/>
-                <a:cs typeface="+mn-cs"/>
-              </a:defRPr>
-            </a:lvl3pPr>
-            <a:lvl4pPr marL="1600200" indent="-228600" algn="l" defTabSz="914400" rtl="0" eaLnBrk="1" latinLnBrk="0" hangingPunct="1">
-              <a:lnSpc>
-                <a:spcPct val="90000"/>
-              </a:lnSpc>
-              <a:spcBef>
-                <a:spcPts val="500"/>
-              </a:spcBef>
-              <a:buFont typeface="Arial" panose="020B0604020202020204" pitchFamily="34" charset="0"/>
-              <a:buChar char="•"/>
-              <a:defRPr sz="1800" kern="1200">
-                <a:solidFill>
-                  <a:schemeClr val="tx1"/>
-                </a:solidFill>
-                <a:latin typeface="+mn-lt"/>
-                <a:ea typeface="+mn-ea"/>
-                <a:cs typeface="+mn-cs"/>
-              </a:defRPr>
-            </a:lvl4pPr>
-            <a:lvl5pPr marL="2057400" indent="-228600" algn="l" defTabSz="914400" rtl="0" eaLnBrk="1" latinLnBrk="0" hangingPunct="1">
-              <a:lnSpc>
-                <a:spcPct val="90000"/>
-              </a:lnSpc>
-              <a:spcBef>
-                <a:spcPts val="500"/>
-              </a:spcBef>
-              <a:buFont typeface="Arial" panose="020B0604020202020204" pitchFamily="34" charset="0"/>
-              <a:buChar char="•"/>
-              <a:defRPr sz="1800" kern="1200">
-                <a:solidFill>
-                  <a:schemeClr val="tx1"/>
-                </a:solidFill>
-                <a:latin typeface="+mn-lt"/>
-                <a:ea typeface="+mn-ea"/>
-                <a:cs typeface="+mn-cs"/>
-              </a:defRPr>
-            </a:lvl5pPr>
-            <a:lvl6pPr marL="2514600" indent="-228600" algn="l" defTabSz="914400" rtl="0" eaLnBrk="1" latinLnBrk="0" hangingPunct="1">
-              <a:lnSpc>
-                <a:spcPct val="90000"/>
-              </a:lnSpc>
-              <a:spcBef>
-                <a:spcPts val="500"/>
-              </a:spcBef>
-              <a:buFont typeface="Arial" panose="020B0604020202020204" pitchFamily="34" charset="0"/>
-              <a:buChar char="•"/>
-              <a:defRPr sz="1800" kern="1200">
-                <a:solidFill>
-                  <a:schemeClr val="tx1"/>
-                </a:solidFill>
-                <a:latin typeface="+mn-lt"/>
-                <a:ea typeface="+mn-ea"/>
-                <a:cs typeface="+mn-cs"/>
-              </a:defRPr>
-            </a:lvl6pPr>
-            <a:lvl7pPr marL="2971800" indent="-228600" algn="l" defTabSz="914400" rtl="0" eaLnBrk="1" latinLnBrk="0" hangingPunct="1">
-              <a:lnSpc>
-                <a:spcPct val="90000"/>
-              </a:lnSpc>
-              <a:spcBef>
-                <a:spcPts val="500"/>
-              </a:spcBef>
-              <a:buFont typeface="Arial" panose="020B0604020202020204" pitchFamily="34" charset="0"/>
-              <a:buChar char="•"/>
-              <a:defRPr sz="1800" kern="1200">
-                <a:solidFill>
-                  <a:schemeClr val="tx1"/>
-                </a:solidFill>
-                <a:latin typeface="+mn-lt"/>
-                <a:ea typeface="+mn-ea"/>
-                <a:cs typeface="+mn-cs"/>
-              </a:defRPr>
-            </a:lvl7pPr>
-            <a:lvl8pPr marL="3429000" indent="-228600" algn="l" defTabSz="914400" rtl="0" eaLnBrk="1" latinLnBrk="0" hangingPunct="1">
-              <a:lnSpc>
-                <a:spcPct val="90000"/>
-              </a:lnSpc>
-              <a:spcBef>
-                <a:spcPts val="500"/>
-              </a:spcBef>
-              <a:buFont typeface="Arial" panose="020B0604020202020204" pitchFamily="34" charset="0"/>
-              <a:buChar char="•"/>
-              <a:defRPr sz="1800" kern="1200">
-                <a:solidFill>
-                  <a:schemeClr val="tx1"/>
-                </a:solidFill>
-                <a:latin typeface="+mn-lt"/>
-                <a:ea typeface="+mn-ea"/>
-                <a:cs typeface="+mn-cs"/>
-              </a:defRPr>
-            </a:lvl8pPr>
-            <a:lvl9pPr marL="3886200" indent="-228600" algn="l" defTabSz="914400" rtl="0" eaLnBrk="1" latinLnBrk="0" hangingPunct="1">
-              <a:lnSpc>
-                <a:spcPct val="90000"/>
-              </a:lnSpc>
-              <a:spcBef>
-                <a:spcPts val="500"/>
-              </a:spcBef>
-              <a:buFont typeface="Arial" panose="020B0604020202020204" pitchFamily="34" charset="0"/>
-              <a:buChar char="•"/>
-              <a:defRPr sz="1800" kern="1200">
-                <a:solidFill>
-                  <a:schemeClr val="tx1"/>
-                </a:solidFill>
-                <a:latin typeface="+mn-lt"/>
-                <a:ea typeface="+mn-ea"/>
-                <a:cs typeface="+mn-cs"/>
-              </a:defRPr>
-            </a:lvl9pPr>
-          </a:lstStyle>
-          <a:p>
-            <a:pPr marL="0" indent="0">
-              <a:buFont typeface="Arial" panose="020B0604020202020204" pitchFamily="34" charset="0"/>
-              <a:buNone/>
-            </a:pPr>
-            <a:r>
-              <a:rPr lang="en-US" sz="1600" dirty="0"/>
-              <a:t>How should we fill in the body of </a:t>
-            </a:r>
-            <a:r>
-              <a:rPr lang="en-US" sz="1600" dirty="0" err="1"/>
-              <a:t>isLongerThan</a:t>
-            </a:r>
-            <a:r>
-              <a:rPr lang="en-US" sz="1600" dirty="0"/>
-              <a:t>?</a:t>
-            </a:r>
-          </a:p>
-          <a:p>
-            <a:pPr marL="0" indent="0">
-              <a:buFont typeface="Arial" panose="020B0604020202020204" pitchFamily="34" charset="0"/>
-              <a:buNone/>
-            </a:pPr>
-            <a:endParaRPr lang="en-US" sz="1600" dirty="0"/>
-          </a:p>
-          <a:p>
-            <a:pPr marL="0" indent="0">
-              <a:buFont typeface="Arial" panose="020B0604020202020204" pitchFamily="34" charset="0"/>
-              <a:buNone/>
-            </a:pPr>
-            <a:r>
-              <a:rPr lang="en-US" sz="1600" dirty="0"/>
-              <a:t>HINT: Are any useful methods defined on your handout?</a:t>
-            </a:r>
-          </a:p>
-          <a:p>
-            <a:pPr marL="0" indent="0">
-              <a:buFont typeface="Arial" panose="020B0604020202020204" pitchFamily="34" charset="0"/>
-              <a:buNone/>
-            </a:pPr>
-            <a:endParaRPr lang="en-US" sz="1600" dirty="0"/>
-          </a:p>
-          <a:p>
-            <a:pPr marL="342900" indent="-342900">
-              <a:buFont typeface="Arial" panose="020B0604020202020204" pitchFamily="34" charset="0"/>
-              <a:buAutoNum type="alphaUcPeriod"/>
-            </a:pPr>
-            <a:r>
-              <a:rPr lang="en-US" sz="1600" dirty="0">
-                <a:latin typeface="Consolas" panose="020B0609020204030204" pitchFamily="49" charset="0"/>
-                <a:cs typeface="Consolas" panose="020B0609020204030204" pitchFamily="49" charset="0"/>
-              </a:rPr>
-              <a:t>return </a:t>
-            </a:r>
-            <a:r>
-              <a:rPr lang="en-US" sz="1600" dirty="0" err="1">
-                <a:latin typeface="Consolas" panose="020B0609020204030204" pitchFamily="49" charset="0"/>
-                <a:cs typeface="Consolas" panose="020B0609020204030204" pitchFamily="49" charset="0"/>
-              </a:rPr>
-              <a:t>len</a:t>
-            </a:r>
-            <a:r>
-              <a:rPr lang="en-US" sz="1600" dirty="0">
-                <a:latin typeface="Consolas" panose="020B0609020204030204" pitchFamily="49" charset="0"/>
-                <a:cs typeface="Consolas" panose="020B0609020204030204" pitchFamily="49" charset="0"/>
-              </a:rPr>
-              <a:t>(s) &gt; length;</a:t>
-            </a:r>
-          </a:p>
-          <a:p>
-            <a:pPr marL="342900" indent="-342900">
-              <a:buFont typeface="Arial" panose="020B0604020202020204" pitchFamily="34" charset="0"/>
-              <a:buAutoNum type="alphaUcPeriod"/>
-            </a:pPr>
-            <a:r>
-              <a:rPr lang="en-US" sz="1600" dirty="0">
-                <a:latin typeface="Consolas" panose="020B0609020204030204" pitchFamily="49" charset="0"/>
-                <a:cs typeface="Consolas" panose="020B0609020204030204" pitchFamily="49" charset="0"/>
-              </a:rPr>
-              <a:t>return </a:t>
-            </a:r>
-            <a:r>
-              <a:rPr lang="en-US" sz="1600" dirty="0" err="1">
-                <a:latin typeface="Consolas" panose="020B0609020204030204" pitchFamily="49" charset="0"/>
-                <a:cs typeface="Consolas" panose="020B0609020204030204" pitchFamily="49" charset="0"/>
-              </a:rPr>
-              <a:t>s.length</a:t>
-            </a:r>
-            <a:r>
-              <a:rPr lang="en-US" sz="1600" dirty="0">
-                <a:latin typeface="Consolas" panose="020B0609020204030204" pitchFamily="49" charset="0"/>
-                <a:cs typeface="Consolas" panose="020B0609020204030204" pitchFamily="49" charset="0"/>
-              </a:rPr>
-              <a:t>();</a:t>
-            </a:r>
-          </a:p>
-          <a:p>
-            <a:pPr marL="342900" indent="-342900">
-              <a:buFont typeface="Arial" panose="020B0604020202020204" pitchFamily="34" charset="0"/>
-              <a:buAutoNum type="alphaUcPeriod"/>
-            </a:pPr>
-            <a:r>
-              <a:rPr lang="en-US" sz="1600" dirty="0">
-                <a:latin typeface="Consolas" panose="020B0609020204030204" pitchFamily="49" charset="0"/>
-                <a:cs typeface="Consolas" panose="020B0609020204030204" pitchFamily="49" charset="0"/>
-              </a:rPr>
-              <a:t>return </a:t>
-            </a:r>
-            <a:r>
-              <a:rPr lang="en-US" sz="1600" dirty="0" err="1">
-                <a:latin typeface="Consolas" panose="020B0609020204030204" pitchFamily="49" charset="0"/>
-                <a:cs typeface="Consolas" panose="020B0609020204030204" pitchFamily="49" charset="0"/>
-              </a:rPr>
-              <a:t>s.length</a:t>
-            </a:r>
-            <a:r>
-              <a:rPr lang="en-US" sz="1600" dirty="0">
-                <a:latin typeface="Consolas" panose="020B0609020204030204" pitchFamily="49" charset="0"/>
-                <a:cs typeface="Consolas" panose="020B0609020204030204" pitchFamily="49" charset="0"/>
-              </a:rPr>
-              <a:t>() &gt; length;</a:t>
-            </a:r>
-          </a:p>
-          <a:p>
-            <a:pPr marL="342900" indent="-342900">
-              <a:buFont typeface="Arial" panose="020B0604020202020204" pitchFamily="34" charset="0"/>
-              <a:buAutoNum type="alphaUcPeriod"/>
-            </a:pPr>
-            <a:r>
-              <a:rPr lang="en-US" sz="1600" dirty="0">
-                <a:latin typeface="Consolas" panose="020B0609020204030204" pitchFamily="49" charset="0"/>
-                <a:cs typeface="Consolas" panose="020B0609020204030204" pitchFamily="49" charset="0"/>
-              </a:rPr>
-              <a:t>return </a:t>
-            </a:r>
-            <a:r>
-              <a:rPr lang="en-US" sz="1600" dirty="0" err="1">
-                <a:latin typeface="Consolas" panose="020B0609020204030204" pitchFamily="49" charset="0"/>
-                <a:cs typeface="Consolas" panose="020B0609020204030204" pitchFamily="49" charset="0"/>
-              </a:rPr>
-              <a:t>s.length</a:t>
-            </a:r>
-            <a:r>
-              <a:rPr lang="en-US" sz="1600" dirty="0">
-                <a:latin typeface="Consolas" panose="020B0609020204030204" pitchFamily="49" charset="0"/>
-                <a:cs typeface="Consolas" panose="020B0609020204030204" pitchFamily="49" charset="0"/>
-              </a:rPr>
-              <a:t> &gt; length;</a:t>
-            </a:r>
-          </a:p>
-          <a:p>
-            <a:pPr marL="342900" indent="-342900">
-              <a:buFont typeface="Arial" panose="020B0604020202020204" pitchFamily="34" charset="0"/>
-              <a:buAutoNum type="alphaUcPeriod"/>
-            </a:pPr>
-            <a:r>
-              <a:rPr lang="en-US" sz="1600" dirty="0"/>
-              <a:t>None of the above</a:t>
-            </a:r>
-          </a:p>
-        </p:txBody>
-      </p:sp>
-    </p:spTree>
-    <p:extLst>
-      <p:ext uri="{BB962C8B-B14F-4D97-AF65-F5344CB8AC3E}">
-        <p14:creationId xmlns:p14="http://schemas.microsoft.com/office/powerpoint/2010/main" val="3026241096"/>
-      </p:ext>
-    </p:extLst>
-  </p:cSld>
-  <p:clrMapOvr>
-    <a:masterClrMapping/>
-  </p:clrMapOvr>
-</p:sld>
-</file>
-
-<file path=ppt/slides/slide22.xml><?xml version="1.0" encoding="utf-8"?>
-<p:sld xmlns:a="http://schemas.openxmlformats.org/drawingml/2006/main" xmlns:r="http://schemas.openxmlformats.org/officeDocument/2006/relationships" xmlns:p="http://schemas.openxmlformats.org/presentationml/2006/main">
-  <p:cSld>
-    <p:spTree>
-      <p:nvGrpSpPr>
-        <p:cNvPr id="1" name=""/>
-        <p:cNvGrpSpPr/>
-        <p:nvPr/>
-      </p:nvGrpSpPr>
-      <p:grpSpPr>
-        <a:xfrm>
-          <a:off x="0" y="0"/>
-          <a:ext cx="0" cy="0"/>
-          <a:chOff x="0" y="0"/>
-          <a:chExt cx="0" cy="0"/>
-        </a:xfrm>
-      </p:grpSpPr>
-      <p:sp>
-        <p:nvSpPr>
-          <p:cNvPr id="2" name="Title 1">
-            <a:extLst>
-              <a:ext uri="{FF2B5EF4-FFF2-40B4-BE49-F238E27FC236}">
-                <a16:creationId xmlns:a16="http://schemas.microsoft.com/office/drawing/2014/main" id="{EE66865F-C7D4-AB47-9A81-C0B3540DE647}"/>
-              </a:ext>
-            </a:extLst>
-          </p:cNvPr>
-          <p:cNvSpPr>
-            <a:spLocks noGrp="1"/>
-          </p:cNvSpPr>
-          <p:nvPr>
-            <p:ph type="title"/>
-          </p:nvPr>
-        </p:nvSpPr>
-        <p:spPr/>
-        <p:txBody>
-          <a:bodyPr/>
-          <a:lstStyle/>
-          <a:p>
-            <a:r>
-              <a:rPr lang="en-US" dirty="0"/>
-              <a:t>Challenge – PA1 (</a:t>
-            </a:r>
-            <a:r>
-              <a:rPr lang="en-US" dirty="0" err="1"/>
-              <a:t>convertAndCompare</a:t>
-            </a:r>
-            <a:r>
-              <a:rPr lang="en-US" dirty="0"/>
-              <a:t>) in Java</a:t>
-            </a:r>
-          </a:p>
-        </p:txBody>
-      </p:sp>
-      <p:sp>
-        <p:nvSpPr>
-          <p:cNvPr id="3" name="Content Placeholder 2">
-            <a:extLst>
-              <a:ext uri="{FF2B5EF4-FFF2-40B4-BE49-F238E27FC236}">
-                <a16:creationId xmlns:a16="http://schemas.microsoft.com/office/drawing/2014/main" id="{6EF153D1-3572-AD4E-8DEC-D039002CFE03}"/>
-              </a:ext>
-            </a:extLst>
-          </p:cNvPr>
-          <p:cNvSpPr>
-            <a:spLocks noGrp="1"/>
-          </p:cNvSpPr>
-          <p:nvPr>
-            <p:ph sz="half" idx="1"/>
-          </p:nvPr>
-        </p:nvSpPr>
-        <p:spPr/>
-        <p:txBody>
-          <a:bodyPr/>
-          <a:lstStyle/>
-          <a:p>
-            <a:endParaRPr lang="en-US"/>
-          </a:p>
-        </p:txBody>
-      </p:sp>
-      <p:sp>
-        <p:nvSpPr>
-          <p:cNvPr id="4" name="Content Placeholder 3">
-            <a:extLst>
-              <a:ext uri="{FF2B5EF4-FFF2-40B4-BE49-F238E27FC236}">
-                <a16:creationId xmlns:a16="http://schemas.microsoft.com/office/drawing/2014/main" id="{49722A15-B804-0540-90A3-5A76B28AC14D}"/>
-              </a:ext>
-            </a:extLst>
-          </p:cNvPr>
-          <p:cNvSpPr>
-            <a:spLocks noGrp="1"/>
-          </p:cNvSpPr>
-          <p:nvPr>
-            <p:ph sz="half" idx="2"/>
-          </p:nvPr>
-        </p:nvSpPr>
-        <p:spPr/>
-        <p:txBody>
-          <a:bodyPr/>
-          <a:lstStyle/>
-          <a:p>
-            <a:endParaRPr lang="en-US"/>
-          </a:p>
-        </p:txBody>
-      </p:sp>
-    </p:spTree>
-    <p:extLst>
-      <p:ext uri="{BB962C8B-B14F-4D97-AF65-F5344CB8AC3E}">
-        <p14:creationId xmlns:p14="http://schemas.microsoft.com/office/powerpoint/2010/main" val="639385473"/>
       </p:ext>
     </p:extLst>
   </p:cSld>
